--- a/Slides/08_Angular_TrainingPlan.pptx
+++ b/Slides/08_Angular_TrainingPlan.pptx
@@ -5,7 +5,7 @@
     <p:sldMasterId id="2147483672" r:id="rId1"/>
   </p:sldMasterIdLst>
   <p:notesMasterIdLst>
-    <p:notesMasterId r:id="rId29"/>
+    <p:notesMasterId r:id="rId34"/>
   </p:notesMasterIdLst>
   <p:sldIdLst>
     <p:sldId id="256" r:id="rId2"/>
@@ -14,27 +14,32 @@
     <p:sldId id="342" r:id="rId5"/>
     <p:sldId id="341" r:id="rId6"/>
     <p:sldId id="322" r:id="rId7"/>
-    <p:sldId id="317" r:id="rId8"/>
-    <p:sldId id="353" r:id="rId9"/>
-    <p:sldId id="339" r:id="rId10"/>
-    <p:sldId id="344" r:id="rId11"/>
-    <p:sldId id="349" r:id="rId12"/>
-    <p:sldId id="324" r:id="rId13"/>
-    <p:sldId id="326" r:id="rId14"/>
-    <p:sldId id="354" r:id="rId15"/>
-    <p:sldId id="304" r:id="rId16"/>
-    <p:sldId id="345" r:id="rId17"/>
-    <p:sldId id="350" r:id="rId18"/>
-    <p:sldId id="330" r:id="rId19"/>
-    <p:sldId id="337" r:id="rId20"/>
-    <p:sldId id="346" r:id="rId21"/>
-    <p:sldId id="351" r:id="rId22"/>
-    <p:sldId id="333" r:id="rId23"/>
-    <p:sldId id="355" r:id="rId24"/>
-    <p:sldId id="338" r:id="rId25"/>
-    <p:sldId id="352" r:id="rId26"/>
-    <p:sldId id="343" r:id="rId27"/>
-    <p:sldId id="348" r:id="rId28"/>
+    <p:sldId id="358" r:id="rId8"/>
+    <p:sldId id="317" r:id="rId9"/>
+    <p:sldId id="359" r:id="rId10"/>
+    <p:sldId id="353" r:id="rId11"/>
+    <p:sldId id="356" r:id="rId12"/>
+    <p:sldId id="339" r:id="rId13"/>
+    <p:sldId id="344" r:id="rId14"/>
+    <p:sldId id="349" r:id="rId15"/>
+    <p:sldId id="324" r:id="rId16"/>
+    <p:sldId id="360" r:id="rId17"/>
+    <p:sldId id="326" r:id="rId18"/>
+    <p:sldId id="354" r:id="rId19"/>
+    <p:sldId id="304" r:id="rId20"/>
+    <p:sldId id="345" r:id="rId21"/>
+    <p:sldId id="350" r:id="rId22"/>
+    <p:sldId id="330" r:id="rId23"/>
+    <p:sldId id="337" r:id="rId24"/>
+    <p:sldId id="346" r:id="rId25"/>
+    <p:sldId id="351" r:id="rId26"/>
+    <p:sldId id="333" r:id="rId27"/>
+    <p:sldId id="355" r:id="rId28"/>
+    <p:sldId id="338" r:id="rId29"/>
+    <p:sldId id="352" r:id="rId30"/>
+    <p:sldId id="357" r:id="rId31"/>
+    <p:sldId id="343" r:id="rId32"/>
+    <p:sldId id="348" r:id="rId33"/>
   </p:sldIdLst>
   <p:sldSz cx="12192000" cy="6858000"/>
   <p:notesSz cx="6858000" cy="9144000"/>
@@ -223,7 +228,7 @@
           <a:p>
             <a:fld id="{E56F1039-F5BC-4E17-940A-BF8616FF3F3A}" type="datetimeFigureOut">
               <a:rPr lang="en-US" smtClean="0"/>
-              <a:t>3/4/2018</a:t>
+              <a:t>6/26/2018</a:t>
             </a:fld>
             <a:endParaRPr lang="en-US"/>
           </a:p>
@@ -287,38 +292,37 @@
           <a:p>
             <a:pPr lvl="0"/>
             <a:r>
-              <a:rPr lang="en-US" smtClean="0"/>
+              <a:rPr lang="en-US"/>
               <a:t>Click to edit Master text styles</a:t>
             </a:r>
           </a:p>
           <a:p>
             <a:pPr lvl="1"/>
             <a:r>
-              <a:rPr lang="en-US" smtClean="0"/>
+              <a:rPr lang="en-US"/>
               <a:t>Second level</a:t>
             </a:r>
           </a:p>
           <a:p>
             <a:pPr lvl="2"/>
             <a:r>
-              <a:rPr lang="en-US" smtClean="0"/>
+              <a:rPr lang="en-US"/>
               <a:t>Third level</a:t>
             </a:r>
           </a:p>
           <a:p>
             <a:pPr lvl="3"/>
             <a:r>
-              <a:rPr lang="en-US" smtClean="0"/>
+              <a:rPr lang="en-US"/>
               <a:t>Fourth level</a:t>
             </a:r>
           </a:p>
           <a:p>
             <a:pPr lvl="4"/>
             <a:r>
-              <a:rPr lang="en-US" smtClean="0"/>
+              <a:rPr lang="en-US"/>
               <a:t>Fifth level</a:t>
             </a:r>
-            <a:endParaRPr lang="en-US"/>
           </a:p>
         </p:txBody>
       </p:sp>
@@ -540,7 +544,7 @@
               <a:buChar char="•"/>
             </a:pPr>
             <a:r>
-              <a:rPr lang="en-US" baseline="0" dirty="0" smtClean="0"/>
+              <a:rPr lang="en-US" baseline="0" dirty="0"/>
               <a:t>These are all parts of what make up Angular.</a:t>
             </a:r>
           </a:p>
@@ -550,14 +554,14 @@
               <a:buChar char="•"/>
             </a:pPr>
             <a:r>
-              <a:rPr lang="en-US" baseline="0" dirty="0" smtClean="0"/>
+              <a:rPr lang="en-US" baseline="0" dirty="0"/>
               <a:t>Angular is built with </a:t>
             </a:r>
             <a:r>
-              <a:rPr lang="en-US" baseline="0" dirty="0" err="1" smtClean="0"/>
+              <a:rPr lang="en-US" baseline="0" dirty="0" err="1"/>
               <a:t>TypeScript</a:t>
             </a:r>
-            <a:endParaRPr lang="en-US" baseline="0" dirty="0" smtClean="0"/>
+            <a:endParaRPr lang="en-US" baseline="0" dirty="0"/>
           </a:p>
           <a:p>
             <a:pPr marL="171450" indent="-171450">
@@ -565,7 +569,7 @@
               <a:buChar char="•"/>
             </a:pPr>
             <a:r>
-              <a:rPr lang="en-US" baseline="0" dirty="0" smtClean="0"/>
+              <a:rPr lang="en-US" baseline="0" dirty="0"/>
               <a:t>It has modules, components, templates, metadata, and services.</a:t>
             </a:r>
           </a:p>
@@ -575,7 +579,7 @@
               <a:buChar char="•"/>
             </a:pPr>
             <a:r>
-              <a:rPr lang="en-US" baseline="0" dirty="0" smtClean="0"/>
+              <a:rPr lang="en-US" baseline="0" dirty="0"/>
               <a:t>We are going to go through each of these.</a:t>
             </a:r>
           </a:p>
@@ -665,7 +669,7 @@
               <a:buFont typeface="Arial" panose="020B0604020202020204" pitchFamily="34" charset="0"/>
               <a:buChar char="•"/>
             </a:pPr>
-            <a:endParaRPr lang="en-US" dirty="0"/>
+            <a:endParaRPr lang="en-US" baseline="0" dirty="0"/>
           </a:p>
         </p:txBody>
       </p:sp>
@@ -684,7 +688,7 @@
           <a:bodyPr/>
           <a:lstStyle/>
           <a:p>
-            <a:fld id="{226FA58D-4B12-4E7B-A2FA-693CE3EACDFD}" type="slidenum">
+            <a:fld id="{90562276-63C7-43F9-8E9E-CFA137F6F839}" type="slidenum">
               <a:rPr lang="en-US" smtClean="0"/>
               <a:t>11</a:t>
             </a:fld>
@@ -695,7 +699,7 @@
     </p:spTree>
     <p:extLst>
       <p:ext uri="{BB962C8B-B14F-4D97-AF65-F5344CB8AC3E}">
-        <p14:creationId xmlns:p14="http://schemas.microsoft.com/office/powerpoint/2010/main" val="1023324272"/>
+        <p14:creationId xmlns:p14="http://schemas.microsoft.com/office/powerpoint/2010/main" val="1224497497"/>
       </p:ext>
     </p:extLst>
   </p:cSld>
@@ -749,37 +753,7 @@
           <a:bodyPr/>
           <a:lstStyle/>
           <a:p>
-            <a:pPr marL="171450" indent="-171450">
-              <a:buFont typeface="Arial" panose="020B0604020202020204" pitchFamily="34" charset="0"/>
-              <a:buChar char="•"/>
-            </a:pPr>
-            <a:r>
-              <a:rPr lang="en-US" baseline="0" dirty="0" smtClean="0"/>
-              <a:t>Directives are custom extended html elements</a:t>
-            </a:r>
-          </a:p>
-          <a:p>
-            <a:pPr marL="171450" indent="-171450">
-              <a:buFont typeface="Arial" panose="020B0604020202020204" pitchFamily="34" charset="0"/>
-              <a:buChar char="•"/>
-            </a:pPr>
-            <a:r>
-              <a:rPr lang="en-US" baseline="0" dirty="0" smtClean="0"/>
-              <a:t>They are for things like conditions using </a:t>
-            </a:r>
-            <a:r>
-              <a:rPr lang="en-US" baseline="0" dirty="0" err="1" smtClean="0"/>
-              <a:t>ngIf</a:t>
-            </a:r>
-            <a:r>
-              <a:rPr lang="en-US" baseline="0" dirty="0" smtClean="0"/>
-              <a:t> and loops using </a:t>
-            </a:r>
-            <a:r>
-              <a:rPr lang="en-US" baseline="0" dirty="0" err="1" smtClean="0"/>
-              <a:t>ngFor</a:t>
-            </a:r>
-            <a:endParaRPr lang="en-US" baseline="0" dirty="0" smtClean="0"/>
+            <a:endParaRPr lang="en-US" dirty="0"/>
           </a:p>
         </p:txBody>
       </p:sp>
@@ -798,7 +772,7 @@
           <a:bodyPr/>
           <a:lstStyle/>
           <a:p>
-            <a:fld id="{90562276-63C7-43F9-8E9E-CFA137F6F839}" type="slidenum">
+            <a:fld id="{E090B8CA-1AD8-477E-9569-51E0CFA26921}" type="slidenum">
               <a:rPr lang="en-US" smtClean="0"/>
               <a:t>12</a:t>
             </a:fld>
@@ -809,7 +783,7 @@
     </p:spTree>
     <p:extLst>
       <p:ext uri="{BB962C8B-B14F-4D97-AF65-F5344CB8AC3E}">
-        <p14:creationId xmlns:p14="http://schemas.microsoft.com/office/powerpoint/2010/main" val="1457516481"/>
+        <p14:creationId xmlns:p14="http://schemas.microsoft.com/office/powerpoint/2010/main" val="820640523"/>
       </p:ext>
     </p:extLst>
   </p:cSld>
@@ -863,61 +837,101 @@
           <a:bodyPr/>
           <a:lstStyle/>
           <a:p>
-            <a:pPr marL="171450" indent="-171450">
+            <a:pPr marL="171450" lvl="0" indent="-171450">
               <a:buFont typeface="Arial" panose="020B0604020202020204" pitchFamily="34" charset="0"/>
               <a:buChar char="•"/>
             </a:pPr>
             <a:r>
-              <a:rPr lang="en-US" baseline="0" dirty="0" smtClean="0"/>
-              <a:t>There are different types of data binding.</a:t>
-            </a:r>
-          </a:p>
-          <a:p>
-            <a:pPr marL="171450" indent="-171450">
+              <a:rPr lang="en-US" sz="1200" kern="1200" dirty="0">
+                <a:solidFill>
+                  <a:schemeClr val="tx1"/>
+                </a:solidFill>
+                <a:effectLst/>
+                <a:latin typeface="+mn-lt"/>
+                <a:ea typeface="+mn-ea"/>
+                <a:cs typeface="+mn-cs"/>
+              </a:rPr>
+              <a:t>Write on the board the command to create a new angular application.</a:t>
+            </a:r>
+          </a:p>
+          <a:p>
+            <a:pPr marL="171450" lvl="0" indent="-171450">
               <a:buFont typeface="Arial" panose="020B0604020202020204" pitchFamily="34" charset="0"/>
               <a:buChar char="•"/>
             </a:pPr>
             <a:r>
-              <a:rPr lang="en-US" baseline="0" dirty="0" smtClean="0"/>
-              <a:t>Let’s look at the examples to understand these better.</a:t>
-            </a:r>
-          </a:p>
-          <a:p>
-            <a:pPr marL="171450" marR="0" lvl="0" indent="-171450" algn="l" defTabSz="914400" rtl="0" eaLnBrk="1" fontAlgn="auto" latinLnBrk="0" hangingPunct="1">
-              <a:lnSpc>
-                <a:spcPct val="100000"/>
-              </a:lnSpc>
-              <a:spcBef>
-                <a:spcPts val="0"/>
-              </a:spcBef>
-              <a:spcAft>
-                <a:spcPts val="0"/>
-              </a:spcAft>
-              <a:buClrTx/>
-              <a:buSzTx/>
-              <a:buFont typeface="Arial" panose="020B0604020202020204" pitchFamily="34" charset="0"/>
-              <a:buChar char="•"/>
-              <a:tabLst/>
-              <a:defRPr/>
-            </a:pPr>
-            <a:r>
-              <a:rPr lang="en-US" sz="1200" dirty="0" smtClean="0"/>
-              <a:t>Examples:  </a:t>
-            </a:r>
-            <a:r>
-              <a:rPr lang="en-US" sz="1200" dirty="0" smtClean="0">
-                <a:hlinkClick r:id="rId3"/>
+              <a:rPr lang="en-US" sz="1200" kern="1200" dirty="0">
+                <a:solidFill>
+                  <a:schemeClr val="tx1"/>
+                </a:solidFill>
+                <a:effectLst/>
+                <a:latin typeface="+mn-lt"/>
+                <a:ea typeface="+mn-ea"/>
+                <a:cs typeface="+mn-cs"/>
               </a:rPr>
-              <a:t>http://www.c-sharpcorner.com/article/data-binding-in-angular-2/</a:t>
-            </a:r>
-            <a:endParaRPr lang="en-US" sz="1200" dirty="0" smtClean="0"/>
-          </a:p>
-          <a:p>
-            <a:pPr marL="171450" indent="-171450">
+              <a:t>What are 5 main pieces of the Angular architecture?</a:t>
+            </a:r>
+          </a:p>
+          <a:p>
+            <a:pPr marL="171450" lvl="0" indent="-171450">
               <a:buFont typeface="Arial" panose="020B0604020202020204" pitchFamily="34" charset="0"/>
               <a:buChar char="•"/>
             </a:pPr>
-            <a:endParaRPr lang="en-US" baseline="0" dirty="0" smtClean="0"/>
+            <a:r>
+              <a:rPr lang="en-US" sz="1200" kern="1200" dirty="0">
+                <a:solidFill>
+                  <a:schemeClr val="tx1"/>
+                </a:solidFill>
+                <a:effectLst/>
+                <a:latin typeface="+mn-lt"/>
+                <a:ea typeface="+mn-ea"/>
+                <a:cs typeface="+mn-cs"/>
+              </a:rPr>
+              <a:t>Which piece does html go in?</a:t>
+            </a:r>
+          </a:p>
+          <a:p>
+            <a:pPr marL="171450" lvl="0" indent="-171450">
+              <a:buFont typeface="Arial" panose="020B0604020202020204" pitchFamily="34" charset="0"/>
+              <a:buChar char="•"/>
+            </a:pPr>
+            <a:r>
+              <a:rPr lang="en-US" sz="1200" kern="1200" dirty="0">
+                <a:solidFill>
+                  <a:schemeClr val="tx1"/>
+                </a:solidFill>
+                <a:effectLst/>
+                <a:latin typeface="+mn-lt"/>
+                <a:ea typeface="+mn-ea"/>
+                <a:cs typeface="+mn-cs"/>
+              </a:rPr>
+              <a:t>Which piece defines the class and links to the template?</a:t>
+            </a:r>
+          </a:p>
+          <a:p>
+            <a:pPr marL="171450" lvl="0" indent="-171450">
+              <a:buFont typeface="Arial" panose="020B0604020202020204" pitchFamily="34" charset="0"/>
+              <a:buChar char="•"/>
+            </a:pPr>
+            <a:r>
+              <a:rPr lang="en-US" sz="1200" kern="1200" dirty="0">
+                <a:solidFill>
+                  <a:schemeClr val="tx1"/>
+                </a:solidFill>
+                <a:effectLst/>
+                <a:latin typeface="+mn-lt"/>
+                <a:ea typeface="+mn-ea"/>
+                <a:cs typeface="+mn-cs"/>
+              </a:rPr>
+              <a:t>Write on the board a component definition.</a:t>
+            </a:r>
+          </a:p>
+          <a:p>
+            <a:pPr marL="457200" lvl="1" indent="0">
+              <a:buFont typeface="Arial" panose="020B0604020202020204" pitchFamily="34" charset="0"/>
+              <a:buNone/>
+            </a:pPr>
+            <a:endParaRPr lang="en-US" dirty="0"/>
           </a:p>
         </p:txBody>
       </p:sp>
@@ -936,7 +950,7 @@
           <a:bodyPr/>
           <a:lstStyle/>
           <a:p>
-            <a:fld id="{90562276-63C7-43F9-8E9E-CFA137F6F839}" type="slidenum">
+            <a:fld id="{226FA58D-4B12-4E7B-A2FA-693CE3EACDFD}" type="slidenum">
               <a:rPr lang="en-US" smtClean="0"/>
               <a:t>13</a:t>
             </a:fld>
@@ -947,7 +961,7 @@
     </p:spTree>
     <p:extLst>
       <p:ext uri="{BB962C8B-B14F-4D97-AF65-F5344CB8AC3E}">
-        <p14:creationId xmlns:p14="http://schemas.microsoft.com/office/powerpoint/2010/main" val="3332045249"/>
+        <p14:creationId xmlns:p14="http://schemas.microsoft.com/office/powerpoint/2010/main" val="2580819386"/>
       </p:ext>
     </p:extLst>
   </p:cSld>
@@ -1001,11 +1015,11 @@
           <a:bodyPr/>
           <a:lstStyle/>
           <a:p>
-            <a:pPr marL="0" indent="0">
+            <a:pPr marL="171450" indent="-171450">
               <a:buFont typeface="Arial" panose="020B0604020202020204" pitchFamily="34" charset="0"/>
-              <a:buNone/>
+              <a:buChar char="•"/>
             </a:pPr>
-            <a:endParaRPr lang="en-US" baseline="0" dirty="0" smtClean="0"/>
+            <a:endParaRPr lang="en-US" dirty="0"/>
           </a:p>
         </p:txBody>
       </p:sp>
@@ -1024,7 +1038,7 @@
           <a:bodyPr/>
           <a:lstStyle/>
           <a:p>
-            <a:fld id="{90562276-63C7-43F9-8E9E-CFA137F6F839}" type="slidenum">
+            <a:fld id="{226FA58D-4B12-4E7B-A2FA-693CE3EACDFD}" type="slidenum">
               <a:rPr lang="en-US" smtClean="0"/>
               <a:t>14</a:t>
             </a:fld>
@@ -1035,7 +1049,7 @@
     </p:spTree>
     <p:extLst>
       <p:ext uri="{BB962C8B-B14F-4D97-AF65-F5344CB8AC3E}">
-        <p14:creationId xmlns:p14="http://schemas.microsoft.com/office/powerpoint/2010/main" val="55944836"/>
+        <p14:creationId xmlns:p14="http://schemas.microsoft.com/office/powerpoint/2010/main" val="1023324272"/>
       </p:ext>
     </p:extLst>
   </p:cSld>
@@ -1089,7 +1103,37 @@
           <a:bodyPr/>
           <a:lstStyle/>
           <a:p>
-            <a:endParaRPr lang="en-US" dirty="0"/>
+            <a:pPr marL="171450" indent="-171450">
+              <a:buFont typeface="Arial" panose="020B0604020202020204" pitchFamily="34" charset="0"/>
+              <a:buChar char="•"/>
+            </a:pPr>
+            <a:r>
+              <a:rPr lang="en-US" baseline="0" dirty="0"/>
+              <a:t>Directives are custom extended html elements</a:t>
+            </a:r>
+          </a:p>
+          <a:p>
+            <a:pPr marL="171450" indent="-171450">
+              <a:buFont typeface="Arial" panose="020B0604020202020204" pitchFamily="34" charset="0"/>
+              <a:buChar char="•"/>
+            </a:pPr>
+            <a:r>
+              <a:rPr lang="en-US" baseline="0" dirty="0"/>
+              <a:t>They are for things like conditions using </a:t>
+            </a:r>
+            <a:r>
+              <a:rPr lang="en-US" baseline="0" dirty="0" err="1"/>
+              <a:t>ngIf</a:t>
+            </a:r>
+            <a:r>
+              <a:rPr lang="en-US" baseline="0" dirty="0"/>
+              <a:t> and loops using </a:t>
+            </a:r>
+            <a:r>
+              <a:rPr lang="en-US" baseline="0" dirty="0" err="1"/>
+              <a:t>ngFor</a:t>
+            </a:r>
+            <a:endParaRPr lang="en-US" baseline="0" dirty="0"/>
           </a:p>
         </p:txBody>
       </p:sp>
@@ -1108,7 +1152,7 @@
           <a:bodyPr/>
           <a:lstStyle/>
           <a:p>
-            <a:fld id="{E090B8CA-1AD8-477E-9569-51E0CFA26921}" type="slidenum">
+            <a:fld id="{90562276-63C7-43F9-8E9E-CFA137F6F839}" type="slidenum">
               <a:rPr lang="en-US" smtClean="0"/>
               <a:t>15</a:t>
             </a:fld>
@@ -1119,7 +1163,7 @@
     </p:spTree>
     <p:extLst>
       <p:ext uri="{BB962C8B-B14F-4D97-AF65-F5344CB8AC3E}">
-        <p14:creationId xmlns:p14="http://schemas.microsoft.com/office/powerpoint/2010/main" val="2908023703"/>
+        <p14:creationId xmlns:p14="http://schemas.microsoft.com/office/powerpoint/2010/main" val="1457516481"/>
       </p:ext>
     </p:extLst>
   </p:cSld>
@@ -1173,125 +1217,11 @@
           <a:bodyPr/>
           <a:lstStyle/>
           <a:p>
-            <a:pPr marL="171450" lvl="0" indent="-171450">
+            <a:pPr marL="171450" indent="-171450">
               <a:buFont typeface="Arial" panose="020B0604020202020204" pitchFamily="34" charset="0"/>
               <a:buChar char="•"/>
             </a:pPr>
-            <a:r>
-              <a:rPr lang="en-US" sz="1200" kern="1200" dirty="0" smtClean="0">
-                <a:solidFill>
-                  <a:schemeClr val="tx1"/>
-                </a:solidFill>
-                <a:effectLst/>
-                <a:latin typeface="+mn-lt"/>
-                <a:ea typeface="+mn-ea"/>
-                <a:cs typeface="+mn-cs"/>
-              </a:rPr>
-              <a:t>Which Angular piece extends HTML and makes it dynamic?</a:t>
-            </a:r>
-          </a:p>
-          <a:p>
-            <a:pPr marL="171450" lvl="0" indent="-171450">
-              <a:buFont typeface="Arial" panose="020B0604020202020204" pitchFamily="34" charset="0"/>
-              <a:buChar char="•"/>
-            </a:pPr>
-            <a:r>
-              <a:rPr lang="en-US" sz="1200" kern="1200" dirty="0" smtClean="0">
-                <a:solidFill>
-                  <a:schemeClr val="tx1"/>
-                </a:solidFill>
-                <a:effectLst/>
-                <a:latin typeface="+mn-lt"/>
-                <a:ea typeface="+mn-ea"/>
-                <a:cs typeface="+mn-cs"/>
-              </a:rPr>
-              <a:t>What are the four types of binding?</a:t>
-            </a:r>
-          </a:p>
-          <a:p>
-            <a:pPr marL="171450" lvl="0" indent="-171450">
-              <a:buFont typeface="Arial" panose="020B0604020202020204" pitchFamily="34" charset="0"/>
-              <a:buChar char="•"/>
-            </a:pPr>
-            <a:r>
-              <a:rPr lang="en-US" sz="1200" kern="1200" dirty="0" smtClean="0">
-                <a:solidFill>
-                  <a:schemeClr val="tx1"/>
-                </a:solidFill>
-                <a:effectLst/>
-                <a:latin typeface="+mn-lt"/>
-                <a:ea typeface="+mn-ea"/>
-                <a:cs typeface="+mn-cs"/>
-              </a:rPr>
-              <a:t>Write on the board interpolation for a property called name.</a:t>
-            </a:r>
-          </a:p>
-          <a:p>
-            <a:pPr marL="171450" lvl="0" indent="-171450">
-              <a:buFont typeface="Arial" panose="020B0604020202020204" pitchFamily="34" charset="0"/>
-              <a:buChar char="•"/>
-            </a:pPr>
-            <a:r>
-              <a:rPr lang="en-US" sz="1200" kern="1200" dirty="0" smtClean="0">
-                <a:solidFill>
-                  <a:schemeClr val="tx1"/>
-                </a:solidFill>
-                <a:effectLst/>
-                <a:latin typeface="+mn-lt"/>
-                <a:ea typeface="+mn-ea"/>
-                <a:cs typeface="+mn-cs"/>
-              </a:rPr>
-              <a:t>Write on the board a text field with a two way binding to a property called name.</a:t>
-            </a:r>
-          </a:p>
-          <a:p>
-            <a:pPr marL="171450" lvl="0" indent="-171450">
-              <a:buFont typeface="Arial" panose="020B0604020202020204" pitchFamily="34" charset="0"/>
-              <a:buChar char="•"/>
-            </a:pPr>
-            <a:r>
-              <a:rPr lang="en-US" sz="1200" kern="1200" dirty="0" smtClean="0">
-                <a:solidFill>
-                  <a:schemeClr val="tx1"/>
-                </a:solidFill>
-                <a:effectLst/>
-                <a:latin typeface="+mn-lt"/>
-                <a:ea typeface="+mn-ea"/>
-                <a:cs typeface="+mn-cs"/>
-              </a:rPr>
-              <a:t>Write on the board a button with an event binding to an event called </a:t>
-            </a:r>
-            <a:r>
-              <a:rPr lang="en-US" sz="1200" kern="1200" dirty="0" err="1" smtClean="0">
-                <a:solidFill>
-                  <a:schemeClr val="tx1"/>
-                </a:solidFill>
-                <a:effectLst/>
-                <a:latin typeface="+mn-lt"/>
-                <a:ea typeface="+mn-ea"/>
-                <a:cs typeface="+mn-cs"/>
-              </a:rPr>
-              <a:t>onButtonClick</a:t>
-            </a:r>
-            <a:r>
-              <a:rPr lang="en-US" sz="1200" kern="1200" dirty="0" smtClean="0">
-                <a:solidFill>
-                  <a:schemeClr val="tx1"/>
-                </a:solidFill>
-                <a:effectLst/>
-                <a:latin typeface="+mn-lt"/>
-                <a:ea typeface="+mn-ea"/>
-                <a:cs typeface="+mn-cs"/>
-              </a:rPr>
-              <a:t>.</a:t>
-            </a:r>
-          </a:p>
-          <a:p>
-            <a:pPr marL="457200" lvl="1" indent="0">
-              <a:buFont typeface="Arial" panose="020B0604020202020204" pitchFamily="34" charset="0"/>
-              <a:buNone/>
-            </a:pPr>
-            <a:endParaRPr lang="en-US" dirty="0"/>
+            <a:endParaRPr lang="en-US" baseline="0" dirty="0"/>
           </a:p>
         </p:txBody>
       </p:sp>
@@ -1310,7 +1240,7 @@
           <a:bodyPr/>
           <a:lstStyle/>
           <a:p>
-            <a:fld id="{226FA58D-4B12-4E7B-A2FA-693CE3EACDFD}" type="slidenum">
+            <a:fld id="{90562276-63C7-43F9-8E9E-CFA137F6F839}" type="slidenum">
               <a:rPr lang="en-US" smtClean="0"/>
               <a:t>16</a:t>
             </a:fld>
@@ -1321,7 +1251,7 @@
     </p:spTree>
     <p:extLst>
       <p:ext uri="{BB962C8B-B14F-4D97-AF65-F5344CB8AC3E}">
-        <p14:creationId xmlns:p14="http://schemas.microsoft.com/office/powerpoint/2010/main" val="159830074"/>
+        <p14:creationId xmlns:p14="http://schemas.microsoft.com/office/powerpoint/2010/main" val="1789409049"/>
       </p:ext>
     </p:extLst>
   </p:cSld>
@@ -1379,7 +1309,57 @@
               <a:buFont typeface="Arial" panose="020B0604020202020204" pitchFamily="34" charset="0"/>
               <a:buChar char="•"/>
             </a:pPr>
-            <a:endParaRPr lang="en-US" dirty="0"/>
+            <a:r>
+              <a:rPr lang="en-US" baseline="0" dirty="0"/>
+              <a:t>There are different types of data binding.</a:t>
+            </a:r>
+          </a:p>
+          <a:p>
+            <a:pPr marL="171450" indent="-171450">
+              <a:buFont typeface="Arial" panose="020B0604020202020204" pitchFamily="34" charset="0"/>
+              <a:buChar char="•"/>
+            </a:pPr>
+            <a:r>
+              <a:rPr lang="en-US" baseline="0" dirty="0"/>
+              <a:t>Let’s look at the examples to understand these better.</a:t>
+            </a:r>
+          </a:p>
+          <a:p>
+            <a:pPr marL="171450" marR="0" lvl="0" indent="-171450" algn="l" defTabSz="914400" rtl="0" eaLnBrk="1" fontAlgn="auto" latinLnBrk="0" hangingPunct="1">
+              <a:lnSpc>
+                <a:spcPct val="100000"/>
+              </a:lnSpc>
+              <a:spcBef>
+                <a:spcPts val="0"/>
+              </a:spcBef>
+              <a:spcAft>
+                <a:spcPts val="0"/>
+              </a:spcAft>
+              <a:buClrTx/>
+              <a:buSzTx/>
+              <a:buFont typeface="Arial" panose="020B0604020202020204" pitchFamily="34" charset="0"/>
+              <a:buChar char="•"/>
+              <a:tabLst/>
+              <a:defRPr/>
+            </a:pPr>
+            <a:r>
+              <a:rPr lang="en-US" sz="1200" dirty="0"/>
+              <a:t>Examples:  </a:t>
+            </a:r>
+            <a:r>
+              <a:rPr lang="en-US" sz="1200" dirty="0">
+                <a:hlinkClick r:id="rId3"/>
+              </a:rPr>
+              <a:t>http://www.c-sharpcorner.com/article/data-binding-in-angular-2/</a:t>
+            </a:r>
+            <a:endParaRPr lang="en-US" sz="1200" dirty="0"/>
+          </a:p>
+          <a:p>
+            <a:pPr marL="171450" indent="-171450">
+              <a:buFont typeface="Arial" panose="020B0604020202020204" pitchFamily="34" charset="0"/>
+              <a:buChar char="•"/>
+            </a:pPr>
+            <a:endParaRPr lang="en-US" baseline="0" dirty="0"/>
           </a:p>
         </p:txBody>
       </p:sp>
@@ -1398,7 +1378,7 @@
           <a:bodyPr/>
           <a:lstStyle/>
           <a:p>
-            <a:fld id="{226FA58D-4B12-4E7B-A2FA-693CE3EACDFD}" type="slidenum">
+            <a:fld id="{90562276-63C7-43F9-8E9E-CFA137F6F839}" type="slidenum">
               <a:rPr lang="en-US" smtClean="0"/>
               <a:t>17</a:t>
             </a:fld>
@@ -1409,7 +1389,7 @@
     </p:spTree>
     <p:extLst>
       <p:ext uri="{BB962C8B-B14F-4D97-AF65-F5344CB8AC3E}">
-        <p14:creationId xmlns:p14="http://schemas.microsoft.com/office/powerpoint/2010/main" val="928363010"/>
+        <p14:creationId xmlns:p14="http://schemas.microsoft.com/office/powerpoint/2010/main" val="3332045249"/>
       </p:ext>
     </p:extLst>
   </p:cSld>
@@ -1463,115 +1443,11 @@
           <a:bodyPr/>
           <a:lstStyle/>
           <a:p>
-            <a:pPr marL="171450" marR="0" lvl="0" indent="-171450" algn="l" defTabSz="914400" rtl="0" eaLnBrk="1" fontAlgn="auto" latinLnBrk="0" hangingPunct="1">
-              <a:lnSpc>
-                <a:spcPct val="100000"/>
-              </a:lnSpc>
-              <a:spcBef>
-                <a:spcPts val="0"/>
-              </a:spcBef>
-              <a:spcAft>
-                <a:spcPts val="0"/>
-              </a:spcAft>
-              <a:buClrTx/>
-              <a:buSzTx/>
+            <a:pPr marL="0" indent="0">
               <a:buFont typeface="Arial" panose="020B0604020202020204" pitchFamily="34" charset="0"/>
-              <a:buChar char="•"/>
-              <a:tabLst/>
-              <a:defRPr/>
+              <a:buNone/>
             </a:pPr>
-            <a:r>
-              <a:rPr lang="en-US" sz="1200" dirty="0" smtClean="0"/>
-              <a:t>Routes</a:t>
-            </a:r>
-            <a:r>
-              <a:rPr lang="en-US" sz="1200" baseline="0" dirty="0" smtClean="0"/>
-              <a:t> allow for navigation through the website.</a:t>
-            </a:r>
-          </a:p>
-          <a:p>
-            <a:pPr marL="171450" marR="0" lvl="0" indent="-171450" algn="l" defTabSz="914400" rtl="0" eaLnBrk="1" fontAlgn="auto" latinLnBrk="0" hangingPunct="1">
-              <a:lnSpc>
-                <a:spcPct val="100000"/>
-              </a:lnSpc>
-              <a:spcBef>
-                <a:spcPts val="0"/>
-              </a:spcBef>
-              <a:spcAft>
-                <a:spcPts val="0"/>
-              </a:spcAft>
-              <a:buClrTx/>
-              <a:buSzTx/>
-              <a:buFont typeface="Arial" panose="020B0604020202020204" pitchFamily="34" charset="0"/>
-              <a:buChar char="•"/>
-              <a:tabLst/>
-              <a:defRPr/>
-            </a:pPr>
-            <a:r>
-              <a:rPr lang="en-US" sz="1200" baseline="0" dirty="0" smtClean="0"/>
-              <a:t>Routes are setup in the module file and specify the path for a specific router link.</a:t>
-            </a:r>
-          </a:p>
-          <a:p>
-            <a:pPr marL="171450" marR="0" lvl="0" indent="-171450" algn="l" defTabSz="914400" rtl="0" eaLnBrk="1" fontAlgn="auto" latinLnBrk="0" hangingPunct="1">
-              <a:lnSpc>
-                <a:spcPct val="100000"/>
-              </a:lnSpc>
-              <a:spcBef>
-                <a:spcPts val="0"/>
-              </a:spcBef>
-              <a:spcAft>
-                <a:spcPts val="0"/>
-              </a:spcAft>
-              <a:buClrTx/>
-              <a:buSzTx/>
-              <a:buFont typeface="Arial" panose="020B0604020202020204" pitchFamily="34" charset="0"/>
-              <a:buChar char="•"/>
-              <a:tabLst/>
-              <a:defRPr/>
-            </a:pPr>
-            <a:r>
-              <a:rPr lang="en-US" sz="1200" baseline="0" dirty="0" smtClean="0"/>
-              <a:t>* can be used to route all undefined paths.</a:t>
-            </a:r>
-            <a:endParaRPr lang="en-US" sz="1200" dirty="0" smtClean="0"/>
-          </a:p>
-          <a:p>
-            <a:pPr marL="171450" marR="0" lvl="0" indent="-171450" algn="l" defTabSz="914400" rtl="0" eaLnBrk="1" fontAlgn="auto" latinLnBrk="0" hangingPunct="1">
-              <a:lnSpc>
-                <a:spcPct val="100000"/>
-              </a:lnSpc>
-              <a:spcBef>
-                <a:spcPts val="0"/>
-              </a:spcBef>
-              <a:spcAft>
-                <a:spcPts val="0"/>
-              </a:spcAft>
-              <a:buClrTx/>
-              <a:buSzTx/>
-              <a:buFont typeface="Arial" panose="020B0604020202020204" pitchFamily="34" charset="0"/>
-              <a:buChar char="•"/>
-              <a:tabLst/>
-              <a:defRPr/>
-            </a:pPr>
-            <a:r>
-              <a:rPr lang="en-US" sz="1200" dirty="0" smtClean="0"/>
-              <a:t>Example:  </a:t>
-            </a:r>
-            <a:r>
-              <a:rPr lang="en-US" sz="1200" dirty="0" smtClean="0">
-                <a:hlinkClick r:id="rId3"/>
-              </a:rPr>
-              <a:t>https://www.tutorialspoint.com/angular2/angular2_routing.htm</a:t>
-            </a:r>
-            <a:endParaRPr lang="en-US" sz="1200" dirty="0" smtClean="0"/>
-          </a:p>
-          <a:p>
-            <a:pPr marL="171450" indent="-171450">
-              <a:buFont typeface="Arial" panose="020B0604020202020204" pitchFamily="34" charset="0"/>
-              <a:buChar char="•"/>
-            </a:pPr>
-            <a:endParaRPr lang="en-US" baseline="0" dirty="0" smtClean="0"/>
+            <a:endParaRPr lang="en-US" baseline="0" dirty="0"/>
           </a:p>
         </p:txBody>
       </p:sp>
@@ -1601,7 +1477,7 @@
     </p:spTree>
     <p:extLst>
       <p:ext uri="{BB962C8B-B14F-4D97-AF65-F5344CB8AC3E}">
-        <p14:creationId xmlns:p14="http://schemas.microsoft.com/office/powerpoint/2010/main" val="1379035141"/>
+        <p14:creationId xmlns:p14="http://schemas.microsoft.com/office/powerpoint/2010/main" val="55944836"/>
       </p:ext>
     </p:extLst>
   </p:cSld>
@@ -1685,7 +1561,7 @@
     </p:spTree>
     <p:extLst>
       <p:ext uri="{BB962C8B-B14F-4D97-AF65-F5344CB8AC3E}">
-        <p14:creationId xmlns:p14="http://schemas.microsoft.com/office/powerpoint/2010/main" val="2408741293"/>
+        <p14:creationId xmlns:p14="http://schemas.microsoft.com/office/powerpoint/2010/main" val="2908023703"/>
       </p:ext>
     </p:extLst>
   </p:cSld>
@@ -1744,7 +1620,7 @@
               <a:buChar char="•"/>
             </a:pPr>
             <a:r>
-              <a:rPr lang="en-US" sz="1200" kern="1200" dirty="0" smtClean="0">
+              <a:rPr lang="en-US" sz="1200" kern="1200" dirty="0">
                 <a:solidFill>
                   <a:schemeClr val="tx1"/>
                 </a:solidFill>
@@ -1753,7 +1629,7 @@
                 <a:ea typeface="+mn-ea"/>
                 <a:cs typeface="+mn-cs"/>
               </a:rPr>
-              <a:t>Write on the board a route definition for a route called home.</a:t>
+              <a:t>Which Angular piece extends HTML and makes it dynamic?</a:t>
             </a:r>
           </a:p>
           <a:p>
@@ -1762,7 +1638,7 @@
               <a:buChar char="•"/>
             </a:pPr>
             <a:r>
-              <a:rPr lang="en-US" sz="1200" kern="1200" dirty="0" smtClean="0">
+              <a:rPr lang="en-US" sz="1200" kern="1200" dirty="0">
                 <a:solidFill>
                   <a:schemeClr val="tx1"/>
                 </a:solidFill>
@@ -1771,7 +1647,85 @@
                 <a:ea typeface="+mn-ea"/>
                 <a:cs typeface="+mn-cs"/>
               </a:rPr>
-              <a:t>Write on the board a link that uses a route called home.</a:t>
+              <a:t>What are the four types of binding?</a:t>
+            </a:r>
+          </a:p>
+          <a:p>
+            <a:pPr marL="171450" lvl="0" indent="-171450">
+              <a:buFont typeface="Arial" panose="020B0604020202020204" pitchFamily="34" charset="0"/>
+              <a:buChar char="•"/>
+            </a:pPr>
+            <a:r>
+              <a:rPr lang="en-US" sz="1200" kern="1200" dirty="0">
+                <a:solidFill>
+                  <a:schemeClr val="tx1"/>
+                </a:solidFill>
+                <a:effectLst/>
+                <a:latin typeface="+mn-lt"/>
+                <a:ea typeface="+mn-ea"/>
+                <a:cs typeface="+mn-cs"/>
+              </a:rPr>
+              <a:t>Write on the board interpolation for a property called name.</a:t>
+            </a:r>
+          </a:p>
+          <a:p>
+            <a:pPr marL="171450" lvl="0" indent="-171450">
+              <a:buFont typeface="Arial" panose="020B0604020202020204" pitchFamily="34" charset="0"/>
+              <a:buChar char="•"/>
+            </a:pPr>
+            <a:r>
+              <a:rPr lang="en-US" sz="1200" kern="1200" dirty="0">
+                <a:solidFill>
+                  <a:schemeClr val="tx1"/>
+                </a:solidFill>
+                <a:effectLst/>
+                <a:latin typeface="+mn-lt"/>
+                <a:ea typeface="+mn-ea"/>
+                <a:cs typeface="+mn-cs"/>
+              </a:rPr>
+              <a:t>Write on the board a text field with a two way binding to a property called name.</a:t>
+            </a:r>
+          </a:p>
+          <a:p>
+            <a:pPr marL="171450" lvl="0" indent="-171450">
+              <a:buFont typeface="Arial" panose="020B0604020202020204" pitchFamily="34" charset="0"/>
+              <a:buChar char="•"/>
+            </a:pPr>
+            <a:r>
+              <a:rPr lang="en-US" sz="1200" kern="1200" dirty="0">
+                <a:solidFill>
+                  <a:schemeClr val="tx1"/>
+                </a:solidFill>
+                <a:effectLst/>
+                <a:latin typeface="+mn-lt"/>
+                <a:ea typeface="+mn-ea"/>
+                <a:cs typeface="+mn-cs"/>
+              </a:rPr>
+              <a:t>Write on the board a button with an event binding to an event called </a:t>
+            </a:r>
+            <a:r>
+              <a:rPr lang="en-US" sz="1200" kern="1200" dirty="0" err="1">
+                <a:solidFill>
+                  <a:schemeClr val="tx1"/>
+                </a:solidFill>
+                <a:effectLst/>
+                <a:latin typeface="+mn-lt"/>
+                <a:ea typeface="+mn-ea"/>
+                <a:cs typeface="+mn-cs"/>
+              </a:rPr>
+              <a:t>onButtonClick</a:t>
+            </a:r>
+            <a:r>
+              <a:rPr lang="en-US" sz="1200" kern="1200" dirty="0">
+                <a:solidFill>
+                  <a:schemeClr val="tx1"/>
+                </a:solidFill>
+                <a:effectLst/>
+                <a:latin typeface="+mn-lt"/>
+                <a:ea typeface="+mn-ea"/>
+                <a:cs typeface="+mn-cs"/>
+              </a:rPr>
+              <a:t>.</a:t>
             </a:r>
           </a:p>
           <a:p>
@@ -1809,7 +1763,7 @@
     </p:spTree>
     <p:extLst>
       <p:ext uri="{BB962C8B-B14F-4D97-AF65-F5344CB8AC3E}">
-        <p14:creationId xmlns:p14="http://schemas.microsoft.com/office/powerpoint/2010/main" val="2855933107"/>
+        <p14:creationId xmlns:p14="http://schemas.microsoft.com/office/powerpoint/2010/main" val="159830074"/>
       </p:ext>
     </p:extLst>
   </p:cSld>
@@ -1867,7 +1821,7 @@
               <a:buFont typeface="Arial" panose="020B0604020202020204" pitchFamily="34" charset="0"/>
               <a:buChar char="•"/>
             </a:pPr>
-            <a:endParaRPr lang="en-US" baseline="0" dirty="0" smtClean="0"/>
+            <a:endParaRPr lang="en-US" baseline="0" dirty="0"/>
           </a:p>
         </p:txBody>
       </p:sp>
@@ -1985,7 +1939,7 @@
     </p:spTree>
     <p:extLst>
       <p:ext uri="{BB962C8B-B14F-4D97-AF65-F5344CB8AC3E}">
-        <p14:creationId xmlns:p14="http://schemas.microsoft.com/office/powerpoint/2010/main" val="3375279728"/>
+        <p14:creationId xmlns:p14="http://schemas.microsoft.com/office/powerpoint/2010/main" val="928363010"/>
       </p:ext>
     </p:extLst>
   </p:cSld>
@@ -2039,42 +1993,115 @@
           <a:bodyPr/>
           <a:lstStyle/>
           <a:p>
+            <a:pPr marL="171450" marR="0" lvl="0" indent="-171450" algn="l" defTabSz="914400" rtl="0" eaLnBrk="1" fontAlgn="auto" latinLnBrk="0" hangingPunct="1">
+              <a:lnSpc>
+                <a:spcPct val="100000"/>
+              </a:lnSpc>
+              <a:spcBef>
+                <a:spcPts val="0"/>
+              </a:spcBef>
+              <a:spcAft>
+                <a:spcPts val="0"/>
+              </a:spcAft>
+              <a:buClrTx/>
+              <a:buSzTx/>
+              <a:buFont typeface="Arial" panose="020B0604020202020204" pitchFamily="34" charset="0"/>
+              <a:buChar char="•"/>
+              <a:tabLst/>
+              <a:defRPr/>
+            </a:pPr>
+            <a:r>
+              <a:rPr lang="en-US" sz="1200" dirty="0"/>
+              <a:t>Routes</a:t>
+            </a:r>
+            <a:r>
+              <a:rPr lang="en-US" sz="1200" baseline="0" dirty="0"/>
+              <a:t> allow for navigation through the website.</a:t>
+            </a:r>
+          </a:p>
+          <a:p>
+            <a:pPr marL="171450" marR="0" lvl="0" indent="-171450" algn="l" defTabSz="914400" rtl="0" eaLnBrk="1" fontAlgn="auto" latinLnBrk="0" hangingPunct="1">
+              <a:lnSpc>
+                <a:spcPct val="100000"/>
+              </a:lnSpc>
+              <a:spcBef>
+                <a:spcPts val="0"/>
+              </a:spcBef>
+              <a:spcAft>
+                <a:spcPts val="0"/>
+              </a:spcAft>
+              <a:buClrTx/>
+              <a:buSzTx/>
+              <a:buFont typeface="Arial" panose="020B0604020202020204" pitchFamily="34" charset="0"/>
+              <a:buChar char="•"/>
+              <a:tabLst/>
+              <a:defRPr/>
+            </a:pPr>
+            <a:r>
+              <a:rPr lang="en-US" sz="1200" baseline="0" dirty="0"/>
+              <a:t>Routes are setup in the module file and specify the path for a specific router link.</a:t>
+            </a:r>
+          </a:p>
+          <a:p>
+            <a:pPr marL="171450" marR="0" lvl="0" indent="-171450" algn="l" defTabSz="914400" rtl="0" eaLnBrk="1" fontAlgn="auto" latinLnBrk="0" hangingPunct="1">
+              <a:lnSpc>
+                <a:spcPct val="100000"/>
+              </a:lnSpc>
+              <a:spcBef>
+                <a:spcPts val="0"/>
+              </a:spcBef>
+              <a:spcAft>
+                <a:spcPts val="0"/>
+              </a:spcAft>
+              <a:buClrTx/>
+              <a:buSzTx/>
+              <a:buFont typeface="Arial" panose="020B0604020202020204" pitchFamily="34" charset="0"/>
+              <a:buChar char="•"/>
+              <a:tabLst/>
+              <a:defRPr/>
+            </a:pPr>
+            <a:r>
+              <a:rPr lang="en-US" sz="1200" baseline="0" dirty="0"/>
+              <a:t>* can be used to route all undefined paths.</a:t>
+            </a:r>
+            <a:endParaRPr lang="en-US" sz="1200" dirty="0"/>
+          </a:p>
+          <a:p>
+            <a:pPr marL="171450" marR="0" lvl="0" indent="-171450" algn="l" defTabSz="914400" rtl="0" eaLnBrk="1" fontAlgn="auto" latinLnBrk="0" hangingPunct="1">
+              <a:lnSpc>
+                <a:spcPct val="100000"/>
+              </a:lnSpc>
+              <a:spcBef>
+                <a:spcPts val="0"/>
+              </a:spcBef>
+              <a:spcAft>
+                <a:spcPts val="0"/>
+              </a:spcAft>
+              <a:buClrTx/>
+              <a:buSzTx/>
+              <a:buFont typeface="Arial" panose="020B0604020202020204" pitchFamily="34" charset="0"/>
+              <a:buChar char="•"/>
+              <a:tabLst/>
+              <a:defRPr/>
+            </a:pPr>
+            <a:r>
+              <a:rPr lang="en-US" sz="1200" dirty="0"/>
+              <a:t>Example:  </a:t>
+            </a:r>
+            <a:r>
+              <a:rPr lang="en-US" sz="1200" dirty="0">
+                <a:hlinkClick r:id="rId3"/>
+              </a:rPr>
+              <a:t>https://www.tutorialspoint.com/angular2/angular2_routing.htm</a:t>
+            </a:r>
+            <a:endParaRPr lang="en-US" sz="1200" dirty="0"/>
+          </a:p>
+          <a:p>
             <a:pPr marL="171450" indent="-171450">
               <a:buFont typeface="Arial" panose="020B0604020202020204" pitchFamily="34" charset="0"/>
               <a:buChar char="•"/>
             </a:pPr>
-            <a:r>
-              <a:rPr lang="en-US" baseline="0" dirty="0" smtClean="0"/>
-              <a:t>A service class is </a:t>
-            </a:r>
-            <a:r>
-              <a:rPr lang="en-US" baseline="0" dirty="0" err="1" smtClean="0"/>
-              <a:t>usally</a:t>
-            </a:r>
-            <a:r>
-              <a:rPr lang="en-US" baseline="0" dirty="0" smtClean="0"/>
-              <a:t> used to interact with the data.</a:t>
-            </a:r>
-          </a:p>
-          <a:p>
-            <a:pPr marL="171450" indent="-171450">
-              <a:buFont typeface="Arial" panose="020B0604020202020204" pitchFamily="34" charset="0"/>
-              <a:buChar char="•"/>
-            </a:pPr>
-            <a:r>
-              <a:rPr lang="en-US" baseline="0" dirty="0" smtClean="0"/>
-              <a:t>It provides the reading and persisting the data usually calling services from the server.</a:t>
-            </a:r>
-          </a:p>
-          <a:p>
-            <a:pPr marL="171450" indent="-171450">
-              <a:buFont typeface="Arial" panose="020B0604020202020204" pitchFamily="34" charset="0"/>
-              <a:buChar char="•"/>
-            </a:pPr>
-            <a:r>
-              <a:rPr lang="en-US" baseline="0" dirty="0" smtClean="0"/>
-              <a:t>These are hooked up through the component.</a:t>
-            </a:r>
+            <a:endParaRPr lang="en-US" baseline="0" dirty="0"/>
           </a:p>
         </p:txBody>
       </p:sp>
@@ -2104,7 +2131,7 @@
     </p:spTree>
     <p:extLst>
       <p:ext uri="{BB962C8B-B14F-4D97-AF65-F5344CB8AC3E}">
-        <p14:creationId xmlns:p14="http://schemas.microsoft.com/office/powerpoint/2010/main" val="2526865882"/>
+        <p14:creationId xmlns:p14="http://schemas.microsoft.com/office/powerpoint/2010/main" val="1379035141"/>
       </p:ext>
     </p:extLst>
   </p:cSld>
@@ -2158,11 +2185,7 @@
           <a:bodyPr/>
           <a:lstStyle/>
           <a:p>
-            <a:pPr marL="171450" indent="-171450">
-              <a:buFont typeface="Arial" panose="020B0604020202020204" pitchFamily="34" charset="0"/>
-              <a:buChar char="•"/>
-            </a:pPr>
-            <a:endParaRPr lang="en-US" baseline="0" dirty="0" smtClean="0"/>
+            <a:endParaRPr lang="en-US" dirty="0"/>
           </a:p>
         </p:txBody>
       </p:sp>
@@ -2181,7 +2204,7 @@
           <a:bodyPr/>
           <a:lstStyle/>
           <a:p>
-            <a:fld id="{90562276-63C7-43F9-8E9E-CFA137F6F839}" type="slidenum">
+            <a:fld id="{E090B8CA-1AD8-477E-9569-51E0CFA26921}" type="slidenum">
               <a:rPr lang="en-US" smtClean="0"/>
               <a:t>23</a:t>
             </a:fld>
@@ -2192,7 +2215,7 @@
     </p:spTree>
     <p:extLst>
       <p:ext uri="{BB962C8B-B14F-4D97-AF65-F5344CB8AC3E}">
-        <p14:creationId xmlns:p14="http://schemas.microsoft.com/office/powerpoint/2010/main" val="1460894522"/>
+        <p14:creationId xmlns:p14="http://schemas.microsoft.com/office/powerpoint/2010/main" val="2408741293"/>
       </p:ext>
     </p:extLst>
   </p:cSld>
@@ -2246,6 +2269,46 @@
           <a:bodyPr/>
           <a:lstStyle/>
           <a:p>
+            <a:pPr marL="171450" lvl="0" indent="-171450">
+              <a:buFont typeface="Arial" panose="020B0604020202020204" pitchFamily="34" charset="0"/>
+              <a:buChar char="•"/>
+            </a:pPr>
+            <a:r>
+              <a:rPr lang="en-US" sz="1200" kern="1200" dirty="0">
+                <a:solidFill>
+                  <a:schemeClr val="tx1"/>
+                </a:solidFill>
+                <a:effectLst/>
+                <a:latin typeface="+mn-lt"/>
+                <a:ea typeface="+mn-ea"/>
+                <a:cs typeface="+mn-cs"/>
+              </a:rPr>
+              <a:t>Write on the board a route definition for a route called home.</a:t>
+            </a:r>
+          </a:p>
+          <a:p>
+            <a:pPr marL="171450" lvl="0" indent="-171450">
+              <a:buFont typeface="Arial" panose="020B0604020202020204" pitchFamily="34" charset="0"/>
+              <a:buChar char="•"/>
+            </a:pPr>
+            <a:r>
+              <a:rPr lang="en-US" sz="1200" kern="1200" dirty="0">
+                <a:solidFill>
+                  <a:schemeClr val="tx1"/>
+                </a:solidFill>
+                <a:effectLst/>
+                <a:latin typeface="+mn-lt"/>
+                <a:ea typeface="+mn-ea"/>
+                <a:cs typeface="+mn-cs"/>
+              </a:rPr>
+              <a:t>Write on the board a link that uses a route called home.</a:t>
+            </a:r>
+          </a:p>
+          <a:p>
+            <a:pPr marL="457200" lvl="1" indent="0">
+              <a:buFont typeface="Arial" panose="020B0604020202020204" pitchFamily="34" charset="0"/>
+              <a:buNone/>
+            </a:pPr>
             <a:endParaRPr lang="en-US" dirty="0"/>
           </a:p>
         </p:txBody>
@@ -2265,7 +2328,7 @@
           <a:bodyPr/>
           <a:lstStyle/>
           <a:p>
-            <a:fld id="{E090B8CA-1AD8-477E-9569-51E0CFA26921}" type="slidenum">
+            <a:fld id="{226FA58D-4B12-4E7B-A2FA-693CE3EACDFD}" type="slidenum">
               <a:rPr lang="en-US" smtClean="0"/>
               <a:t>24</a:t>
             </a:fld>
@@ -2276,7 +2339,7 @@
     </p:spTree>
     <p:extLst>
       <p:ext uri="{BB962C8B-B14F-4D97-AF65-F5344CB8AC3E}">
-        <p14:creationId xmlns:p14="http://schemas.microsoft.com/office/powerpoint/2010/main" val="206711651"/>
+        <p14:creationId xmlns:p14="http://schemas.microsoft.com/office/powerpoint/2010/main" val="2855933107"/>
       </p:ext>
     </p:extLst>
   </p:cSld>
@@ -2364,7 +2427,7 @@
     </p:spTree>
     <p:extLst>
       <p:ext uri="{BB962C8B-B14F-4D97-AF65-F5344CB8AC3E}">
-        <p14:creationId xmlns:p14="http://schemas.microsoft.com/office/powerpoint/2010/main" val="606682908"/>
+        <p14:creationId xmlns:p14="http://schemas.microsoft.com/office/powerpoint/2010/main" val="3375279728"/>
       </p:ext>
     </p:extLst>
   </p:cSld>
@@ -2418,281 +2481,42 @@
           <a:bodyPr/>
           <a:lstStyle/>
           <a:p>
-            <a:pPr marL="171450" lvl="0" indent="-171450">
+            <a:pPr marL="171450" indent="-171450">
               <a:buFont typeface="Arial" panose="020B0604020202020204" pitchFamily="34" charset="0"/>
               <a:buChar char="•"/>
             </a:pPr>
             <a:r>
-              <a:rPr lang="en-US" sz="1200" kern="1200" dirty="0" smtClean="0">
-                <a:solidFill>
-                  <a:schemeClr val="tx1"/>
-                </a:solidFill>
-                <a:effectLst/>
-                <a:latin typeface="+mn-lt"/>
-                <a:ea typeface="+mn-ea"/>
-                <a:cs typeface="+mn-cs"/>
-              </a:rPr>
-              <a:t>Write on the board the command to create a new angular application.</a:t>
-            </a:r>
-          </a:p>
-          <a:p>
-            <a:pPr marL="171450" lvl="0" indent="-171450">
+              <a:rPr lang="en-US" baseline="0" dirty="0"/>
+              <a:t>A service class is </a:t>
+            </a:r>
+            <a:r>
+              <a:rPr lang="en-US" baseline="0" dirty="0" err="1"/>
+              <a:t>usally</a:t>
+            </a:r>
+            <a:r>
+              <a:rPr lang="en-US" baseline="0" dirty="0"/>
+              <a:t> used to interact with the data.</a:t>
+            </a:r>
+          </a:p>
+          <a:p>
+            <a:pPr marL="171450" indent="-171450">
               <a:buFont typeface="Arial" panose="020B0604020202020204" pitchFamily="34" charset="0"/>
               <a:buChar char="•"/>
             </a:pPr>
             <a:r>
-              <a:rPr lang="en-US" sz="1200" kern="1200" dirty="0" smtClean="0">
-                <a:solidFill>
-                  <a:schemeClr val="tx1"/>
-                </a:solidFill>
-                <a:effectLst/>
-                <a:latin typeface="+mn-lt"/>
-                <a:ea typeface="+mn-ea"/>
-                <a:cs typeface="+mn-cs"/>
-              </a:rPr>
-              <a:t>Which piece does html go in?</a:t>
-            </a:r>
-          </a:p>
-          <a:p>
-            <a:pPr marL="171450" lvl="0" indent="-171450">
+              <a:rPr lang="en-US" baseline="0" dirty="0"/>
+              <a:t>It provides the reading and persisting the data usually calling services from the server.</a:t>
+            </a:r>
+          </a:p>
+          <a:p>
+            <a:pPr marL="171450" indent="-171450">
               <a:buFont typeface="Arial" panose="020B0604020202020204" pitchFamily="34" charset="0"/>
               <a:buChar char="•"/>
             </a:pPr>
             <a:r>
-              <a:rPr lang="en-US" sz="1200" kern="1200" dirty="0" smtClean="0">
-                <a:solidFill>
-                  <a:schemeClr val="tx1"/>
-                </a:solidFill>
-                <a:effectLst/>
-                <a:latin typeface="+mn-lt"/>
-                <a:ea typeface="+mn-ea"/>
-                <a:cs typeface="+mn-cs"/>
-              </a:rPr>
-              <a:t>Write on the board a div that uses </a:t>
-            </a:r>
-            <a:r>
-              <a:rPr lang="en-US" sz="1200" kern="1200" dirty="0" err="1" smtClean="0">
-                <a:solidFill>
-                  <a:schemeClr val="tx1"/>
-                </a:solidFill>
-                <a:effectLst/>
-                <a:latin typeface="+mn-lt"/>
-                <a:ea typeface="+mn-ea"/>
-                <a:cs typeface="+mn-cs"/>
-              </a:rPr>
-              <a:t>ngif</a:t>
-            </a:r>
-            <a:r>
-              <a:rPr lang="en-US" sz="1200" kern="1200" dirty="0" smtClean="0">
-                <a:solidFill>
-                  <a:schemeClr val="tx1"/>
-                </a:solidFill>
-                <a:effectLst/>
-                <a:latin typeface="+mn-lt"/>
-                <a:ea typeface="+mn-ea"/>
-                <a:cs typeface="+mn-cs"/>
-              </a:rPr>
-              <a:t> based on a property named </a:t>
-            </a:r>
-            <a:r>
-              <a:rPr lang="en-US" sz="1200" kern="1200" dirty="0" err="1" smtClean="0">
-                <a:solidFill>
-                  <a:schemeClr val="tx1"/>
-                </a:solidFill>
-                <a:effectLst/>
-                <a:latin typeface="+mn-lt"/>
-                <a:ea typeface="+mn-ea"/>
-                <a:cs typeface="+mn-cs"/>
-              </a:rPr>
-              <a:t>headerVisible</a:t>
-            </a:r>
-            <a:r>
-              <a:rPr lang="en-US" sz="1200" kern="1200" dirty="0" smtClean="0">
-                <a:solidFill>
-                  <a:schemeClr val="tx1"/>
-                </a:solidFill>
-                <a:effectLst/>
-                <a:latin typeface="+mn-lt"/>
-                <a:ea typeface="+mn-ea"/>
-                <a:cs typeface="+mn-cs"/>
-              </a:rPr>
-              <a:t>.</a:t>
-            </a:r>
-          </a:p>
-          <a:p>
-            <a:pPr marL="171450" lvl="0" indent="-171450">
-              <a:buFont typeface="Arial" panose="020B0604020202020204" pitchFamily="34" charset="0"/>
-              <a:buChar char="•"/>
-            </a:pPr>
-            <a:r>
-              <a:rPr lang="en-US" sz="1200" kern="1200" dirty="0" smtClean="0">
-                <a:solidFill>
-                  <a:schemeClr val="tx1"/>
-                </a:solidFill>
-                <a:effectLst/>
-                <a:latin typeface="+mn-lt"/>
-                <a:ea typeface="+mn-ea"/>
-                <a:cs typeface="+mn-cs"/>
-              </a:rPr>
-              <a:t>Write on the board a component definition.</a:t>
-            </a:r>
-          </a:p>
-          <a:p>
-            <a:pPr marL="171450" lvl="0" indent="-171450">
-              <a:buFont typeface="Arial" panose="020B0604020202020204" pitchFamily="34" charset="0"/>
-              <a:buChar char="•"/>
-            </a:pPr>
-            <a:r>
-              <a:rPr lang="en-US" sz="1200" kern="1200" dirty="0" smtClean="0">
-                <a:solidFill>
-                  <a:schemeClr val="tx1"/>
-                </a:solidFill>
-                <a:effectLst/>
-                <a:latin typeface="+mn-lt"/>
-                <a:ea typeface="+mn-ea"/>
-                <a:cs typeface="+mn-cs"/>
-              </a:rPr>
-              <a:t>What are the four types of binding?</a:t>
-            </a:r>
-          </a:p>
-          <a:p>
-            <a:pPr marL="171450" lvl="0" indent="-171450">
-              <a:buFont typeface="Arial" panose="020B0604020202020204" pitchFamily="34" charset="0"/>
-              <a:buChar char="•"/>
-            </a:pPr>
-            <a:r>
-              <a:rPr lang="en-US" sz="1200" kern="1200" dirty="0" smtClean="0">
-                <a:solidFill>
-                  <a:schemeClr val="tx1"/>
-                </a:solidFill>
-                <a:effectLst/>
-                <a:latin typeface="+mn-lt"/>
-                <a:ea typeface="+mn-ea"/>
-                <a:cs typeface="+mn-cs"/>
-              </a:rPr>
-              <a:t>Write on the board interpolation for a property called name.</a:t>
-            </a:r>
-          </a:p>
-          <a:p>
-            <a:pPr marL="171450" lvl="0" indent="-171450">
-              <a:buFont typeface="Arial" panose="020B0604020202020204" pitchFamily="34" charset="0"/>
-              <a:buChar char="•"/>
-            </a:pPr>
-            <a:r>
-              <a:rPr lang="en-US" sz="1200" kern="1200" dirty="0" smtClean="0">
-                <a:solidFill>
-                  <a:schemeClr val="tx1"/>
-                </a:solidFill>
-                <a:effectLst/>
-                <a:latin typeface="+mn-lt"/>
-                <a:ea typeface="+mn-ea"/>
-                <a:cs typeface="+mn-cs"/>
-              </a:rPr>
-              <a:t>Write on the board a text field with a two way binding to a property called name.</a:t>
-            </a:r>
-          </a:p>
-          <a:p>
-            <a:pPr marL="171450" lvl="0" indent="-171450">
-              <a:buFont typeface="Arial" panose="020B0604020202020204" pitchFamily="34" charset="0"/>
-              <a:buChar char="•"/>
-            </a:pPr>
-            <a:r>
-              <a:rPr lang="en-US" sz="1200" kern="1200" dirty="0" smtClean="0">
-                <a:solidFill>
-                  <a:schemeClr val="tx1"/>
-                </a:solidFill>
-                <a:effectLst/>
-                <a:latin typeface="+mn-lt"/>
-                <a:ea typeface="+mn-ea"/>
-                <a:cs typeface="+mn-cs"/>
-              </a:rPr>
-              <a:t>Write on the board a button with an event binding to an event called </a:t>
-            </a:r>
-            <a:r>
-              <a:rPr lang="en-US" sz="1200" kern="1200" dirty="0" err="1" smtClean="0">
-                <a:solidFill>
-                  <a:schemeClr val="tx1"/>
-                </a:solidFill>
-                <a:effectLst/>
-                <a:latin typeface="+mn-lt"/>
-                <a:ea typeface="+mn-ea"/>
-                <a:cs typeface="+mn-cs"/>
-              </a:rPr>
-              <a:t>onButtonClick</a:t>
-            </a:r>
-            <a:r>
-              <a:rPr lang="en-US" sz="1200" kern="1200" dirty="0" smtClean="0">
-                <a:solidFill>
-                  <a:schemeClr val="tx1"/>
-                </a:solidFill>
-                <a:effectLst/>
-                <a:latin typeface="+mn-lt"/>
-                <a:ea typeface="+mn-ea"/>
-                <a:cs typeface="+mn-cs"/>
-              </a:rPr>
-              <a:t>.</a:t>
-            </a:r>
-          </a:p>
-          <a:p>
-            <a:pPr marL="171450" lvl="0" indent="-171450">
-              <a:buFont typeface="Arial" panose="020B0604020202020204" pitchFamily="34" charset="0"/>
-              <a:buChar char="•"/>
-            </a:pPr>
-            <a:r>
-              <a:rPr lang="en-US" sz="1200" kern="1200" dirty="0" smtClean="0">
-                <a:solidFill>
-                  <a:schemeClr val="tx1"/>
-                </a:solidFill>
-                <a:effectLst/>
-                <a:latin typeface="+mn-lt"/>
-                <a:ea typeface="+mn-ea"/>
-                <a:cs typeface="+mn-cs"/>
-              </a:rPr>
-              <a:t>Write on the board a route definition for a route called home.</a:t>
-            </a:r>
-          </a:p>
-          <a:p>
-            <a:pPr marL="171450" lvl="0" indent="-171450">
-              <a:buFont typeface="Arial" panose="020B0604020202020204" pitchFamily="34" charset="0"/>
-              <a:buChar char="•"/>
-            </a:pPr>
-            <a:r>
-              <a:rPr lang="en-US" sz="1200" kern="1200" dirty="0" smtClean="0">
-                <a:solidFill>
-                  <a:schemeClr val="tx1"/>
-                </a:solidFill>
-                <a:effectLst/>
-                <a:latin typeface="+mn-lt"/>
-                <a:ea typeface="+mn-ea"/>
-                <a:cs typeface="+mn-cs"/>
-              </a:rPr>
-              <a:t>Write on the board a link that uses a route called home.</a:t>
-            </a:r>
-          </a:p>
-          <a:p>
-            <a:pPr marL="171450" lvl="0" indent="-171450">
-              <a:buFont typeface="Arial" panose="020B0604020202020204" pitchFamily="34" charset="0"/>
-              <a:buChar char="•"/>
-            </a:pPr>
-            <a:r>
-              <a:rPr lang="en-US" sz="1200" kern="1200" dirty="0" smtClean="0">
-                <a:solidFill>
-                  <a:schemeClr val="tx1"/>
-                </a:solidFill>
-                <a:effectLst/>
-                <a:latin typeface="+mn-lt"/>
-                <a:ea typeface="+mn-ea"/>
-                <a:cs typeface="+mn-cs"/>
-              </a:rPr>
-              <a:t>Which Angular piece would be used to read data from an API?</a:t>
-            </a:r>
-          </a:p>
-          <a:p>
-            <a:pPr marL="457200" lvl="1" indent="0">
-              <a:buFont typeface="Arial" panose="020B0604020202020204" pitchFamily="34" charset="0"/>
-              <a:buNone/>
-            </a:pPr>
-            <a:endParaRPr lang="en-US" dirty="0"/>
+              <a:rPr lang="en-US" baseline="0" dirty="0"/>
+              <a:t>These are hooked up through the component.</a:t>
+            </a:r>
           </a:p>
         </p:txBody>
       </p:sp>
@@ -2711,7 +2535,7 @@
           <a:bodyPr/>
           <a:lstStyle/>
           <a:p>
-            <a:fld id="{226FA58D-4B12-4E7B-A2FA-693CE3EACDFD}" type="slidenum">
+            <a:fld id="{90562276-63C7-43F9-8E9E-CFA137F6F839}" type="slidenum">
               <a:rPr lang="en-US" smtClean="0"/>
               <a:t>26</a:t>
             </a:fld>
@@ -2722,7 +2546,7 @@
     </p:spTree>
     <p:extLst>
       <p:ext uri="{BB962C8B-B14F-4D97-AF65-F5344CB8AC3E}">
-        <p14:creationId xmlns:p14="http://schemas.microsoft.com/office/powerpoint/2010/main" val="1088318583"/>
+        <p14:creationId xmlns:p14="http://schemas.microsoft.com/office/powerpoint/2010/main" val="2526865882"/>
       </p:ext>
     </p:extLst>
   </p:cSld>
@@ -2780,7 +2604,7 @@
               <a:buFont typeface="Arial" panose="020B0604020202020204" pitchFamily="34" charset="0"/>
               <a:buChar char="•"/>
             </a:pPr>
-            <a:endParaRPr lang="en-US" dirty="0"/>
+            <a:endParaRPr lang="en-US" baseline="0" dirty="0"/>
           </a:p>
         </p:txBody>
       </p:sp>
@@ -2799,7 +2623,7 @@
           <a:bodyPr/>
           <a:lstStyle/>
           <a:p>
-            <a:fld id="{226FA58D-4B12-4E7B-A2FA-693CE3EACDFD}" type="slidenum">
+            <a:fld id="{90562276-63C7-43F9-8E9E-CFA137F6F839}" type="slidenum">
               <a:rPr lang="en-US" smtClean="0"/>
               <a:t>27</a:t>
             </a:fld>
@@ -2810,7 +2634,267 @@
     </p:spTree>
     <p:extLst>
       <p:ext uri="{BB962C8B-B14F-4D97-AF65-F5344CB8AC3E}">
-        <p14:creationId xmlns:p14="http://schemas.microsoft.com/office/powerpoint/2010/main" val="1993128252"/>
+        <p14:creationId xmlns:p14="http://schemas.microsoft.com/office/powerpoint/2010/main" val="1460894522"/>
+      </p:ext>
+    </p:extLst>
+  </p:cSld>
+  <p:clrMapOvr>
+    <a:masterClrMapping/>
+  </p:clrMapOvr>
+</p:notes>
+</file>
+
+<file path=ppt/notesSlides/notesSlide27.xml><?xml version="1.0" encoding="utf-8"?>
+<p:notes xmlns:a="http://schemas.openxmlformats.org/drawingml/2006/main" xmlns:r="http://schemas.openxmlformats.org/officeDocument/2006/relationships" xmlns:p="http://schemas.openxmlformats.org/presentationml/2006/main">
+  <p:cSld>
+    <p:spTree>
+      <p:nvGrpSpPr>
+        <p:cNvPr id="1" name=""/>
+        <p:cNvGrpSpPr/>
+        <p:nvPr/>
+      </p:nvGrpSpPr>
+      <p:grpSpPr>
+        <a:xfrm>
+          <a:off x="0" y="0"/>
+          <a:ext cx="0" cy="0"/>
+          <a:chOff x="0" y="0"/>
+          <a:chExt cx="0" cy="0"/>
+        </a:xfrm>
+      </p:grpSpPr>
+      <p:sp>
+        <p:nvSpPr>
+          <p:cNvPr id="2" name="Slide Image Placeholder 1"/>
+          <p:cNvSpPr>
+            <a:spLocks noGrp="1" noRot="1" noChangeAspect="1"/>
+          </p:cNvSpPr>
+          <p:nvPr>
+            <p:ph type="sldImg"/>
+          </p:nvPr>
+        </p:nvSpPr>
+        <p:spPr/>
+      </p:sp>
+      <p:sp>
+        <p:nvSpPr>
+          <p:cNvPr id="3" name="Notes Placeholder 2"/>
+          <p:cNvSpPr>
+            <a:spLocks noGrp="1"/>
+          </p:cNvSpPr>
+          <p:nvPr>
+            <p:ph type="body" idx="1"/>
+          </p:nvPr>
+        </p:nvSpPr>
+        <p:spPr/>
+        <p:txBody>
+          <a:bodyPr/>
+          <a:lstStyle/>
+          <a:p>
+            <a:endParaRPr lang="en-US" dirty="0"/>
+          </a:p>
+        </p:txBody>
+      </p:sp>
+      <p:sp>
+        <p:nvSpPr>
+          <p:cNvPr id="4" name="Slide Number Placeholder 3"/>
+          <p:cNvSpPr>
+            <a:spLocks noGrp="1"/>
+          </p:cNvSpPr>
+          <p:nvPr>
+            <p:ph type="sldNum" sz="quarter" idx="10"/>
+          </p:nvPr>
+        </p:nvSpPr>
+        <p:spPr/>
+        <p:txBody>
+          <a:bodyPr/>
+          <a:lstStyle/>
+          <a:p>
+            <a:fld id="{E090B8CA-1AD8-477E-9569-51E0CFA26921}" type="slidenum">
+              <a:rPr lang="en-US" smtClean="0"/>
+              <a:t>28</a:t>
+            </a:fld>
+            <a:endParaRPr lang="en-US"/>
+          </a:p>
+        </p:txBody>
+      </p:sp>
+    </p:spTree>
+    <p:extLst>
+      <p:ext uri="{BB962C8B-B14F-4D97-AF65-F5344CB8AC3E}">
+        <p14:creationId xmlns:p14="http://schemas.microsoft.com/office/powerpoint/2010/main" val="206711651"/>
+      </p:ext>
+    </p:extLst>
+  </p:cSld>
+  <p:clrMapOvr>
+    <a:masterClrMapping/>
+  </p:clrMapOvr>
+</p:notes>
+</file>
+
+<file path=ppt/notesSlides/notesSlide28.xml><?xml version="1.0" encoding="utf-8"?>
+<p:notes xmlns:a="http://schemas.openxmlformats.org/drawingml/2006/main" xmlns:r="http://schemas.openxmlformats.org/officeDocument/2006/relationships" xmlns:p="http://schemas.openxmlformats.org/presentationml/2006/main">
+  <p:cSld>
+    <p:spTree>
+      <p:nvGrpSpPr>
+        <p:cNvPr id="1" name=""/>
+        <p:cNvGrpSpPr/>
+        <p:nvPr/>
+      </p:nvGrpSpPr>
+      <p:grpSpPr>
+        <a:xfrm>
+          <a:off x="0" y="0"/>
+          <a:ext cx="0" cy="0"/>
+          <a:chOff x="0" y="0"/>
+          <a:chExt cx="0" cy="0"/>
+        </a:xfrm>
+      </p:grpSpPr>
+      <p:sp>
+        <p:nvSpPr>
+          <p:cNvPr id="2" name="Slide Image Placeholder 1"/>
+          <p:cNvSpPr>
+            <a:spLocks noGrp="1" noRot="1" noChangeAspect="1"/>
+          </p:cNvSpPr>
+          <p:nvPr>
+            <p:ph type="sldImg"/>
+          </p:nvPr>
+        </p:nvSpPr>
+        <p:spPr/>
+      </p:sp>
+      <p:sp>
+        <p:nvSpPr>
+          <p:cNvPr id="3" name="Notes Placeholder 2"/>
+          <p:cNvSpPr>
+            <a:spLocks noGrp="1"/>
+          </p:cNvSpPr>
+          <p:nvPr>
+            <p:ph type="body" idx="1"/>
+          </p:nvPr>
+        </p:nvSpPr>
+        <p:spPr/>
+        <p:txBody>
+          <a:bodyPr/>
+          <a:lstStyle/>
+          <a:p>
+            <a:pPr marL="171450" indent="-171450">
+              <a:buFont typeface="Arial" panose="020B0604020202020204" pitchFamily="34" charset="0"/>
+              <a:buChar char="•"/>
+            </a:pPr>
+            <a:endParaRPr lang="en-US" dirty="0"/>
+          </a:p>
+        </p:txBody>
+      </p:sp>
+      <p:sp>
+        <p:nvSpPr>
+          <p:cNvPr id="4" name="Slide Number Placeholder 3"/>
+          <p:cNvSpPr>
+            <a:spLocks noGrp="1"/>
+          </p:cNvSpPr>
+          <p:nvPr>
+            <p:ph type="sldNum" sz="quarter" idx="10"/>
+          </p:nvPr>
+        </p:nvSpPr>
+        <p:spPr/>
+        <p:txBody>
+          <a:bodyPr/>
+          <a:lstStyle/>
+          <a:p>
+            <a:fld id="{226FA58D-4B12-4E7B-A2FA-693CE3EACDFD}" type="slidenum">
+              <a:rPr lang="en-US" smtClean="0"/>
+              <a:t>29</a:t>
+            </a:fld>
+            <a:endParaRPr lang="en-US"/>
+          </a:p>
+        </p:txBody>
+      </p:sp>
+    </p:spTree>
+    <p:extLst>
+      <p:ext uri="{BB962C8B-B14F-4D97-AF65-F5344CB8AC3E}">
+        <p14:creationId xmlns:p14="http://schemas.microsoft.com/office/powerpoint/2010/main" val="606682908"/>
+      </p:ext>
+    </p:extLst>
+  </p:cSld>
+  <p:clrMapOvr>
+    <a:masterClrMapping/>
+  </p:clrMapOvr>
+</p:notes>
+</file>
+
+<file path=ppt/notesSlides/notesSlide29.xml><?xml version="1.0" encoding="utf-8"?>
+<p:notes xmlns:a="http://schemas.openxmlformats.org/drawingml/2006/main" xmlns:r="http://schemas.openxmlformats.org/officeDocument/2006/relationships" xmlns:p="http://schemas.openxmlformats.org/presentationml/2006/main">
+  <p:cSld>
+    <p:spTree>
+      <p:nvGrpSpPr>
+        <p:cNvPr id="1" name=""/>
+        <p:cNvGrpSpPr/>
+        <p:nvPr/>
+      </p:nvGrpSpPr>
+      <p:grpSpPr>
+        <a:xfrm>
+          <a:off x="0" y="0"/>
+          <a:ext cx="0" cy="0"/>
+          <a:chOff x="0" y="0"/>
+          <a:chExt cx="0" cy="0"/>
+        </a:xfrm>
+      </p:grpSpPr>
+      <p:sp>
+        <p:nvSpPr>
+          <p:cNvPr id="2" name="Slide Image Placeholder 1"/>
+          <p:cNvSpPr>
+            <a:spLocks noGrp="1" noRot="1" noChangeAspect="1"/>
+          </p:cNvSpPr>
+          <p:nvPr>
+            <p:ph type="sldImg"/>
+          </p:nvPr>
+        </p:nvSpPr>
+        <p:spPr/>
+      </p:sp>
+      <p:sp>
+        <p:nvSpPr>
+          <p:cNvPr id="3" name="Notes Placeholder 2"/>
+          <p:cNvSpPr>
+            <a:spLocks noGrp="1"/>
+          </p:cNvSpPr>
+          <p:nvPr>
+            <p:ph type="body" idx="1"/>
+          </p:nvPr>
+        </p:nvSpPr>
+        <p:spPr/>
+        <p:txBody>
+          <a:bodyPr/>
+          <a:lstStyle/>
+          <a:p>
+            <a:pPr marL="171450" indent="-171450">
+              <a:buFont typeface="Arial" panose="020B0604020202020204" pitchFamily="34" charset="0"/>
+              <a:buChar char="•"/>
+            </a:pPr>
+            <a:endParaRPr lang="en-US" dirty="0"/>
+          </a:p>
+        </p:txBody>
+      </p:sp>
+      <p:sp>
+        <p:nvSpPr>
+          <p:cNvPr id="4" name="Slide Number Placeholder 3"/>
+          <p:cNvSpPr>
+            <a:spLocks noGrp="1"/>
+          </p:cNvSpPr>
+          <p:nvPr>
+            <p:ph type="sldNum" sz="quarter" idx="10"/>
+          </p:nvPr>
+        </p:nvSpPr>
+        <p:spPr/>
+        <p:txBody>
+          <a:bodyPr/>
+          <a:lstStyle/>
+          <a:p>
+            <a:fld id="{226FA58D-4B12-4E7B-A2FA-693CE3EACDFD}" type="slidenum">
+              <a:rPr lang="en-US" smtClean="0"/>
+              <a:t>30</a:t>
+            </a:fld>
+            <a:endParaRPr lang="en-US"/>
+          </a:p>
+        </p:txBody>
+      </p:sp>
+    </p:spTree>
+    <p:extLst>
+      <p:ext uri="{BB962C8B-B14F-4D97-AF65-F5344CB8AC3E}">
+        <p14:creationId xmlns:p14="http://schemas.microsoft.com/office/powerpoint/2010/main" val="437558260"/>
       </p:ext>
     </p:extLst>
   </p:cSld>
@@ -2869,7 +2953,7 @@
               <a:buChar char="•"/>
             </a:pPr>
             <a:r>
-              <a:rPr lang="en-US" baseline="0" dirty="0" smtClean="0"/>
+              <a:rPr lang="en-US" baseline="0" dirty="0"/>
               <a:t>The Angular CLI is the command line interface for Angular.</a:t>
             </a:r>
           </a:p>
@@ -2892,15 +2976,15 @@
               <a:defRPr/>
             </a:pPr>
             <a:r>
-              <a:rPr lang="en-US" baseline="0" dirty="0" smtClean="0"/>
+              <a:rPr lang="en-US" baseline="0" dirty="0"/>
               <a:t>To install the Angular CLI enter the following command:  </a:t>
             </a:r>
             <a:r>
-              <a:rPr lang="en-US" sz="1200" dirty="0" err="1" smtClean="0"/>
+              <a:rPr lang="en-US" sz="1200" dirty="0" err="1"/>
               <a:t>npm</a:t>
             </a:r>
             <a:r>
-              <a:rPr lang="en-US" sz="1200" dirty="0" smtClean="0"/>
+              <a:rPr lang="en-US" sz="1200" dirty="0"/>
               <a:t> install –g @angular/cli</a:t>
             </a:r>
           </a:p>
@@ -2923,11 +3007,11 @@
               <a:defRPr/>
             </a:pPr>
             <a:r>
-              <a:rPr lang="en-US" baseline="0" dirty="0" smtClean="0"/>
+              <a:rPr lang="en-US" baseline="0" dirty="0"/>
               <a:t>To create a new application enter the following command:  </a:t>
             </a:r>
             <a:r>
-              <a:rPr lang="en-US" sz="1200" dirty="0" smtClean="0"/>
+              <a:rPr lang="en-US" sz="1200" dirty="0"/>
               <a:t>ng new [app-name]</a:t>
             </a:r>
           </a:p>
@@ -2950,11 +3034,11 @@
               <a:defRPr/>
             </a:pPr>
             <a:r>
-              <a:rPr lang="en-US" baseline="0" dirty="0" smtClean="0"/>
+              <a:rPr lang="en-US" baseline="0" dirty="0"/>
               <a:t>To change the directory to the new application enter the following command:  </a:t>
             </a:r>
             <a:r>
-              <a:rPr lang="en-US" sz="1200" dirty="0" smtClean="0"/>
+              <a:rPr lang="en-US" sz="1200" dirty="0"/>
               <a:t>cd [app-name]</a:t>
             </a:r>
           </a:p>
@@ -2977,11 +3061,11 @@
               <a:defRPr/>
             </a:pPr>
             <a:r>
-              <a:rPr lang="en-US" baseline="0" dirty="0" smtClean="0"/>
+              <a:rPr lang="en-US" baseline="0" dirty="0"/>
               <a:t>To run the application enter the following command:  </a:t>
             </a:r>
             <a:r>
-              <a:rPr lang="en-US" sz="1200" dirty="0" smtClean="0"/>
+              <a:rPr lang="en-US" sz="1200" dirty="0"/>
               <a:t>ng serve</a:t>
             </a:r>
           </a:p>
@@ -2990,7 +3074,7 @@
               <a:buFont typeface="Arial" panose="020B0604020202020204" pitchFamily="34" charset="0"/>
               <a:buChar char="•"/>
             </a:pPr>
-            <a:endParaRPr lang="en-US" baseline="0" dirty="0" smtClean="0"/>
+            <a:endParaRPr lang="en-US" baseline="0" dirty="0"/>
           </a:p>
         </p:txBody>
       </p:sp>
@@ -3021,6 +3105,452 @@
     <p:extLst>
       <p:ext uri="{BB962C8B-B14F-4D97-AF65-F5344CB8AC3E}">
         <p14:creationId xmlns:p14="http://schemas.microsoft.com/office/powerpoint/2010/main" val="1539137674"/>
+      </p:ext>
+    </p:extLst>
+  </p:cSld>
+  <p:clrMapOvr>
+    <a:masterClrMapping/>
+  </p:clrMapOvr>
+</p:notes>
+</file>
+
+<file path=ppt/notesSlides/notesSlide30.xml><?xml version="1.0" encoding="utf-8"?>
+<p:notes xmlns:a="http://schemas.openxmlformats.org/drawingml/2006/main" xmlns:r="http://schemas.openxmlformats.org/officeDocument/2006/relationships" xmlns:p="http://schemas.openxmlformats.org/presentationml/2006/main">
+  <p:cSld>
+    <p:spTree>
+      <p:nvGrpSpPr>
+        <p:cNvPr id="1" name=""/>
+        <p:cNvGrpSpPr/>
+        <p:nvPr/>
+      </p:nvGrpSpPr>
+      <p:grpSpPr>
+        <a:xfrm>
+          <a:off x="0" y="0"/>
+          <a:ext cx="0" cy="0"/>
+          <a:chOff x="0" y="0"/>
+          <a:chExt cx="0" cy="0"/>
+        </a:xfrm>
+      </p:grpSpPr>
+      <p:sp>
+        <p:nvSpPr>
+          <p:cNvPr id="2" name="Slide Image Placeholder 1"/>
+          <p:cNvSpPr>
+            <a:spLocks noGrp="1" noRot="1" noChangeAspect="1"/>
+          </p:cNvSpPr>
+          <p:nvPr>
+            <p:ph type="sldImg"/>
+          </p:nvPr>
+        </p:nvSpPr>
+        <p:spPr/>
+      </p:sp>
+      <p:sp>
+        <p:nvSpPr>
+          <p:cNvPr id="3" name="Notes Placeholder 2"/>
+          <p:cNvSpPr>
+            <a:spLocks noGrp="1"/>
+          </p:cNvSpPr>
+          <p:nvPr>
+            <p:ph type="body" idx="1"/>
+          </p:nvPr>
+        </p:nvSpPr>
+        <p:spPr/>
+        <p:txBody>
+          <a:bodyPr/>
+          <a:lstStyle/>
+          <a:p>
+            <a:pPr marL="171450" lvl="0" indent="-171450">
+              <a:buFont typeface="Arial" panose="020B0604020202020204" pitchFamily="34" charset="0"/>
+              <a:buChar char="•"/>
+            </a:pPr>
+            <a:r>
+              <a:rPr lang="en-US" sz="1200" kern="1200" dirty="0">
+                <a:solidFill>
+                  <a:schemeClr val="tx1"/>
+                </a:solidFill>
+                <a:effectLst/>
+                <a:latin typeface="+mn-lt"/>
+                <a:ea typeface="+mn-ea"/>
+                <a:cs typeface="+mn-cs"/>
+              </a:rPr>
+              <a:t>Write on the board the command to create a new angular application.</a:t>
+            </a:r>
+          </a:p>
+          <a:p>
+            <a:pPr marL="171450" lvl="0" indent="-171450">
+              <a:buFont typeface="Arial" panose="020B0604020202020204" pitchFamily="34" charset="0"/>
+              <a:buChar char="•"/>
+            </a:pPr>
+            <a:r>
+              <a:rPr lang="en-US" sz="1200" kern="1200" dirty="0">
+                <a:solidFill>
+                  <a:schemeClr val="tx1"/>
+                </a:solidFill>
+                <a:effectLst/>
+                <a:latin typeface="+mn-lt"/>
+                <a:ea typeface="+mn-ea"/>
+                <a:cs typeface="+mn-cs"/>
+              </a:rPr>
+              <a:t>Which piece does html go in?</a:t>
+            </a:r>
+          </a:p>
+          <a:p>
+            <a:pPr marL="171450" lvl="0" indent="-171450">
+              <a:buFont typeface="Arial" panose="020B0604020202020204" pitchFamily="34" charset="0"/>
+              <a:buChar char="•"/>
+            </a:pPr>
+            <a:r>
+              <a:rPr lang="en-US" sz="1200" kern="1200" dirty="0">
+                <a:solidFill>
+                  <a:schemeClr val="tx1"/>
+                </a:solidFill>
+                <a:effectLst/>
+                <a:latin typeface="+mn-lt"/>
+                <a:ea typeface="+mn-ea"/>
+                <a:cs typeface="+mn-cs"/>
+              </a:rPr>
+              <a:t>Write on the board a div that uses </a:t>
+            </a:r>
+            <a:r>
+              <a:rPr lang="en-US" sz="1200" kern="1200" dirty="0" err="1">
+                <a:solidFill>
+                  <a:schemeClr val="tx1"/>
+                </a:solidFill>
+                <a:effectLst/>
+                <a:latin typeface="+mn-lt"/>
+                <a:ea typeface="+mn-ea"/>
+                <a:cs typeface="+mn-cs"/>
+              </a:rPr>
+              <a:t>ngif</a:t>
+            </a:r>
+            <a:r>
+              <a:rPr lang="en-US" sz="1200" kern="1200" dirty="0">
+                <a:solidFill>
+                  <a:schemeClr val="tx1"/>
+                </a:solidFill>
+                <a:effectLst/>
+                <a:latin typeface="+mn-lt"/>
+                <a:ea typeface="+mn-ea"/>
+                <a:cs typeface="+mn-cs"/>
+              </a:rPr>
+              <a:t> based on a property named </a:t>
+            </a:r>
+            <a:r>
+              <a:rPr lang="en-US" sz="1200" kern="1200" dirty="0" err="1">
+                <a:solidFill>
+                  <a:schemeClr val="tx1"/>
+                </a:solidFill>
+                <a:effectLst/>
+                <a:latin typeface="+mn-lt"/>
+                <a:ea typeface="+mn-ea"/>
+                <a:cs typeface="+mn-cs"/>
+              </a:rPr>
+              <a:t>headerVisible</a:t>
+            </a:r>
+            <a:r>
+              <a:rPr lang="en-US" sz="1200" kern="1200" dirty="0">
+                <a:solidFill>
+                  <a:schemeClr val="tx1"/>
+                </a:solidFill>
+                <a:effectLst/>
+                <a:latin typeface="+mn-lt"/>
+                <a:ea typeface="+mn-ea"/>
+                <a:cs typeface="+mn-cs"/>
+              </a:rPr>
+              <a:t>.</a:t>
+            </a:r>
+          </a:p>
+          <a:p>
+            <a:pPr marL="171450" lvl="0" indent="-171450">
+              <a:buFont typeface="Arial" panose="020B0604020202020204" pitchFamily="34" charset="0"/>
+              <a:buChar char="•"/>
+            </a:pPr>
+            <a:r>
+              <a:rPr lang="en-US" sz="1200" kern="1200" dirty="0">
+                <a:solidFill>
+                  <a:schemeClr val="tx1"/>
+                </a:solidFill>
+                <a:effectLst/>
+                <a:latin typeface="+mn-lt"/>
+                <a:ea typeface="+mn-ea"/>
+                <a:cs typeface="+mn-cs"/>
+              </a:rPr>
+              <a:t>Write on the board a component definition.</a:t>
+            </a:r>
+          </a:p>
+          <a:p>
+            <a:pPr marL="171450" lvl="0" indent="-171450">
+              <a:buFont typeface="Arial" panose="020B0604020202020204" pitchFamily="34" charset="0"/>
+              <a:buChar char="•"/>
+            </a:pPr>
+            <a:r>
+              <a:rPr lang="en-US" sz="1200" kern="1200" dirty="0">
+                <a:solidFill>
+                  <a:schemeClr val="tx1"/>
+                </a:solidFill>
+                <a:effectLst/>
+                <a:latin typeface="+mn-lt"/>
+                <a:ea typeface="+mn-ea"/>
+                <a:cs typeface="+mn-cs"/>
+              </a:rPr>
+              <a:t>What are the four types of binding?</a:t>
+            </a:r>
+          </a:p>
+          <a:p>
+            <a:pPr marL="171450" lvl="0" indent="-171450">
+              <a:buFont typeface="Arial" panose="020B0604020202020204" pitchFamily="34" charset="0"/>
+              <a:buChar char="•"/>
+            </a:pPr>
+            <a:r>
+              <a:rPr lang="en-US" sz="1200" kern="1200" dirty="0">
+                <a:solidFill>
+                  <a:schemeClr val="tx1"/>
+                </a:solidFill>
+                <a:effectLst/>
+                <a:latin typeface="+mn-lt"/>
+                <a:ea typeface="+mn-ea"/>
+                <a:cs typeface="+mn-cs"/>
+              </a:rPr>
+              <a:t>Write on the board interpolation for a property called name.</a:t>
+            </a:r>
+          </a:p>
+          <a:p>
+            <a:pPr marL="171450" lvl="0" indent="-171450">
+              <a:buFont typeface="Arial" panose="020B0604020202020204" pitchFamily="34" charset="0"/>
+              <a:buChar char="•"/>
+            </a:pPr>
+            <a:r>
+              <a:rPr lang="en-US" sz="1200" kern="1200" dirty="0">
+                <a:solidFill>
+                  <a:schemeClr val="tx1"/>
+                </a:solidFill>
+                <a:effectLst/>
+                <a:latin typeface="+mn-lt"/>
+                <a:ea typeface="+mn-ea"/>
+                <a:cs typeface="+mn-cs"/>
+              </a:rPr>
+              <a:t>Write on the board a text field with a two way binding to a property called name.</a:t>
+            </a:r>
+          </a:p>
+          <a:p>
+            <a:pPr marL="171450" lvl="0" indent="-171450">
+              <a:buFont typeface="Arial" panose="020B0604020202020204" pitchFamily="34" charset="0"/>
+              <a:buChar char="•"/>
+            </a:pPr>
+            <a:r>
+              <a:rPr lang="en-US" sz="1200" kern="1200" dirty="0">
+                <a:solidFill>
+                  <a:schemeClr val="tx1"/>
+                </a:solidFill>
+                <a:effectLst/>
+                <a:latin typeface="+mn-lt"/>
+                <a:ea typeface="+mn-ea"/>
+                <a:cs typeface="+mn-cs"/>
+              </a:rPr>
+              <a:t>Write on the board a button with an event binding to an event called </a:t>
+            </a:r>
+            <a:r>
+              <a:rPr lang="en-US" sz="1200" kern="1200" dirty="0" err="1">
+                <a:solidFill>
+                  <a:schemeClr val="tx1"/>
+                </a:solidFill>
+                <a:effectLst/>
+                <a:latin typeface="+mn-lt"/>
+                <a:ea typeface="+mn-ea"/>
+                <a:cs typeface="+mn-cs"/>
+              </a:rPr>
+              <a:t>onButtonClick</a:t>
+            </a:r>
+            <a:r>
+              <a:rPr lang="en-US" sz="1200" kern="1200" dirty="0">
+                <a:solidFill>
+                  <a:schemeClr val="tx1"/>
+                </a:solidFill>
+                <a:effectLst/>
+                <a:latin typeface="+mn-lt"/>
+                <a:ea typeface="+mn-ea"/>
+                <a:cs typeface="+mn-cs"/>
+              </a:rPr>
+              <a:t>.</a:t>
+            </a:r>
+          </a:p>
+          <a:p>
+            <a:pPr marL="171450" lvl="0" indent="-171450">
+              <a:buFont typeface="Arial" panose="020B0604020202020204" pitchFamily="34" charset="0"/>
+              <a:buChar char="•"/>
+            </a:pPr>
+            <a:r>
+              <a:rPr lang="en-US" sz="1200" kern="1200" dirty="0">
+                <a:solidFill>
+                  <a:schemeClr val="tx1"/>
+                </a:solidFill>
+                <a:effectLst/>
+                <a:latin typeface="+mn-lt"/>
+                <a:ea typeface="+mn-ea"/>
+                <a:cs typeface="+mn-cs"/>
+              </a:rPr>
+              <a:t>Write on the board a route definition for a route called home.</a:t>
+            </a:r>
+          </a:p>
+          <a:p>
+            <a:pPr marL="171450" lvl="0" indent="-171450">
+              <a:buFont typeface="Arial" panose="020B0604020202020204" pitchFamily="34" charset="0"/>
+              <a:buChar char="•"/>
+            </a:pPr>
+            <a:r>
+              <a:rPr lang="en-US" sz="1200" kern="1200" dirty="0">
+                <a:solidFill>
+                  <a:schemeClr val="tx1"/>
+                </a:solidFill>
+                <a:effectLst/>
+                <a:latin typeface="+mn-lt"/>
+                <a:ea typeface="+mn-ea"/>
+                <a:cs typeface="+mn-cs"/>
+              </a:rPr>
+              <a:t>Write on the board a link that uses a route called home.</a:t>
+            </a:r>
+          </a:p>
+          <a:p>
+            <a:pPr marL="171450" lvl="0" indent="-171450">
+              <a:buFont typeface="Arial" panose="020B0604020202020204" pitchFamily="34" charset="0"/>
+              <a:buChar char="•"/>
+            </a:pPr>
+            <a:r>
+              <a:rPr lang="en-US" sz="1200" kern="1200" dirty="0">
+                <a:solidFill>
+                  <a:schemeClr val="tx1"/>
+                </a:solidFill>
+                <a:effectLst/>
+                <a:latin typeface="+mn-lt"/>
+                <a:ea typeface="+mn-ea"/>
+                <a:cs typeface="+mn-cs"/>
+              </a:rPr>
+              <a:t>Which Angular piece would be used to read data from an API?</a:t>
+            </a:r>
+          </a:p>
+          <a:p>
+            <a:pPr marL="457200" lvl="1" indent="0">
+              <a:buFont typeface="Arial" panose="020B0604020202020204" pitchFamily="34" charset="0"/>
+              <a:buNone/>
+            </a:pPr>
+            <a:endParaRPr lang="en-US" dirty="0"/>
+          </a:p>
+        </p:txBody>
+      </p:sp>
+      <p:sp>
+        <p:nvSpPr>
+          <p:cNvPr id="4" name="Slide Number Placeholder 3"/>
+          <p:cNvSpPr>
+            <a:spLocks noGrp="1"/>
+          </p:cNvSpPr>
+          <p:nvPr>
+            <p:ph type="sldNum" sz="quarter" idx="10"/>
+          </p:nvPr>
+        </p:nvSpPr>
+        <p:spPr/>
+        <p:txBody>
+          <a:bodyPr/>
+          <a:lstStyle/>
+          <a:p>
+            <a:fld id="{226FA58D-4B12-4E7B-A2FA-693CE3EACDFD}" type="slidenum">
+              <a:rPr lang="en-US" smtClean="0"/>
+              <a:t>31</a:t>
+            </a:fld>
+            <a:endParaRPr lang="en-US"/>
+          </a:p>
+        </p:txBody>
+      </p:sp>
+    </p:spTree>
+    <p:extLst>
+      <p:ext uri="{BB962C8B-B14F-4D97-AF65-F5344CB8AC3E}">
+        <p14:creationId xmlns:p14="http://schemas.microsoft.com/office/powerpoint/2010/main" val="1088318583"/>
+      </p:ext>
+    </p:extLst>
+  </p:cSld>
+  <p:clrMapOvr>
+    <a:masterClrMapping/>
+  </p:clrMapOvr>
+</p:notes>
+</file>
+
+<file path=ppt/notesSlides/notesSlide31.xml><?xml version="1.0" encoding="utf-8"?>
+<p:notes xmlns:a="http://schemas.openxmlformats.org/drawingml/2006/main" xmlns:r="http://schemas.openxmlformats.org/officeDocument/2006/relationships" xmlns:p="http://schemas.openxmlformats.org/presentationml/2006/main">
+  <p:cSld>
+    <p:spTree>
+      <p:nvGrpSpPr>
+        <p:cNvPr id="1" name=""/>
+        <p:cNvGrpSpPr/>
+        <p:nvPr/>
+      </p:nvGrpSpPr>
+      <p:grpSpPr>
+        <a:xfrm>
+          <a:off x="0" y="0"/>
+          <a:ext cx="0" cy="0"/>
+          <a:chOff x="0" y="0"/>
+          <a:chExt cx="0" cy="0"/>
+        </a:xfrm>
+      </p:grpSpPr>
+      <p:sp>
+        <p:nvSpPr>
+          <p:cNvPr id="2" name="Slide Image Placeholder 1"/>
+          <p:cNvSpPr>
+            <a:spLocks noGrp="1" noRot="1" noChangeAspect="1"/>
+          </p:cNvSpPr>
+          <p:nvPr>
+            <p:ph type="sldImg"/>
+          </p:nvPr>
+        </p:nvSpPr>
+        <p:spPr/>
+      </p:sp>
+      <p:sp>
+        <p:nvSpPr>
+          <p:cNvPr id="3" name="Notes Placeholder 2"/>
+          <p:cNvSpPr>
+            <a:spLocks noGrp="1"/>
+          </p:cNvSpPr>
+          <p:nvPr>
+            <p:ph type="body" idx="1"/>
+          </p:nvPr>
+        </p:nvSpPr>
+        <p:spPr/>
+        <p:txBody>
+          <a:bodyPr/>
+          <a:lstStyle/>
+          <a:p>
+            <a:pPr marL="171450" indent="-171450">
+              <a:buFont typeface="Arial" panose="020B0604020202020204" pitchFamily="34" charset="0"/>
+              <a:buChar char="•"/>
+            </a:pPr>
+            <a:endParaRPr lang="en-US" dirty="0"/>
+          </a:p>
+        </p:txBody>
+      </p:sp>
+      <p:sp>
+        <p:nvSpPr>
+          <p:cNvPr id="4" name="Slide Number Placeholder 3"/>
+          <p:cNvSpPr>
+            <a:spLocks noGrp="1"/>
+          </p:cNvSpPr>
+          <p:nvPr>
+            <p:ph type="sldNum" sz="quarter" idx="10"/>
+          </p:nvPr>
+        </p:nvSpPr>
+        <p:spPr/>
+        <p:txBody>
+          <a:bodyPr/>
+          <a:lstStyle/>
+          <a:p>
+            <a:fld id="{226FA58D-4B12-4E7B-A2FA-693CE3EACDFD}" type="slidenum">
+              <a:rPr lang="en-US" smtClean="0"/>
+              <a:t>32</a:t>
+            </a:fld>
+            <a:endParaRPr lang="en-US"/>
+          </a:p>
+        </p:txBody>
+      </p:sp>
+    </p:spTree>
+    <p:extLst>
+      <p:ext uri="{BB962C8B-B14F-4D97-AF65-F5344CB8AC3E}">
+        <p14:creationId xmlns:p14="http://schemas.microsoft.com/office/powerpoint/2010/main" val="1993128252"/>
       </p:ext>
     </p:extLst>
   </p:cSld>
@@ -3079,7 +3609,7 @@
               <a:buChar char="•"/>
             </a:pPr>
             <a:r>
-              <a:rPr lang="en-US" baseline="0" dirty="0" smtClean="0"/>
+              <a:rPr lang="en-US" baseline="0" dirty="0"/>
               <a:t>Modules define the components that live within them.</a:t>
             </a:r>
           </a:p>
@@ -3089,7 +3619,7 @@
               <a:buChar char="•"/>
             </a:pPr>
             <a:r>
-              <a:rPr lang="en-US" baseline="0" dirty="0" smtClean="0"/>
+              <a:rPr lang="en-US" baseline="0" dirty="0"/>
               <a:t>There is a root module and there can also be feature modules to break down and separate the code.</a:t>
             </a:r>
           </a:p>
@@ -3180,7 +3710,7 @@
               <a:buChar char="•"/>
             </a:pPr>
             <a:r>
-              <a:rPr lang="en-US" baseline="0" dirty="0" smtClean="0"/>
+              <a:rPr lang="en-US" baseline="0" dirty="0"/>
               <a:t>Components define the template or location of the template.</a:t>
             </a:r>
           </a:p>
@@ -3190,12 +3720,8 @@
               <a:buChar char="•"/>
             </a:pPr>
             <a:r>
-              <a:rPr lang="en-US" baseline="0" dirty="0" smtClean="0"/>
-              <a:t>They also define the class and adds any metadata needed</a:t>
-            </a:r>
-            <a:r>
-              <a:rPr lang="en-US" baseline="0" dirty="0" smtClean="0"/>
-              <a:t>.</a:t>
+              <a:rPr lang="en-US" baseline="0" dirty="0"/>
+              <a:t>They also define the class and adds any metadata needed.</a:t>
             </a:r>
           </a:p>
           <a:p>
@@ -3204,7 +3730,7 @@
               <a:buChar char="•"/>
             </a:pPr>
             <a:r>
-              <a:rPr lang="en-US" baseline="0" dirty="0" smtClean="0"/>
+              <a:rPr lang="en-US" baseline="0" dirty="0"/>
               <a:t>The Export keyword is used to export a module.</a:t>
             </a:r>
           </a:p>
@@ -3214,10 +3740,9 @@
               <a:buChar char="•"/>
             </a:pPr>
             <a:r>
-              <a:rPr lang="en-US" baseline="0" dirty="0" smtClean="0"/>
+              <a:rPr lang="en-US" baseline="0" dirty="0"/>
               <a:t>The Import keyword is used to import an exported module.</a:t>
             </a:r>
-            <a:endParaRPr lang="en-US" baseline="0" dirty="0" smtClean="0"/>
           </a:p>
         </p:txBody>
       </p:sp>
@@ -3305,30 +3830,7 @@
               <a:buFont typeface="Arial" panose="020B0604020202020204" pitchFamily="34" charset="0"/>
               <a:buChar char="•"/>
             </a:pPr>
-            <a:r>
-              <a:rPr lang="en-US" baseline="0" dirty="0" smtClean="0"/>
-              <a:t>The template defines the html</a:t>
-            </a:r>
-          </a:p>
-          <a:p>
-            <a:pPr marL="171450" indent="-171450">
-              <a:buFont typeface="Arial" panose="020B0604020202020204" pitchFamily="34" charset="0"/>
-              <a:buChar char="•"/>
-            </a:pPr>
-            <a:r>
-              <a:rPr lang="en-US" baseline="0" dirty="0" smtClean="0"/>
-              <a:t>The template can be fully written in the component.</a:t>
-            </a:r>
-          </a:p>
-          <a:p>
-            <a:pPr marL="171450" indent="-171450">
-              <a:buFont typeface="Arial" panose="020B0604020202020204" pitchFamily="34" charset="0"/>
-              <a:buChar char="•"/>
-            </a:pPr>
-            <a:r>
-              <a:rPr lang="en-US" baseline="0" dirty="0" smtClean="0"/>
-              <a:t>It is better practice to write the html separately and reference it in the component.</a:t>
-            </a:r>
+            <a:endParaRPr lang="en-US" baseline="0" dirty="0"/>
           </a:p>
         </p:txBody>
       </p:sp>
@@ -3358,7 +3860,7 @@
     </p:spTree>
     <p:extLst>
       <p:ext uri="{BB962C8B-B14F-4D97-AF65-F5344CB8AC3E}">
-        <p14:creationId xmlns:p14="http://schemas.microsoft.com/office/powerpoint/2010/main" val="1693158659"/>
+        <p14:creationId xmlns:p14="http://schemas.microsoft.com/office/powerpoint/2010/main" val="2343296697"/>
       </p:ext>
     </p:extLst>
   </p:cSld>
@@ -3417,7 +3919,7 @@
               <a:buChar char="•"/>
             </a:pPr>
             <a:r>
-              <a:rPr lang="en-US" baseline="0" dirty="0" smtClean="0"/>
+              <a:rPr lang="en-US" baseline="0" dirty="0"/>
               <a:t>The template defines the html</a:t>
             </a:r>
           </a:p>
@@ -3427,7 +3929,7 @@
               <a:buChar char="•"/>
             </a:pPr>
             <a:r>
-              <a:rPr lang="en-US" baseline="0" dirty="0" smtClean="0"/>
+              <a:rPr lang="en-US" baseline="0" dirty="0"/>
               <a:t>The template can be fully written in the component.</a:t>
             </a:r>
           </a:p>
@@ -3437,7 +3939,7 @@
               <a:buChar char="•"/>
             </a:pPr>
             <a:r>
-              <a:rPr lang="en-US" baseline="0" dirty="0" smtClean="0"/>
+              <a:rPr lang="en-US" baseline="0" dirty="0"/>
               <a:t>It is better practice to write the html separately and reference it in the component.</a:t>
             </a:r>
           </a:p>
@@ -3469,7 +3971,7 @@
     </p:spTree>
     <p:extLst>
       <p:ext uri="{BB962C8B-B14F-4D97-AF65-F5344CB8AC3E}">
-        <p14:creationId xmlns:p14="http://schemas.microsoft.com/office/powerpoint/2010/main" val="862141880"/>
+        <p14:creationId xmlns:p14="http://schemas.microsoft.com/office/powerpoint/2010/main" val="1693158659"/>
       </p:ext>
     </p:extLst>
   </p:cSld>
@@ -3523,7 +4025,11 @@
           <a:bodyPr/>
           <a:lstStyle/>
           <a:p>
-            <a:endParaRPr lang="en-US" dirty="0"/>
+            <a:pPr marL="171450" indent="-171450">
+              <a:buFont typeface="Arial" panose="020B0604020202020204" pitchFamily="34" charset="0"/>
+              <a:buChar char="•"/>
+            </a:pPr>
+            <a:endParaRPr lang="en-US" baseline="0" dirty="0"/>
           </a:p>
         </p:txBody>
       </p:sp>
@@ -3542,7 +4048,7 @@
           <a:bodyPr/>
           <a:lstStyle/>
           <a:p>
-            <a:fld id="{E090B8CA-1AD8-477E-9569-51E0CFA26921}" type="slidenum">
+            <a:fld id="{90562276-63C7-43F9-8E9E-CFA137F6F839}" type="slidenum">
               <a:rPr lang="en-US" smtClean="0"/>
               <a:t>9</a:t>
             </a:fld>
@@ -3553,7 +4059,7 @@
     </p:spTree>
     <p:extLst>
       <p:ext uri="{BB962C8B-B14F-4D97-AF65-F5344CB8AC3E}">
-        <p14:creationId xmlns:p14="http://schemas.microsoft.com/office/powerpoint/2010/main" val="820640523"/>
+        <p14:creationId xmlns:p14="http://schemas.microsoft.com/office/powerpoint/2010/main" val="1271738436"/>
       </p:ext>
     </p:extLst>
   </p:cSld>
@@ -3607,101 +4113,34 @@
           <a:bodyPr/>
           <a:lstStyle/>
           <a:p>
-            <a:pPr marL="171450" lvl="0" indent="-171450">
+            <a:pPr marL="171450" indent="-171450">
               <a:buFont typeface="Arial" panose="020B0604020202020204" pitchFamily="34" charset="0"/>
               <a:buChar char="•"/>
             </a:pPr>
             <a:r>
-              <a:rPr lang="en-US" sz="1200" kern="1200" dirty="0" smtClean="0">
-                <a:solidFill>
-                  <a:schemeClr val="tx1"/>
-                </a:solidFill>
-                <a:effectLst/>
-                <a:latin typeface="+mn-lt"/>
-                <a:ea typeface="+mn-ea"/>
-                <a:cs typeface="+mn-cs"/>
-              </a:rPr>
-              <a:t>Write on the board the command to create a new angular application.</a:t>
-            </a:r>
-          </a:p>
-          <a:p>
-            <a:pPr marL="171450" lvl="0" indent="-171450">
+              <a:rPr lang="en-US" baseline="0" dirty="0"/>
+              <a:t>The template defines the html</a:t>
+            </a:r>
+          </a:p>
+          <a:p>
+            <a:pPr marL="171450" indent="-171450">
               <a:buFont typeface="Arial" panose="020B0604020202020204" pitchFamily="34" charset="0"/>
               <a:buChar char="•"/>
             </a:pPr>
             <a:r>
-              <a:rPr lang="en-US" sz="1200" kern="1200" dirty="0" smtClean="0">
-                <a:solidFill>
-                  <a:schemeClr val="tx1"/>
-                </a:solidFill>
-                <a:effectLst/>
-                <a:latin typeface="+mn-lt"/>
-                <a:ea typeface="+mn-ea"/>
-                <a:cs typeface="+mn-cs"/>
-              </a:rPr>
-              <a:t>What are 5 main pieces of the Angular architecture?</a:t>
-            </a:r>
-          </a:p>
-          <a:p>
-            <a:pPr marL="171450" lvl="0" indent="-171450">
+              <a:rPr lang="en-US" baseline="0" dirty="0"/>
+              <a:t>The template can be fully written in the component.</a:t>
+            </a:r>
+          </a:p>
+          <a:p>
+            <a:pPr marL="171450" indent="-171450">
               <a:buFont typeface="Arial" panose="020B0604020202020204" pitchFamily="34" charset="0"/>
               <a:buChar char="•"/>
             </a:pPr>
             <a:r>
-              <a:rPr lang="en-US" sz="1200" kern="1200" dirty="0" smtClean="0">
-                <a:solidFill>
-                  <a:schemeClr val="tx1"/>
-                </a:solidFill>
-                <a:effectLst/>
-                <a:latin typeface="+mn-lt"/>
-                <a:ea typeface="+mn-ea"/>
-                <a:cs typeface="+mn-cs"/>
-              </a:rPr>
-              <a:t>Which piece does html go in?</a:t>
-            </a:r>
-          </a:p>
-          <a:p>
-            <a:pPr marL="171450" lvl="0" indent="-171450">
-              <a:buFont typeface="Arial" panose="020B0604020202020204" pitchFamily="34" charset="0"/>
-              <a:buChar char="•"/>
-            </a:pPr>
-            <a:r>
-              <a:rPr lang="en-US" sz="1200" kern="1200" dirty="0" smtClean="0">
-                <a:solidFill>
-                  <a:schemeClr val="tx1"/>
-                </a:solidFill>
-                <a:effectLst/>
-                <a:latin typeface="+mn-lt"/>
-                <a:ea typeface="+mn-ea"/>
-                <a:cs typeface="+mn-cs"/>
-              </a:rPr>
-              <a:t>Which piece defines the class and links to the template?</a:t>
-            </a:r>
-          </a:p>
-          <a:p>
-            <a:pPr marL="171450" lvl="0" indent="-171450">
-              <a:buFont typeface="Arial" panose="020B0604020202020204" pitchFamily="34" charset="0"/>
-              <a:buChar char="•"/>
-            </a:pPr>
-            <a:r>
-              <a:rPr lang="en-US" sz="1200" kern="1200" dirty="0" smtClean="0">
-                <a:solidFill>
-                  <a:schemeClr val="tx1"/>
-                </a:solidFill>
-                <a:effectLst/>
-                <a:latin typeface="+mn-lt"/>
-                <a:ea typeface="+mn-ea"/>
-                <a:cs typeface="+mn-cs"/>
-              </a:rPr>
-              <a:t>Write on the board a component definition.</a:t>
-            </a:r>
-          </a:p>
-          <a:p>
-            <a:pPr marL="457200" lvl="1" indent="0">
-              <a:buFont typeface="Arial" panose="020B0604020202020204" pitchFamily="34" charset="0"/>
-              <a:buNone/>
-            </a:pPr>
-            <a:endParaRPr lang="en-US" dirty="0"/>
+              <a:rPr lang="en-US" baseline="0" dirty="0"/>
+              <a:t>It is better practice to write the html separately and reference it in the component.</a:t>
+            </a:r>
           </a:p>
         </p:txBody>
       </p:sp>
@@ -3720,7 +4159,7 @@
           <a:bodyPr/>
           <a:lstStyle/>
           <a:p>
-            <a:fld id="{226FA58D-4B12-4E7B-A2FA-693CE3EACDFD}" type="slidenum">
+            <a:fld id="{90562276-63C7-43F9-8E9E-CFA137F6F839}" type="slidenum">
               <a:rPr lang="en-US" smtClean="0"/>
               <a:t>10</a:t>
             </a:fld>
@@ -3731,7 +4170,7 @@
     </p:spTree>
     <p:extLst>
       <p:ext uri="{BB962C8B-B14F-4D97-AF65-F5344CB8AC3E}">
-        <p14:creationId xmlns:p14="http://schemas.microsoft.com/office/powerpoint/2010/main" val="2580819386"/>
+        <p14:creationId xmlns:p14="http://schemas.microsoft.com/office/powerpoint/2010/main" val="862141880"/>
       </p:ext>
     </p:extLst>
   </p:cSld>
@@ -3783,7 +4222,7 @@
           </a:lstStyle>
           <a:p>
             <a:r>
-              <a:rPr lang="en-US" smtClean="0"/>
+              <a:rPr lang="en-US"/>
               <a:t>Click to edit Master title style</a:t>
             </a:r>
             <a:endParaRPr lang="en-US" dirty="0"/>
@@ -3903,7 +4342,7 @@
           </a:lstStyle>
           <a:p>
             <a:r>
-              <a:rPr lang="en-US" smtClean="0"/>
+              <a:rPr lang="en-US"/>
               <a:t>Click to edit Master subtitle style</a:t>
             </a:r>
             <a:endParaRPr lang="en-US" dirty="0"/>
@@ -3927,7 +4366,7 @@
           <a:p>
             <a:fld id="{96FB5D56-0812-4ED5-8B52-3D0DCBF578CB}" type="datetimeFigureOut">
               <a:rPr lang="en-US" smtClean="0"/>
-              <a:t>3/4/2018</a:t>
+              <a:t>6/26/2018</a:t>
             </a:fld>
             <a:endParaRPr lang="en-US"/>
           </a:p>
@@ -4032,7 +4471,7 @@
           </a:lstStyle>
           <a:p>
             <a:r>
-              <a:rPr lang="en-US" smtClean="0"/>
+              <a:rPr lang="en-US"/>
               <a:t>Click to edit Master title style</a:t>
             </a:r>
             <a:endParaRPr lang="en-US" dirty="0"/>
@@ -4111,7 +4550,7 @@
           </a:lstStyle>
           <a:p>
             <a:r>
-              <a:rPr lang="en-US" smtClean="0"/>
+              <a:rPr lang="en-US"/>
               <a:t>Click icon to add picture</a:t>
             </a:r>
             <a:endParaRPr lang="en-US" dirty="0"/>
@@ -4179,7 +4618,7 @@
           <a:p>
             <a:pPr lvl="0"/>
             <a:r>
-              <a:rPr lang="en-US" smtClean="0"/>
+              <a:rPr lang="en-US"/>
               <a:t>Click to edit Master text styles</a:t>
             </a:r>
           </a:p>
@@ -4202,7 +4641,7 @@
           <a:p>
             <a:fld id="{96FB5D56-0812-4ED5-8B52-3D0DCBF578CB}" type="datetimeFigureOut">
               <a:rPr lang="en-US" smtClean="0"/>
-              <a:t>3/4/2018</a:t>
+              <a:t>6/26/2018</a:t>
             </a:fld>
             <a:endParaRPr lang="en-US"/>
           </a:p>
@@ -4305,7 +4744,7 @@
           </a:lstStyle>
           <a:p>
             <a:r>
-              <a:rPr lang="en-US" smtClean="0"/>
+              <a:rPr lang="en-US"/>
               <a:t>Click to edit Master title style</a:t>
             </a:r>
             <a:endParaRPr lang="en-US" dirty="0"/>
@@ -4373,7 +4812,7 @@
           <a:p>
             <a:pPr lvl="0"/>
             <a:r>
-              <a:rPr lang="en-US" smtClean="0"/>
+              <a:rPr lang="en-US"/>
               <a:t>Click to edit Master text styles</a:t>
             </a:r>
           </a:p>
@@ -4396,7 +4835,7 @@
           <a:p>
             <a:fld id="{96FB5D56-0812-4ED5-8B52-3D0DCBF578CB}" type="datetimeFigureOut">
               <a:rPr lang="en-US" smtClean="0"/>
-              <a:t>3/4/2018</a:t>
+              <a:t>6/26/2018</a:t>
             </a:fld>
             <a:endParaRPr lang="en-US"/>
           </a:p>
@@ -4499,7 +4938,7 @@
           </a:lstStyle>
           <a:p>
             <a:r>
-              <a:rPr lang="en-US" smtClean="0"/>
+              <a:rPr lang="en-US"/>
               <a:t>Click to edit Master title style</a:t>
             </a:r>
             <a:endParaRPr lang="en-US" dirty="0"/>
@@ -4579,7 +5018,7 @@
               <a:buNone/>
             </a:pPr>
             <a:r>
-              <a:rPr lang="en-US" smtClean="0"/>
+              <a:rPr lang="en-US"/>
               <a:t>Click to edit Master text styles</a:t>
             </a:r>
           </a:p>
@@ -4646,7 +5085,7 @@
           <a:p>
             <a:pPr lvl="0"/>
             <a:r>
-              <a:rPr lang="en-US" smtClean="0"/>
+              <a:rPr lang="en-US"/>
               <a:t>Click to edit Master text styles</a:t>
             </a:r>
           </a:p>
@@ -4669,7 +5108,7 @@
           <a:p>
             <a:fld id="{96FB5D56-0812-4ED5-8B52-3D0DCBF578CB}" type="datetimeFigureOut">
               <a:rPr lang="en-US" smtClean="0"/>
-              <a:t>3/4/2018</a:t>
+              <a:t>6/26/2018</a:t>
             </a:fld>
             <a:endParaRPr lang="en-US"/>
           </a:p>
@@ -4866,7 +5305,7 @@
           </a:lstStyle>
           <a:p>
             <a:r>
-              <a:rPr lang="en-US" smtClean="0"/>
+              <a:rPr lang="en-US"/>
               <a:t>Click to edit Master title style</a:t>
             </a:r>
             <a:endParaRPr lang="en-US" dirty="0"/>
@@ -4987,7 +5426,7 @@
           <a:p>
             <a:pPr lvl="0"/>
             <a:r>
-              <a:rPr lang="en-US" smtClean="0"/>
+              <a:rPr lang="en-US"/>
               <a:t>Click to edit Master text styles</a:t>
             </a:r>
           </a:p>
@@ -5010,7 +5449,7 @@
           <a:p>
             <a:fld id="{96FB5D56-0812-4ED5-8B52-3D0DCBF578CB}" type="datetimeFigureOut">
               <a:rPr lang="en-US" smtClean="0"/>
-              <a:t>3/4/2018</a:t>
+              <a:t>6/26/2018</a:t>
             </a:fld>
             <a:endParaRPr lang="en-US"/>
           </a:p>
@@ -5108,7 +5547,7 @@
           </a:lstStyle>
           <a:p>
             <a:r>
-              <a:rPr lang="en-US" smtClean="0"/>
+              <a:rPr lang="en-US"/>
               <a:t>Click to edit Master title style</a:t>
             </a:r>
             <a:endParaRPr lang="en-US" dirty="0"/>
@@ -5183,7 +5622,7 @@
           <a:p>
             <a:pPr lvl="0"/>
             <a:r>
-              <a:rPr lang="en-US" smtClean="0"/>
+              <a:rPr lang="en-US"/>
               <a:t>Click to edit Master text styles</a:t>
             </a:r>
           </a:p>
@@ -5250,7 +5689,7 @@
           <a:p>
             <a:pPr lvl="0"/>
             <a:r>
-              <a:rPr lang="en-US" smtClean="0"/>
+              <a:rPr lang="en-US"/>
               <a:t>Click to edit Master text styles</a:t>
             </a:r>
           </a:p>
@@ -5324,7 +5763,7 @@
           <a:p>
             <a:pPr lvl="0"/>
             <a:r>
-              <a:rPr lang="en-US" smtClean="0"/>
+              <a:rPr lang="en-US"/>
               <a:t>Click to edit Master text styles</a:t>
             </a:r>
           </a:p>
@@ -5391,7 +5830,7 @@
           <a:p>
             <a:pPr lvl="0"/>
             <a:r>
-              <a:rPr lang="en-US" smtClean="0"/>
+              <a:rPr lang="en-US"/>
               <a:t>Click to edit Master text styles</a:t>
             </a:r>
           </a:p>
@@ -5465,7 +5904,7 @@
           <a:p>
             <a:pPr lvl="0"/>
             <a:r>
-              <a:rPr lang="en-US" smtClean="0"/>
+              <a:rPr lang="en-US"/>
               <a:t>Click to edit Master text styles</a:t>
             </a:r>
           </a:p>
@@ -5532,7 +5971,7 @@
           <a:p>
             <a:pPr lvl="0"/>
             <a:r>
-              <a:rPr lang="en-US" smtClean="0"/>
+              <a:rPr lang="en-US"/>
               <a:t>Click to edit Master text styles</a:t>
             </a:r>
           </a:p>
@@ -5633,7 +6072,7 @@
           <a:p>
             <a:fld id="{96FB5D56-0812-4ED5-8B52-3D0DCBF578CB}" type="datetimeFigureOut">
               <a:rPr lang="en-US" smtClean="0"/>
-              <a:t>3/4/2018</a:t>
+              <a:t>6/26/2018</a:t>
             </a:fld>
             <a:endParaRPr lang="en-US"/>
           </a:p>
@@ -5731,7 +6170,7 @@
           </a:lstStyle>
           <a:p>
             <a:r>
-              <a:rPr lang="en-US" smtClean="0"/>
+              <a:rPr lang="en-US"/>
               <a:t>Click to edit Master title style</a:t>
             </a:r>
             <a:endParaRPr lang="en-US" dirty="0"/>
@@ -5806,7 +6245,7 @@
           <a:p>
             <a:pPr lvl="0"/>
             <a:r>
-              <a:rPr lang="en-US" smtClean="0"/>
+              <a:rPr lang="en-US"/>
               <a:t>Click to edit Master text styles</a:t>
             </a:r>
           </a:p>
@@ -5884,7 +6323,7 @@
           </a:lstStyle>
           <a:p>
             <a:r>
-              <a:rPr lang="en-US" smtClean="0"/>
+              <a:rPr lang="en-US"/>
               <a:t>Click icon to add picture</a:t>
             </a:r>
             <a:endParaRPr lang="en-US" dirty="0"/>
@@ -5952,7 +6391,7 @@
           <a:p>
             <a:pPr lvl="0"/>
             <a:r>
-              <a:rPr lang="en-US" smtClean="0"/>
+              <a:rPr lang="en-US"/>
               <a:t>Click to edit Master text styles</a:t>
             </a:r>
           </a:p>
@@ -6026,7 +6465,7 @@
           <a:p>
             <a:pPr lvl="0"/>
             <a:r>
-              <a:rPr lang="en-US" smtClean="0"/>
+              <a:rPr lang="en-US"/>
               <a:t>Click to edit Master text styles</a:t>
             </a:r>
           </a:p>
@@ -6104,7 +6543,7 @@
           </a:lstStyle>
           <a:p>
             <a:r>
-              <a:rPr lang="en-US" smtClean="0"/>
+              <a:rPr lang="en-US"/>
               <a:t>Click icon to add picture</a:t>
             </a:r>
             <a:endParaRPr lang="en-US" dirty="0"/>
@@ -6172,7 +6611,7 @@
           <a:p>
             <a:pPr lvl="0"/>
             <a:r>
-              <a:rPr lang="en-US" smtClean="0"/>
+              <a:rPr lang="en-US"/>
               <a:t>Click to edit Master text styles</a:t>
             </a:r>
           </a:p>
@@ -6246,7 +6685,7 @@
           <a:p>
             <a:pPr lvl="0"/>
             <a:r>
-              <a:rPr lang="en-US" smtClean="0"/>
+              <a:rPr lang="en-US"/>
               <a:t>Click to edit Master text styles</a:t>
             </a:r>
           </a:p>
@@ -6324,7 +6763,7 @@
           </a:lstStyle>
           <a:p>
             <a:r>
-              <a:rPr lang="en-US" smtClean="0"/>
+              <a:rPr lang="en-US"/>
               <a:t>Click icon to add picture</a:t>
             </a:r>
             <a:endParaRPr lang="en-US" dirty="0"/>
@@ -6392,7 +6831,7 @@
           <a:p>
             <a:pPr lvl="0"/>
             <a:r>
-              <a:rPr lang="en-US" smtClean="0"/>
+              <a:rPr lang="en-US"/>
               <a:t>Click to edit Master text styles</a:t>
             </a:r>
           </a:p>
@@ -6493,7 +6932,7 @@
           <a:p>
             <a:fld id="{96FB5D56-0812-4ED5-8B52-3D0DCBF578CB}" type="datetimeFigureOut">
               <a:rPr lang="en-US" smtClean="0"/>
-              <a:t>3/4/2018</a:t>
+              <a:t>6/26/2018</a:t>
             </a:fld>
             <a:endParaRPr lang="en-US"/>
           </a:p>
@@ -6587,7 +7026,7 @@
           <a:lstStyle/>
           <a:p>
             <a:r>
-              <a:rPr lang="en-US" smtClean="0"/>
+              <a:rPr lang="en-US"/>
               <a:t>Click to edit Master title style</a:t>
             </a:r>
             <a:endParaRPr lang="en-US" dirty="0"/>
@@ -6611,35 +7050,35 @@
           <a:p>
             <a:pPr lvl="0"/>
             <a:r>
-              <a:rPr lang="en-US" smtClean="0"/>
+              <a:rPr lang="en-US"/>
               <a:t>Click to edit Master text styles</a:t>
             </a:r>
           </a:p>
           <a:p>
             <a:pPr lvl="1"/>
             <a:r>
-              <a:rPr lang="en-US" smtClean="0"/>
+              <a:rPr lang="en-US"/>
               <a:t>Second level</a:t>
             </a:r>
           </a:p>
           <a:p>
             <a:pPr lvl="2"/>
             <a:r>
-              <a:rPr lang="en-US" smtClean="0"/>
+              <a:rPr lang="en-US"/>
               <a:t>Third level</a:t>
             </a:r>
           </a:p>
           <a:p>
             <a:pPr lvl="3"/>
             <a:r>
-              <a:rPr lang="en-US" smtClean="0"/>
+              <a:rPr lang="en-US"/>
               <a:t>Fourth level</a:t>
             </a:r>
           </a:p>
           <a:p>
             <a:pPr lvl="4"/>
             <a:r>
-              <a:rPr lang="en-US" smtClean="0"/>
+              <a:rPr lang="en-US"/>
               <a:t>Fifth level</a:t>
             </a:r>
             <a:endParaRPr lang="en-US" dirty="0"/>
@@ -6663,7 +7102,7 @@
           <a:p>
             <a:fld id="{96FB5D56-0812-4ED5-8B52-3D0DCBF578CB}" type="datetimeFigureOut">
               <a:rPr lang="en-US" smtClean="0"/>
-              <a:t>3/4/2018</a:t>
+              <a:t>6/26/2018</a:t>
             </a:fld>
             <a:endParaRPr lang="en-US"/>
           </a:p>
@@ -6762,7 +7201,7 @@
           <a:lstStyle/>
           <a:p>
             <a:r>
-              <a:rPr lang="en-US" smtClean="0"/>
+              <a:rPr lang="en-US"/>
               <a:t>Click to edit Master title style</a:t>
             </a:r>
             <a:endParaRPr lang="en-US" dirty="0"/>
@@ -6791,35 +7230,35 @@
           <a:p>
             <a:pPr lvl="0"/>
             <a:r>
-              <a:rPr lang="en-US" smtClean="0"/>
+              <a:rPr lang="en-US"/>
               <a:t>Click to edit Master text styles</a:t>
             </a:r>
           </a:p>
           <a:p>
             <a:pPr lvl="1"/>
             <a:r>
-              <a:rPr lang="en-US" smtClean="0"/>
+              <a:rPr lang="en-US"/>
               <a:t>Second level</a:t>
             </a:r>
           </a:p>
           <a:p>
             <a:pPr lvl="2"/>
             <a:r>
-              <a:rPr lang="en-US" smtClean="0"/>
+              <a:rPr lang="en-US"/>
               <a:t>Third level</a:t>
             </a:r>
           </a:p>
           <a:p>
             <a:pPr lvl="3"/>
             <a:r>
-              <a:rPr lang="en-US" smtClean="0"/>
+              <a:rPr lang="en-US"/>
               <a:t>Fourth level</a:t>
             </a:r>
           </a:p>
           <a:p>
             <a:pPr lvl="4"/>
             <a:r>
-              <a:rPr lang="en-US" smtClean="0"/>
+              <a:rPr lang="en-US"/>
               <a:t>Fifth level</a:t>
             </a:r>
             <a:endParaRPr lang="en-US" dirty="0"/>
@@ -6843,7 +7282,7 @@
           <a:p>
             <a:fld id="{96FB5D56-0812-4ED5-8B52-3D0DCBF578CB}" type="datetimeFigureOut">
               <a:rPr lang="en-US" smtClean="0"/>
-              <a:t>3/4/2018</a:t>
+              <a:t>6/26/2018</a:t>
             </a:fld>
             <a:endParaRPr lang="en-US"/>
           </a:p>
@@ -6937,7 +7376,7 @@
           <a:lstStyle/>
           <a:p>
             <a:r>
-              <a:rPr lang="en-US" smtClean="0"/>
+              <a:rPr lang="en-US"/>
               <a:t>Click to edit Master title style</a:t>
             </a:r>
             <a:endParaRPr lang="en-US" dirty="0"/>
@@ -6961,35 +7400,35 @@
           <a:p>
             <a:pPr lvl="0"/>
             <a:r>
-              <a:rPr lang="en-US" smtClean="0"/>
+              <a:rPr lang="en-US"/>
               <a:t>Click to edit Master text styles</a:t>
             </a:r>
           </a:p>
           <a:p>
             <a:pPr lvl="1"/>
             <a:r>
-              <a:rPr lang="en-US" smtClean="0"/>
+              <a:rPr lang="en-US"/>
               <a:t>Second level</a:t>
             </a:r>
           </a:p>
           <a:p>
             <a:pPr lvl="2"/>
             <a:r>
-              <a:rPr lang="en-US" smtClean="0"/>
+              <a:rPr lang="en-US"/>
               <a:t>Third level</a:t>
             </a:r>
           </a:p>
           <a:p>
             <a:pPr lvl="3"/>
             <a:r>
-              <a:rPr lang="en-US" smtClean="0"/>
+              <a:rPr lang="en-US"/>
               <a:t>Fourth level</a:t>
             </a:r>
           </a:p>
           <a:p>
             <a:pPr lvl="4"/>
             <a:r>
-              <a:rPr lang="en-US" smtClean="0"/>
+              <a:rPr lang="en-US"/>
               <a:t>Fifth level</a:t>
             </a:r>
             <a:endParaRPr lang="en-US" dirty="0"/>
@@ -7013,7 +7452,7 @@
           <a:p>
             <a:fld id="{96FB5D56-0812-4ED5-8B52-3D0DCBF578CB}" type="datetimeFigureOut">
               <a:rPr lang="en-US" smtClean="0"/>
-              <a:t>3/4/2018</a:t>
+              <a:t>6/26/2018</a:t>
             </a:fld>
             <a:endParaRPr lang="en-US"/>
           </a:p>
@@ -7116,7 +7555,7 @@
           </a:lstStyle>
           <a:p>
             <a:r>
-              <a:rPr lang="en-US" smtClean="0"/>
+              <a:rPr lang="en-US"/>
               <a:t>Click to edit Master title style</a:t>
             </a:r>
             <a:endParaRPr lang="en-US" dirty="0"/>
@@ -7237,7 +7676,7 @@
           <a:p>
             <a:pPr lvl="0"/>
             <a:r>
-              <a:rPr lang="en-US" smtClean="0"/>
+              <a:rPr lang="en-US"/>
               <a:t>Click to edit Master text styles</a:t>
             </a:r>
           </a:p>
@@ -7260,7 +7699,7 @@
           <a:p>
             <a:fld id="{96FB5D56-0812-4ED5-8B52-3D0DCBF578CB}" type="datetimeFigureOut">
               <a:rPr lang="en-US" smtClean="0"/>
-              <a:t>3/4/2018</a:t>
+              <a:t>6/26/2018</a:t>
             </a:fld>
             <a:endParaRPr lang="en-US"/>
           </a:p>
@@ -7354,7 +7793,7 @@
           <a:lstStyle/>
           <a:p>
             <a:r>
-              <a:rPr lang="en-US" smtClean="0"/>
+              <a:rPr lang="en-US"/>
               <a:t>Click to edit Master title style</a:t>
             </a:r>
             <a:endParaRPr lang="en-US" dirty="0"/>
@@ -7413,35 +7852,35 @@
           <a:p>
             <a:pPr lvl="0"/>
             <a:r>
-              <a:rPr lang="en-US" smtClean="0"/>
+              <a:rPr lang="en-US"/>
               <a:t>Click to edit Master text styles</a:t>
             </a:r>
           </a:p>
           <a:p>
             <a:pPr lvl="1"/>
             <a:r>
-              <a:rPr lang="en-US" smtClean="0"/>
+              <a:rPr lang="en-US"/>
               <a:t>Second level</a:t>
             </a:r>
           </a:p>
           <a:p>
             <a:pPr lvl="2"/>
             <a:r>
-              <a:rPr lang="en-US" smtClean="0"/>
+              <a:rPr lang="en-US"/>
               <a:t>Third level</a:t>
             </a:r>
           </a:p>
           <a:p>
             <a:pPr lvl="3"/>
             <a:r>
-              <a:rPr lang="en-US" smtClean="0"/>
+              <a:rPr lang="en-US"/>
               <a:t>Fourth level</a:t>
             </a:r>
           </a:p>
           <a:p>
             <a:pPr lvl="4"/>
             <a:r>
-              <a:rPr lang="en-US" smtClean="0"/>
+              <a:rPr lang="en-US"/>
               <a:t>Fifth level</a:t>
             </a:r>
             <a:endParaRPr lang="en-US" dirty="0"/>
@@ -7500,35 +7939,35 @@
           <a:p>
             <a:pPr lvl="0"/>
             <a:r>
-              <a:rPr lang="en-US" smtClean="0"/>
+              <a:rPr lang="en-US"/>
               <a:t>Click to edit Master text styles</a:t>
             </a:r>
           </a:p>
           <a:p>
             <a:pPr lvl="1"/>
             <a:r>
-              <a:rPr lang="en-US" smtClean="0"/>
+              <a:rPr lang="en-US"/>
               <a:t>Second level</a:t>
             </a:r>
           </a:p>
           <a:p>
             <a:pPr lvl="2"/>
             <a:r>
-              <a:rPr lang="en-US" smtClean="0"/>
+              <a:rPr lang="en-US"/>
               <a:t>Third level</a:t>
             </a:r>
           </a:p>
           <a:p>
             <a:pPr lvl="3"/>
             <a:r>
-              <a:rPr lang="en-US" smtClean="0"/>
+              <a:rPr lang="en-US"/>
               <a:t>Fourth level</a:t>
             </a:r>
           </a:p>
           <a:p>
             <a:pPr lvl="4"/>
             <a:r>
-              <a:rPr lang="en-US" smtClean="0"/>
+              <a:rPr lang="en-US"/>
               <a:t>Fifth level</a:t>
             </a:r>
             <a:endParaRPr lang="en-US" dirty="0"/>
@@ -7552,7 +7991,7 @@
           <a:p>
             <a:fld id="{96FB5D56-0812-4ED5-8B52-3D0DCBF578CB}" type="datetimeFigureOut">
               <a:rPr lang="en-US" smtClean="0"/>
-              <a:t>3/4/2018</a:t>
+              <a:t>6/26/2018</a:t>
             </a:fld>
             <a:endParaRPr lang="en-US"/>
           </a:p>
@@ -7650,7 +8089,7 @@
           </a:lstStyle>
           <a:p>
             <a:r>
-              <a:rPr lang="en-US" smtClean="0"/>
+              <a:rPr lang="en-US"/>
               <a:t>Click to edit Master title style</a:t>
             </a:r>
             <a:endParaRPr lang="en-US" dirty="0"/>
@@ -7725,7 +8164,7 @@
           <a:p>
             <a:pPr lvl="0"/>
             <a:r>
-              <a:rPr lang="en-US" smtClean="0"/>
+              <a:rPr lang="en-US"/>
               <a:t>Click to edit Master text styles</a:t>
             </a:r>
           </a:p>
@@ -7783,35 +8222,35 @@
           <a:p>
             <a:pPr lvl="0"/>
             <a:r>
-              <a:rPr lang="en-US" smtClean="0"/>
+              <a:rPr lang="en-US"/>
               <a:t>Click to edit Master text styles</a:t>
             </a:r>
           </a:p>
           <a:p>
             <a:pPr lvl="1"/>
             <a:r>
-              <a:rPr lang="en-US" smtClean="0"/>
+              <a:rPr lang="en-US"/>
               <a:t>Second level</a:t>
             </a:r>
           </a:p>
           <a:p>
             <a:pPr lvl="2"/>
             <a:r>
-              <a:rPr lang="en-US" smtClean="0"/>
+              <a:rPr lang="en-US"/>
               <a:t>Third level</a:t>
             </a:r>
           </a:p>
           <a:p>
             <a:pPr lvl="3"/>
             <a:r>
-              <a:rPr lang="en-US" smtClean="0"/>
+              <a:rPr lang="en-US"/>
               <a:t>Fourth level</a:t>
             </a:r>
           </a:p>
           <a:p>
             <a:pPr lvl="4"/>
             <a:r>
-              <a:rPr lang="en-US" smtClean="0"/>
+              <a:rPr lang="en-US"/>
               <a:t>Fifth level</a:t>
             </a:r>
             <a:endParaRPr lang="en-US" dirty="0"/>
@@ -7886,7 +8325,7 @@
           <a:p>
             <a:pPr lvl="0"/>
             <a:r>
-              <a:rPr lang="en-US" smtClean="0"/>
+              <a:rPr lang="en-US"/>
               <a:t>Click to edit Master text styles</a:t>
             </a:r>
           </a:p>
@@ -7944,35 +8383,35 @@
           <a:p>
             <a:pPr lvl="0"/>
             <a:r>
-              <a:rPr lang="en-US" smtClean="0"/>
+              <a:rPr lang="en-US"/>
               <a:t>Click to edit Master text styles</a:t>
             </a:r>
           </a:p>
           <a:p>
             <a:pPr lvl="1"/>
             <a:r>
-              <a:rPr lang="en-US" smtClean="0"/>
+              <a:rPr lang="en-US"/>
               <a:t>Second level</a:t>
             </a:r>
           </a:p>
           <a:p>
             <a:pPr lvl="2"/>
             <a:r>
-              <a:rPr lang="en-US" smtClean="0"/>
+              <a:rPr lang="en-US"/>
               <a:t>Third level</a:t>
             </a:r>
           </a:p>
           <a:p>
             <a:pPr lvl="3"/>
             <a:r>
-              <a:rPr lang="en-US" smtClean="0"/>
+              <a:rPr lang="en-US"/>
               <a:t>Fourth level</a:t>
             </a:r>
           </a:p>
           <a:p>
             <a:pPr lvl="4"/>
             <a:r>
-              <a:rPr lang="en-US" smtClean="0"/>
+              <a:rPr lang="en-US"/>
               <a:t>Fifth level</a:t>
             </a:r>
             <a:endParaRPr lang="en-US" dirty="0"/>
@@ -7996,7 +8435,7 @@
           <a:p>
             <a:fld id="{96FB5D56-0812-4ED5-8B52-3D0DCBF578CB}" type="datetimeFigureOut">
               <a:rPr lang="en-US" smtClean="0"/>
-              <a:t>3/4/2018</a:t>
+              <a:t>6/26/2018</a:t>
             </a:fld>
             <a:endParaRPr lang="en-US"/>
           </a:p>
@@ -8090,7 +8529,7 @@
           <a:lstStyle/>
           <a:p>
             <a:r>
-              <a:rPr lang="en-US" smtClean="0"/>
+              <a:rPr lang="en-US"/>
               <a:t>Click to edit Master title style</a:t>
             </a:r>
             <a:endParaRPr lang="en-US" dirty="0"/>
@@ -8114,7 +8553,7 @@
           <a:p>
             <a:fld id="{96FB5D56-0812-4ED5-8B52-3D0DCBF578CB}" type="datetimeFigureOut">
               <a:rPr lang="en-US" smtClean="0"/>
-              <a:t>3/4/2018</a:t>
+              <a:t>6/26/2018</a:t>
             </a:fld>
             <a:endParaRPr lang="en-US"/>
           </a:p>
@@ -8209,7 +8648,7 @@
           <a:p>
             <a:fld id="{96FB5D56-0812-4ED5-8B52-3D0DCBF578CB}" type="datetimeFigureOut">
               <a:rPr lang="en-US" smtClean="0"/>
-              <a:t>3/4/2018</a:t>
+              <a:t>6/26/2018</a:t>
             </a:fld>
             <a:endParaRPr lang="en-US"/>
           </a:p>
@@ -8312,7 +8751,7 @@
           </a:lstStyle>
           <a:p>
             <a:r>
-              <a:rPr lang="en-US" smtClean="0"/>
+              <a:rPr lang="en-US"/>
               <a:t>Click to edit Master title style</a:t>
             </a:r>
             <a:endParaRPr lang="en-US" dirty="0"/>
@@ -8371,35 +8810,35 @@
           <a:p>
             <a:pPr lvl="0"/>
             <a:r>
-              <a:rPr lang="en-US" smtClean="0"/>
+              <a:rPr lang="en-US"/>
               <a:t>Click to edit Master text styles</a:t>
             </a:r>
           </a:p>
           <a:p>
             <a:pPr lvl="1"/>
             <a:r>
-              <a:rPr lang="en-US" smtClean="0"/>
+              <a:rPr lang="en-US"/>
               <a:t>Second level</a:t>
             </a:r>
           </a:p>
           <a:p>
             <a:pPr lvl="2"/>
             <a:r>
-              <a:rPr lang="en-US" smtClean="0"/>
+              <a:rPr lang="en-US"/>
               <a:t>Third level</a:t>
             </a:r>
           </a:p>
           <a:p>
             <a:pPr lvl="3"/>
             <a:r>
-              <a:rPr lang="en-US" smtClean="0"/>
+              <a:rPr lang="en-US"/>
               <a:t>Fourth level</a:t>
             </a:r>
           </a:p>
           <a:p>
             <a:pPr lvl="4"/>
             <a:r>
-              <a:rPr lang="en-US" smtClean="0"/>
+              <a:rPr lang="en-US"/>
               <a:t>Fifth level</a:t>
             </a:r>
             <a:endParaRPr lang="en-US" dirty="0"/>
@@ -8465,7 +8904,7 @@
           <a:p>
             <a:pPr lvl="0"/>
             <a:r>
-              <a:rPr lang="en-US" smtClean="0"/>
+              <a:rPr lang="en-US"/>
               <a:t>Click to edit Master text styles</a:t>
             </a:r>
           </a:p>
@@ -8488,7 +8927,7 @@
           <a:p>
             <a:fld id="{96FB5D56-0812-4ED5-8B52-3D0DCBF578CB}" type="datetimeFigureOut">
               <a:rPr lang="en-US" smtClean="0"/>
-              <a:t>3/4/2018</a:t>
+              <a:t>6/26/2018</a:t>
             </a:fld>
             <a:endParaRPr lang="en-US"/>
           </a:p>
@@ -8593,7 +9032,7 @@
           </a:lstStyle>
           <a:p>
             <a:r>
-              <a:rPr lang="en-US" smtClean="0"/>
+              <a:rPr lang="en-US"/>
               <a:t>Click to edit Master title style</a:t>
             </a:r>
             <a:endParaRPr lang="en-US" dirty="0"/>
@@ -8672,7 +9111,7 @@
           </a:lstStyle>
           <a:p>
             <a:r>
-              <a:rPr lang="en-US" smtClean="0"/>
+              <a:rPr lang="en-US"/>
               <a:t>Click icon to add picture</a:t>
             </a:r>
             <a:endParaRPr lang="en-US" dirty="0"/>
@@ -8740,7 +9179,7 @@
           <a:p>
             <a:pPr lvl="0"/>
             <a:r>
-              <a:rPr lang="en-US" smtClean="0"/>
+              <a:rPr lang="en-US"/>
               <a:t>Click to edit Master text styles</a:t>
             </a:r>
           </a:p>
@@ -8763,7 +9202,7 @@
           <a:p>
             <a:fld id="{96FB5D56-0812-4ED5-8B52-3D0DCBF578CB}" type="datetimeFigureOut">
               <a:rPr lang="en-US" smtClean="0"/>
-              <a:t>3/4/2018</a:t>
+              <a:t>6/26/2018</a:t>
             </a:fld>
             <a:endParaRPr lang="en-US"/>
           </a:p>
@@ -9087,7 +9526,7 @@
           <a:lstStyle/>
           <a:p>
             <a:r>
-              <a:rPr lang="en-US" smtClean="0"/>
+              <a:rPr lang="en-US"/>
               <a:t>Click to edit Master title style</a:t>
             </a:r>
             <a:endParaRPr lang="en-US" dirty="0"/>
@@ -9121,35 +9560,35 @@
           <a:p>
             <a:pPr lvl="0"/>
             <a:r>
-              <a:rPr lang="en-US" smtClean="0"/>
+              <a:rPr lang="en-US"/>
               <a:t>Click to edit Master text styles</a:t>
             </a:r>
           </a:p>
           <a:p>
             <a:pPr lvl="1"/>
             <a:r>
-              <a:rPr lang="en-US" smtClean="0"/>
+              <a:rPr lang="en-US"/>
               <a:t>Second level</a:t>
             </a:r>
           </a:p>
           <a:p>
             <a:pPr lvl="2"/>
             <a:r>
-              <a:rPr lang="en-US" smtClean="0"/>
+              <a:rPr lang="en-US"/>
               <a:t>Third level</a:t>
             </a:r>
           </a:p>
           <a:p>
             <a:pPr lvl="3"/>
             <a:r>
-              <a:rPr lang="en-US" smtClean="0"/>
+              <a:rPr lang="en-US"/>
               <a:t>Fourth level</a:t>
             </a:r>
           </a:p>
           <a:p>
             <a:pPr lvl="4"/>
             <a:r>
-              <a:rPr lang="en-US" smtClean="0"/>
+              <a:rPr lang="en-US"/>
               <a:t>Fifth level</a:t>
             </a:r>
             <a:endParaRPr lang="en-US" dirty="0"/>
@@ -9192,7 +9631,7 @@
           <a:p>
             <a:fld id="{96FB5D56-0812-4ED5-8B52-3D0DCBF578CB}" type="datetimeFigureOut">
               <a:rPr lang="en-US" smtClean="0"/>
-              <a:t>3/4/2018</a:t>
+              <a:t>6/26/2018</a:t>
             </a:fld>
             <a:endParaRPr lang="en-US"/>
           </a:p>
@@ -9736,14 +10175,13 @@
           <a:lstStyle/>
           <a:p>
             <a:r>
-              <a:rPr lang="en-US" dirty="0" err="1" smtClean="0"/>
+              <a:rPr lang="en-US" dirty="0" err="1"/>
               <a:t>Logols</a:t>
             </a:r>
             <a:r>
-              <a:rPr lang="en-US" dirty="0" smtClean="0"/>
+              <a:rPr lang="en-US" dirty="0"/>
               <a:t> Learning</a:t>
             </a:r>
-            <a:endParaRPr lang="en-US" dirty="0"/>
           </a:p>
         </p:txBody>
       </p:sp>
@@ -9769,10 +10207,9 @@
           </a:p>
           <a:p>
             <a:r>
-              <a:rPr lang="en-US" dirty="0" smtClean="0"/>
+              <a:rPr lang="en-US" dirty="0"/>
               <a:t>Training:  Angular</a:t>
             </a:r>
-            <a:endParaRPr lang="en-US" dirty="0"/>
           </a:p>
         </p:txBody>
       </p:sp>
@@ -9786,13 +10223,6 @@
   <p:clrMapOvr>
     <a:masterClrMapping/>
   </p:clrMapOvr>
-  <p:timing>
-    <p:tnLst>
-      <p:par>
-        <p:cTn id="1" dur="indefinite" restart="never" nodeType="tmRoot"/>
-      </p:par>
-    </p:tnLst>
-  </p:timing>
 </p:sld>
 </file>
 
@@ -9820,6 +10250,377 @@
             <a:spLocks noGrp="1"/>
           </p:cNvSpPr>
           <p:nvPr>
+            <p:ph type="title"/>
+          </p:nvPr>
+        </p:nvSpPr>
+        <p:spPr/>
+        <p:txBody>
+          <a:bodyPr/>
+          <a:lstStyle/>
+          <a:p>
+            <a:r>
+              <a:rPr lang="en-US" dirty="0"/>
+              <a:t>Assets Folder</a:t>
+            </a:r>
+          </a:p>
+        </p:txBody>
+      </p:sp>
+      <p:sp>
+        <p:nvSpPr>
+          <p:cNvPr id="3" name="Content Placeholder 2"/>
+          <p:cNvSpPr>
+            <a:spLocks noGrp="1"/>
+          </p:cNvSpPr>
+          <p:nvPr>
+            <p:ph sz="half" idx="1"/>
+          </p:nvPr>
+        </p:nvSpPr>
+        <p:spPr/>
+        <p:txBody>
+          <a:bodyPr>
+            <a:normAutofit/>
+          </a:bodyPr>
+          <a:lstStyle/>
+          <a:p>
+            <a:r>
+              <a:rPr lang="en-US" sz="2800" dirty="0"/>
+              <a:t>Contains all assets for application.</a:t>
+            </a:r>
+          </a:p>
+          <a:p>
+            <a:r>
+              <a:rPr lang="en-US" sz="2800" dirty="0"/>
+              <a:t>Non Angular assets</a:t>
+            </a:r>
+          </a:p>
+          <a:p>
+            <a:r>
+              <a:rPr lang="en-US" sz="2800" dirty="0"/>
+              <a:t>Images</a:t>
+            </a:r>
+          </a:p>
+          <a:p>
+            <a:r>
+              <a:rPr lang="en-US" sz="2800" dirty="0"/>
+              <a:t>CSS Files not tied to component</a:t>
+            </a:r>
+          </a:p>
+          <a:p>
+            <a:r>
+              <a:rPr lang="en-US" sz="2800" dirty="0"/>
+              <a:t>Reference files as:</a:t>
+            </a:r>
+          </a:p>
+          <a:p>
+            <a:r>
+              <a:rPr lang="en-US" sz="2800" dirty="0"/>
+              <a:t>/assets/…/img.jpg</a:t>
+            </a:r>
+          </a:p>
+        </p:txBody>
+      </p:sp>
+      <p:pic>
+        <p:nvPicPr>
+          <p:cNvPr id="4" name="Picture 3"/>
+          <p:cNvPicPr>
+            <a:picLocks noChangeAspect="1"/>
+          </p:cNvPicPr>
+          <p:nvPr/>
+        </p:nvPicPr>
+        <p:blipFill>
+          <a:blip r:embed="rId3" cstate="print">
+            <a:extLst>
+              <a:ext uri="{28A0092B-C50C-407E-A947-70E740481C1C}">
+                <a14:useLocalDpi xmlns:a14="http://schemas.microsoft.com/office/drawing/2010/main" val="0"/>
+              </a:ext>
+            </a:extLst>
+          </a:blip>
+          <a:stretch>
+            <a:fillRect/>
+          </a:stretch>
+        </p:blipFill>
+        <p:spPr>
+          <a:xfrm>
+            <a:off x="6175512" y="1152983"/>
+            <a:ext cx="4816748" cy="3747028"/>
+          </a:xfrm>
+          <a:prstGeom prst="rect">
+            <a:avLst/>
+          </a:prstGeom>
+        </p:spPr>
+      </p:pic>
+    </p:spTree>
+    <p:extLst>
+      <p:ext uri="{BB962C8B-B14F-4D97-AF65-F5344CB8AC3E}">
+        <p14:creationId xmlns:p14="http://schemas.microsoft.com/office/powerpoint/2010/main" val="2354834598"/>
+      </p:ext>
+    </p:extLst>
+  </p:cSld>
+  <p:clrMapOvr>
+    <a:masterClrMapping/>
+  </p:clrMapOvr>
+</p:sld>
+</file>
+
+<file path=ppt/slides/slide11.xml><?xml version="1.0" encoding="utf-8"?>
+<p:sld xmlns:a="http://schemas.openxmlformats.org/drawingml/2006/main" xmlns:r="http://schemas.openxmlformats.org/officeDocument/2006/relationships" xmlns:p="http://schemas.openxmlformats.org/presentationml/2006/main">
+  <p:cSld>
+    <p:spTree>
+      <p:nvGrpSpPr>
+        <p:cNvPr id="1" name=""/>
+        <p:cNvGrpSpPr/>
+        <p:nvPr/>
+      </p:nvGrpSpPr>
+      <p:grpSpPr>
+        <a:xfrm>
+          <a:off x="0" y="0"/>
+          <a:ext cx="0" cy="0"/>
+          <a:chOff x="0" y="0"/>
+          <a:chExt cx="0" cy="0"/>
+        </a:xfrm>
+      </p:grpSpPr>
+      <p:sp>
+        <p:nvSpPr>
+          <p:cNvPr id="2" name="Title 1"/>
+          <p:cNvSpPr>
+            <a:spLocks noGrp="1"/>
+          </p:cNvSpPr>
+          <p:nvPr>
+            <p:ph type="title"/>
+          </p:nvPr>
+        </p:nvSpPr>
+        <p:spPr/>
+        <p:txBody>
+          <a:bodyPr/>
+          <a:lstStyle/>
+          <a:p>
+            <a:r>
+              <a:rPr lang="en-US" dirty="0" err="1"/>
+              <a:t>app.module</a:t>
+            </a:r>
+            <a:r>
+              <a:rPr lang="en-US" dirty="0"/>
+              <a:t> – Root Module</a:t>
+            </a:r>
+          </a:p>
+        </p:txBody>
+      </p:sp>
+      <p:sp>
+        <p:nvSpPr>
+          <p:cNvPr id="3" name="Content Placeholder 2"/>
+          <p:cNvSpPr>
+            <a:spLocks noGrp="1"/>
+          </p:cNvSpPr>
+          <p:nvPr>
+            <p:ph sz="half" idx="1"/>
+          </p:nvPr>
+        </p:nvSpPr>
+        <p:spPr>
+          <a:xfrm>
+            <a:off x="1103312" y="2060575"/>
+            <a:ext cx="8947522" cy="4195763"/>
+          </a:xfrm>
+        </p:spPr>
+        <p:txBody>
+          <a:bodyPr>
+            <a:normAutofit lnSpcReduction="10000"/>
+          </a:bodyPr>
+          <a:lstStyle/>
+          <a:p>
+            <a:r>
+              <a:rPr lang="en-US" sz="2800" dirty="0"/>
+              <a:t>declarations</a:t>
+            </a:r>
+          </a:p>
+          <a:p>
+            <a:pPr lvl="1"/>
+            <a:r>
+              <a:rPr lang="en-US" sz="2600" dirty="0"/>
+              <a:t>Declare available components</a:t>
+            </a:r>
+          </a:p>
+          <a:p>
+            <a:r>
+              <a:rPr lang="en-US" sz="2800" dirty="0"/>
+              <a:t>imports</a:t>
+            </a:r>
+          </a:p>
+          <a:p>
+            <a:pPr lvl="1"/>
+            <a:r>
+              <a:rPr lang="en-US" sz="2600" dirty="0"/>
+              <a:t>Reference other modules</a:t>
+            </a:r>
+          </a:p>
+          <a:p>
+            <a:r>
+              <a:rPr lang="en-US" sz="2800" dirty="0"/>
+              <a:t>Providers</a:t>
+            </a:r>
+          </a:p>
+          <a:p>
+            <a:pPr lvl="1"/>
+            <a:r>
+              <a:rPr lang="en-US" sz="2600" dirty="0"/>
+              <a:t>Define available services</a:t>
+            </a:r>
+          </a:p>
+          <a:p>
+            <a:r>
+              <a:rPr lang="en-US" sz="2800" dirty="0"/>
+              <a:t>bootstrap</a:t>
+            </a:r>
+          </a:p>
+          <a:p>
+            <a:pPr lvl="1"/>
+            <a:r>
+              <a:rPr lang="en-US" sz="2600" dirty="0"/>
+              <a:t>Define root components to be loaded</a:t>
+            </a:r>
+          </a:p>
+        </p:txBody>
+      </p:sp>
+    </p:spTree>
+    <p:extLst>
+      <p:ext uri="{BB962C8B-B14F-4D97-AF65-F5344CB8AC3E}">
+        <p14:creationId xmlns:p14="http://schemas.microsoft.com/office/powerpoint/2010/main" val="2310665654"/>
+      </p:ext>
+    </p:extLst>
+  </p:cSld>
+  <p:clrMapOvr>
+    <a:masterClrMapping/>
+  </p:clrMapOvr>
+</p:sld>
+</file>
+
+<file path=ppt/slides/slide12.xml><?xml version="1.0" encoding="utf-8"?>
+<p:sld xmlns:a="http://schemas.openxmlformats.org/drawingml/2006/main" xmlns:r="http://schemas.openxmlformats.org/officeDocument/2006/relationships" xmlns:p="http://schemas.openxmlformats.org/presentationml/2006/main">
+  <p:cSld>
+    <p:spTree>
+      <p:nvGrpSpPr>
+        <p:cNvPr id="1" name=""/>
+        <p:cNvGrpSpPr/>
+        <p:nvPr/>
+      </p:nvGrpSpPr>
+      <p:grpSpPr>
+        <a:xfrm>
+          <a:off x="0" y="0"/>
+          <a:ext cx="0" cy="0"/>
+          <a:chOff x="0" y="0"/>
+          <a:chExt cx="0" cy="0"/>
+        </a:xfrm>
+      </p:grpSpPr>
+      <p:sp>
+        <p:nvSpPr>
+          <p:cNvPr id="2" name="Title 1"/>
+          <p:cNvSpPr>
+            <a:spLocks noGrp="1"/>
+          </p:cNvSpPr>
+          <p:nvPr>
+            <p:ph type="title"/>
+          </p:nvPr>
+        </p:nvSpPr>
+        <p:spPr/>
+        <p:txBody>
+          <a:bodyPr/>
+          <a:lstStyle/>
+          <a:p>
+            <a:r>
+              <a:rPr lang="en-US" dirty="0"/>
+              <a:t>EXAMPLE</a:t>
+            </a:r>
+          </a:p>
+        </p:txBody>
+      </p:sp>
+      <p:sp>
+        <p:nvSpPr>
+          <p:cNvPr id="3" name="Text Placeholder 2"/>
+          <p:cNvSpPr>
+            <a:spLocks noGrp="1"/>
+          </p:cNvSpPr>
+          <p:nvPr>
+            <p:ph type="body" idx="1"/>
+          </p:nvPr>
+        </p:nvSpPr>
+        <p:spPr/>
+        <p:txBody>
+          <a:bodyPr/>
+          <a:lstStyle/>
+          <a:p>
+            <a:r>
+              <a:rPr lang="en-US" dirty="0"/>
+              <a:t>Angular Components and Templates</a:t>
+            </a:r>
+          </a:p>
+        </p:txBody>
+      </p:sp>
+      <p:pic>
+        <p:nvPicPr>
+          <p:cNvPr id="4" name="Content Placeholder 4"/>
+          <p:cNvPicPr>
+            <a:picLocks noChangeAspect="1"/>
+          </p:cNvPicPr>
+          <p:nvPr/>
+        </p:nvPicPr>
+        <p:blipFill>
+          <a:blip r:embed="rId3">
+            <a:extLst>
+              <a:ext uri="{28A0092B-C50C-407E-A947-70E740481C1C}">
+                <a14:useLocalDpi xmlns:a14="http://schemas.microsoft.com/office/drawing/2010/main" val="0"/>
+              </a:ext>
+            </a:extLst>
+          </a:blip>
+          <a:stretch>
+            <a:fillRect/>
+          </a:stretch>
+        </p:blipFill>
+        <p:spPr>
+          <a:xfrm>
+            <a:off x="1154955" y="563880"/>
+            <a:ext cx="3819192" cy="3055354"/>
+          </a:xfrm>
+          <a:prstGeom prst="rect">
+            <a:avLst/>
+          </a:prstGeom>
+        </p:spPr>
+      </p:pic>
+    </p:spTree>
+    <p:extLst>
+      <p:ext uri="{BB962C8B-B14F-4D97-AF65-F5344CB8AC3E}">
+        <p14:creationId xmlns:p14="http://schemas.microsoft.com/office/powerpoint/2010/main" val="796004934"/>
+      </p:ext>
+    </p:extLst>
+  </p:cSld>
+  <p:clrMapOvr>
+    <a:masterClrMapping/>
+  </p:clrMapOvr>
+</p:sld>
+</file>
+
+<file path=ppt/slides/slide13.xml><?xml version="1.0" encoding="utf-8"?>
+<p:sld xmlns:a="http://schemas.openxmlformats.org/drawingml/2006/main" xmlns:r="http://schemas.openxmlformats.org/officeDocument/2006/relationships" xmlns:p="http://schemas.openxmlformats.org/presentationml/2006/main">
+  <p:cSld>
+    <p:spTree>
+      <p:nvGrpSpPr>
+        <p:cNvPr id="1" name=""/>
+        <p:cNvGrpSpPr/>
+        <p:nvPr/>
+      </p:nvGrpSpPr>
+      <p:grpSpPr>
+        <a:xfrm>
+          <a:off x="0" y="0"/>
+          <a:ext cx="0" cy="0"/>
+          <a:chOff x="0" y="0"/>
+          <a:chExt cx="0" cy="0"/>
+        </a:xfrm>
+      </p:grpSpPr>
+      <p:sp>
+        <p:nvSpPr>
+          <p:cNvPr id="2" name="Title 1"/>
+          <p:cNvSpPr>
+            <a:spLocks noGrp="1"/>
+          </p:cNvSpPr>
+          <p:nvPr>
             <p:ph type="ctrTitle"/>
           </p:nvPr>
         </p:nvSpPr>
@@ -9829,10 +10630,9 @@
           <a:lstStyle/>
           <a:p>
             <a:r>
-              <a:rPr lang="en-US" dirty="0" smtClean="0"/>
+              <a:rPr lang="en-US" dirty="0"/>
               <a:t>ASSESSMENT</a:t>
             </a:r>
-            <a:endParaRPr lang="en-US" dirty="0"/>
           </a:p>
         </p:txBody>
       </p:sp>
@@ -9898,17 +10698,10 @@
   <p:clrMapOvr>
     <a:masterClrMapping/>
   </p:clrMapOvr>
-  <p:timing>
-    <p:tnLst>
-      <p:par>
-        <p:cTn id="1" dur="indefinite" restart="never" nodeType="tmRoot"/>
-      </p:par>
-    </p:tnLst>
-  </p:timing>
 </p:sld>
 </file>
 
-<file path=ppt/slides/slide11.xml><?xml version="1.0" encoding="utf-8"?>
+<file path=ppt/slides/slide14.xml><?xml version="1.0" encoding="utf-8"?>
 <p:sld xmlns:a="http://schemas.openxmlformats.org/drawingml/2006/main" xmlns:r="http://schemas.openxmlformats.org/officeDocument/2006/relationships" xmlns:p="http://schemas.openxmlformats.org/presentationml/2006/main">
   <p:cSld>
     <p:spTree>
@@ -9941,10 +10734,9 @@
           <a:lstStyle/>
           <a:p>
             <a:r>
-              <a:rPr lang="en-US" dirty="0" smtClean="0"/>
+              <a:rPr lang="en-US" dirty="0"/>
               <a:t>Assignment</a:t>
             </a:r>
-            <a:endParaRPr lang="en-US" dirty="0"/>
           </a:p>
         </p:txBody>
       </p:sp>
@@ -9972,19 +10764,15 @@
           <a:p>
             <a:pPr lvl="0"/>
             <a:r>
-              <a:rPr lang="en-US" sz="3600" dirty="0" smtClean="0"/>
+              <a:rPr lang="en-US" sz="3600" dirty="0"/>
               <a:t>Add the status report into Angular.</a:t>
             </a:r>
           </a:p>
           <a:p>
             <a:pPr lvl="0"/>
             <a:r>
-              <a:rPr lang="en-US" sz="3600" dirty="0" smtClean="0"/>
-              <a:t>Create </a:t>
-            </a:r>
-            <a:r>
               <a:rPr lang="en-US" sz="3600" dirty="0"/>
-              <a:t>a new component and html template for your zombie report.</a:t>
+              <a:t>Create a new component and html template for your zombie report.</a:t>
             </a:r>
           </a:p>
           <a:p>
@@ -10038,7 +10826,7 @@
 </p:sld>
 </file>
 
-<file path=ppt/slides/slide12.xml><?xml version="1.0" encoding="utf-8"?>
+<file path=ppt/slides/slide15.xml><?xml version="1.0" encoding="utf-8"?>
 <p:sld xmlns:a="http://schemas.openxmlformats.org/drawingml/2006/main" xmlns:r="http://schemas.openxmlformats.org/officeDocument/2006/relationships" xmlns:p="http://schemas.openxmlformats.org/presentationml/2006/main">
   <p:cSld>
     <p:spTree>
@@ -10071,10 +10859,9 @@
           <a:lstStyle/>
           <a:p>
             <a:r>
-              <a:rPr lang="en-US" dirty="0" smtClean="0"/>
+              <a:rPr lang="en-US" dirty="0"/>
               <a:t>Directives</a:t>
             </a:r>
-            <a:endParaRPr lang="en-US" dirty="0"/>
           </a:p>
         </p:txBody>
       </p:sp>
@@ -10096,40 +10883,39 @@
           <a:lstStyle/>
           <a:p>
             <a:r>
-              <a:rPr lang="en-US" sz="2400" dirty="0" smtClean="0"/>
+              <a:rPr lang="en-US" sz="2400" dirty="0"/>
               <a:t>Custom extended HTML element</a:t>
             </a:r>
           </a:p>
           <a:p>
             <a:r>
-              <a:rPr lang="en-US" sz="2400" dirty="0" err="1" smtClean="0"/>
+              <a:rPr lang="en-US" sz="2400" dirty="0" err="1"/>
               <a:t>ngIf</a:t>
             </a:r>
             <a:r>
-              <a:rPr lang="en-US" sz="2400" dirty="0" smtClean="0"/>
+              <a:rPr lang="en-US" sz="2400" dirty="0"/>
               <a:t> – conditional elements</a:t>
             </a:r>
           </a:p>
           <a:p>
             <a:r>
-              <a:rPr lang="en-US" sz="2400" dirty="0" err="1" smtClean="0"/>
+              <a:rPr lang="en-US" sz="2400" dirty="0" err="1"/>
               <a:t>ngFor</a:t>
             </a:r>
             <a:r>
-              <a:rPr lang="en-US" sz="2400" dirty="0" smtClean="0"/>
+              <a:rPr lang="en-US" sz="2400" dirty="0"/>
               <a:t> – elements created in a loop</a:t>
             </a:r>
           </a:p>
           <a:p>
             <a:r>
-              <a:rPr lang="en-US" sz="2400" dirty="0" err="1" smtClean="0"/>
+              <a:rPr lang="en-US" sz="2400" dirty="0" err="1"/>
               <a:t>ngClass</a:t>
             </a:r>
             <a:r>
-              <a:rPr lang="en-US" sz="2400" dirty="0" smtClean="0"/>
+              <a:rPr lang="en-US" sz="2400" dirty="0"/>
               <a:t> – conditionally add classes</a:t>
             </a:r>
-            <a:endParaRPr lang="en-US" sz="2400" dirty="0"/>
           </a:p>
         </p:txBody>
       </p:sp>
@@ -10170,7 +10956,7 @@
 </p:sld>
 </file>
 
-<file path=ppt/slides/slide13.xml><?xml version="1.0" encoding="utf-8"?>
+<file path=ppt/slides/slide16.xml><?xml version="1.0" encoding="utf-8"?>
 <p:sld xmlns:a="http://schemas.openxmlformats.org/drawingml/2006/main" xmlns:r="http://schemas.openxmlformats.org/officeDocument/2006/relationships" xmlns:p="http://schemas.openxmlformats.org/presentationml/2006/main">
   <p:cSld>
     <p:spTree>
@@ -10203,10 +10989,9 @@
           <a:lstStyle/>
           <a:p>
             <a:r>
-              <a:rPr lang="en-US" dirty="0" smtClean="0"/>
-              <a:t>Data Binding</a:t>
-            </a:r>
-            <a:endParaRPr lang="en-US" dirty="0"/>
+              <a:rPr lang="en-US" dirty="0"/>
+              <a:t>Directive Examples</a:t>
+            </a:r>
           </a:p>
         </p:txBody>
       </p:sp>
@@ -10220,33 +11005,277 @@
             <p:ph sz="half" idx="1"/>
           </p:nvPr>
         </p:nvSpPr>
-        <p:spPr/>
+        <p:spPr>
+          <a:xfrm>
+            <a:off x="274255" y="1636295"/>
+            <a:ext cx="11163765" cy="5053262"/>
+          </a:xfrm>
+        </p:spPr>
         <p:txBody>
           <a:bodyPr>
             <a:normAutofit/>
           </a:bodyPr>
           <a:lstStyle/>
           <a:p>
-            <a:r>
-              <a:rPr lang="en-US" sz="2800" dirty="0" smtClean="0"/>
+            <a:pPr marL="0" indent="0">
+              <a:buNone/>
+            </a:pPr>
+            <a:r>
+              <a:rPr lang="en-US" sz="2400" dirty="0"/>
+              <a:t>&lt;tr *</a:t>
+            </a:r>
+            <a:r>
+              <a:rPr lang="en-US" sz="2400" dirty="0" err="1"/>
+              <a:t>ngFor</a:t>
+            </a:r>
+            <a:r>
+              <a:rPr lang="en-US" sz="2400" dirty="0"/>
+              <a:t>="let log of logs"&gt;</a:t>
+            </a:r>
+          </a:p>
+          <a:p>
+            <a:pPr marL="0" indent="0">
+              <a:buNone/>
+            </a:pPr>
+            <a:r>
+              <a:rPr lang="en-US" sz="2400" dirty="0"/>
+              <a:t>	&lt;td&gt;{{</a:t>
+            </a:r>
+            <a:r>
+              <a:rPr lang="en-US" sz="2400" dirty="0" err="1"/>
+              <a:t>log.firstName</a:t>
+            </a:r>
+            <a:r>
+              <a:rPr lang="en-US" sz="2400" dirty="0"/>
+              <a:t>}}&lt;/td&gt;</a:t>
+            </a:r>
+          </a:p>
+          <a:p>
+            <a:pPr marL="0" indent="0">
+              <a:buNone/>
+            </a:pPr>
+            <a:r>
+              <a:rPr lang="en-US" sz="2400" dirty="0"/>
+              <a:t>	&lt;td&gt;{{</a:t>
+            </a:r>
+            <a:r>
+              <a:rPr lang="en-US" sz="2400" dirty="0" err="1"/>
+              <a:t>log.lastName</a:t>
+            </a:r>
+            <a:r>
+              <a:rPr lang="en-US" sz="2400" dirty="0"/>
+              <a:t>}}&lt;/td&gt;</a:t>
+            </a:r>
+          </a:p>
+          <a:p>
+            <a:pPr marL="0" indent="0">
+              <a:buNone/>
+            </a:pPr>
+            <a:r>
+              <a:rPr lang="en-US" sz="2400" dirty="0"/>
+              <a:t>	&lt;td&gt;{{</a:t>
+            </a:r>
+            <a:r>
+              <a:rPr lang="en-US" sz="2400" dirty="0" err="1"/>
+              <a:t>log.travelToYear</a:t>
+            </a:r>
+            <a:r>
+              <a:rPr lang="en-US" sz="2400" dirty="0"/>
+              <a:t>}}&lt;/td&gt;</a:t>
+            </a:r>
+          </a:p>
+          <a:p>
+            <a:pPr marL="0" indent="0">
+              <a:buNone/>
+            </a:pPr>
+            <a:r>
+              <a:rPr lang="en-US" sz="2400" dirty="0"/>
+              <a:t>&lt;/tr&gt;</a:t>
+            </a:r>
+          </a:p>
+          <a:p>
+            <a:pPr marL="0" indent="0">
+              <a:buNone/>
+            </a:pPr>
+            <a:endParaRPr lang="en-US" sz="2400" dirty="0"/>
+          </a:p>
+          <a:p>
+            <a:pPr marL="0" indent="0">
+              <a:buNone/>
+            </a:pPr>
+            <a:r>
+              <a:rPr lang="en-US" sz="2400" dirty="0"/>
+              <a:t>&lt;p *</a:t>
+            </a:r>
+            <a:r>
+              <a:rPr lang="en-US" sz="2400" dirty="0" err="1"/>
+              <a:t>ngIf</a:t>
+            </a:r>
+            <a:r>
+              <a:rPr lang="en-US" sz="2400" dirty="0"/>
+              <a:t>="!assessments"&gt;&lt;</a:t>
+            </a:r>
+            <a:r>
+              <a:rPr lang="en-US" sz="2400" dirty="0" err="1"/>
+              <a:t>em</a:t>
+            </a:r>
+            <a:r>
+              <a:rPr lang="en-US" sz="2400" dirty="0"/>
+              <a:t>&gt;Loading Assessments...&lt;/</a:t>
+            </a:r>
+            <a:r>
+              <a:rPr lang="en-US" sz="2400" dirty="0" err="1"/>
+              <a:t>em</a:t>
+            </a:r>
+            <a:r>
+              <a:rPr lang="en-US" sz="2400" dirty="0"/>
+              <a:t>&gt;&lt;/p&gt;</a:t>
+            </a:r>
+          </a:p>
+          <a:p>
+            <a:pPr marL="0" indent="0">
+              <a:buNone/>
+            </a:pPr>
+            <a:endParaRPr lang="en-US" sz="2400" dirty="0"/>
+          </a:p>
+          <a:p>
+            <a:pPr marL="0" indent="0">
+              <a:buNone/>
+            </a:pPr>
+            <a:r>
+              <a:rPr lang="en-US" sz="2400" dirty="0"/>
+              <a:t>&lt;p [</a:t>
+            </a:r>
+            <a:r>
+              <a:rPr lang="en-US" sz="2400" dirty="0" err="1"/>
+              <a:t>ngClass</a:t>
+            </a:r>
+            <a:r>
+              <a:rPr lang="en-US" sz="2400" dirty="0"/>
+              <a:t>]=“{‘hidden’:</a:t>
+            </a:r>
+            <a:r>
+              <a:rPr lang="en-US" sz="2400" dirty="0" err="1"/>
+              <a:t>assessments.length</a:t>
+            </a:r>
+            <a:r>
+              <a:rPr lang="en-US" sz="2400" dirty="0"/>
+              <a:t> &gt; 0}”&gt;&lt;</a:t>
+            </a:r>
+            <a:r>
+              <a:rPr lang="en-US" sz="2400" dirty="0" err="1"/>
+              <a:t>em</a:t>
+            </a:r>
+            <a:r>
+              <a:rPr lang="en-US" sz="2400" dirty="0"/>
+              <a:t>&gt;Loading Assessments...&lt;/</a:t>
+            </a:r>
+            <a:r>
+              <a:rPr lang="en-US" sz="2400" dirty="0" err="1"/>
+              <a:t>em</a:t>
+            </a:r>
+            <a:r>
+              <a:rPr lang="en-US" sz="2400" dirty="0"/>
+              <a:t>&gt;&lt;/p&gt;</a:t>
+            </a:r>
+          </a:p>
+          <a:p>
+            <a:pPr marL="0" indent="0">
+              <a:buNone/>
+            </a:pPr>
+            <a:endParaRPr lang="en-US" dirty="0"/>
+          </a:p>
+        </p:txBody>
+      </p:sp>
+    </p:spTree>
+    <p:extLst>
+      <p:ext uri="{BB962C8B-B14F-4D97-AF65-F5344CB8AC3E}">
+        <p14:creationId xmlns:p14="http://schemas.microsoft.com/office/powerpoint/2010/main" val="3190619556"/>
+      </p:ext>
+    </p:extLst>
+  </p:cSld>
+  <p:clrMapOvr>
+    <a:masterClrMapping/>
+  </p:clrMapOvr>
+</p:sld>
+</file>
+
+<file path=ppt/slides/slide17.xml><?xml version="1.0" encoding="utf-8"?>
+<p:sld xmlns:a="http://schemas.openxmlformats.org/drawingml/2006/main" xmlns:r="http://schemas.openxmlformats.org/officeDocument/2006/relationships" xmlns:p="http://schemas.openxmlformats.org/presentationml/2006/main">
+  <p:cSld>
+    <p:spTree>
+      <p:nvGrpSpPr>
+        <p:cNvPr id="1" name=""/>
+        <p:cNvGrpSpPr/>
+        <p:nvPr/>
+      </p:nvGrpSpPr>
+      <p:grpSpPr>
+        <a:xfrm>
+          <a:off x="0" y="0"/>
+          <a:ext cx="0" cy="0"/>
+          <a:chOff x="0" y="0"/>
+          <a:chExt cx="0" cy="0"/>
+        </a:xfrm>
+      </p:grpSpPr>
+      <p:sp>
+        <p:nvSpPr>
+          <p:cNvPr id="2" name="Title 1"/>
+          <p:cNvSpPr>
+            <a:spLocks noGrp="1"/>
+          </p:cNvSpPr>
+          <p:nvPr>
+            <p:ph type="title"/>
+          </p:nvPr>
+        </p:nvSpPr>
+        <p:spPr/>
+        <p:txBody>
+          <a:bodyPr/>
+          <a:lstStyle/>
+          <a:p>
+            <a:r>
+              <a:rPr lang="en-US" dirty="0"/>
+              <a:t>Data Binding</a:t>
+            </a:r>
+          </a:p>
+        </p:txBody>
+      </p:sp>
+      <p:sp>
+        <p:nvSpPr>
+          <p:cNvPr id="3" name="Content Placeholder 2"/>
+          <p:cNvSpPr>
+            <a:spLocks noGrp="1"/>
+          </p:cNvSpPr>
+          <p:nvPr>
+            <p:ph sz="half" idx="1"/>
+          </p:nvPr>
+        </p:nvSpPr>
+        <p:spPr/>
+        <p:txBody>
+          <a:bodyPr>
+            <a:normAutofit/>
+          </a:bodyPr>
+          <a:lstStyle/>
+          <a:p>
+            <a:r>
+              <a:rPr lang="en-US" sz="2800" dirty="0"/>
               <a:t>Interpolation</a:t>
             </a:r>
           </a:p>
           <a:p>
             <a:r>
-              <a:rPr lang="en-US" sz="2800" dirty="0" smtClean="0"/>
+              <a:rPr lang="en-US" sz="2800" dirty="0"/>
               <a:t>One-way binding (unidirectional)</a:t>
             </a:r>
           </a:p>
           <a:p>
             <a:r>
-              <a:rPr lang="en-US" sz="2800" dirty="0" smtClean="0"/>
+              <a:rPr lang="en-US" sz="2800" dirty="0"/>
               <a:t>Two-way binding</a:t>
             </a:r>
           </a:p>
           <a:p>
             <a:r>
-              <a:rPr lang="en-US" sz="2800" dirty="0" smtClean="0"/>
+              <a:rPr lang="en-US" sz="2800" dirty="0"/>
               <a:t>Event binding</a:t>
             </a:r>
           </a:p>
@@ -10289,7 +11318,7 @@
 </p:sld>
 </file>
 
-<file path=ppt/slides/slide14.xml><?xml version="1.0" encoding="utf-8"?>
+<file path=ppt/slides/slide18.xml><?xml version="1.0" encoding="utf-8"?>
 <p:sld xmlns:a="http://schemas.openxmlformats.org/drawingml/2006/main" xmlns:r="http://schemas.openxmlformats.org/officeDocument/2006/relationships" xmlns:p="http://schemas.openxmlformats.org/presentationml/2006/main">
   <p:cSld>
     <p:spTree>
@@ -10322,10 +11351,9 @@
           <a:lstStyle/>
           <a:p>
             <a:r>
-              <a:rPr lang="en-US" dirty="0" smtClean="0"/>
+              <a:rPr lang="en-US" dirty="0"/>
               <a:t>Data Binding Examples</a:t>
             </a:r>
-            <a:endParaRPr lang="en-US" dirty="0"/>
           </a:p>
         </p:txBody>
       </p:sp>
@@ -10347,7 +11375,7 @@
           <a:lstStyle/>
           <a:p>
             <a:r>
-              <a:rPr lang="en-US" sz="2800" dirty="0" smtClean="0"/>
+              <a:rPr lang="en-US" sz="2800" dirty="0"/>
               <a:t>Interpolation</a:t>
             </a:r>
           </a:p>
@@ -10356,19 +11384,14 @@
               <a:buNone/>
             </a:pPr>
             <a:r>
-              <a:rPr lang="en-US" sz="2400" dirty="0" smtClean="0"/>
+              <a:rPr lang="en-US" sz="2400" dirty="0"/>
               <a:t>Hello {{ name }}</a:t>
             </a:r>
-            <a:endParaRPr lang="en-US" sz="2400" dirty="0"/>
           </a:p>
           <a:p>
             <a:r>
               <a:rPr lang="en-US" sz="2800" dirty="0"/>
-              <a:t>One-way </a:t>
-            </a:r>
-            <a:r>
-              <a:rPr lang="en-US" sz="2800" dirty="0" smtClean="0"/>
-              <a:t>binding</a:t>
+              <a:t>One-way binding</a:t>
             </a:r>
           </a:p>
           <a:p>
@@ -10377,33 +11400,21 @@
             </a:pPr>
             <a:r>
               <a:rPr lang="en-US" sz="2400" dirty="0"/>
-              <a:t>&lt;input type = 'text'  [value</a:t>
-            </a:r>
-            <a:r>
-              <a:rPr lang="en-US" sz="2400" dirty="0" smtClean="0"/>
-              <a:t>]=“</a:t>
-            </a:r>
-            <a:r>
-              <a:rPr lang="en-US" sz="2400" dirty="0" err="1" smtClean="0"/>
+              <a:t>&lt;input type = 'text'  [value]=“</a:t>
+            </a:r>
+            <a:r>
+              <a:rPr lang="en-US" sz="2400" dirty="0" err="1"/>
               <a:t>firstName</a:t>
             </a:r>
             <a:r>
-              <a:rPr lang="en-US" sz="2400" dirty="0" smtClean="0"/>
-              <a:t>"</a:t>
-            </a:r>
-            <a:r>
               <a:rPr lang="en-US" sz="2400" dirty="0"/>
-              <a:t> /&gt;  </a:t>
+              <a:t>" /&gt;  </a:t>
             </a:r>
           </a:p>
           <a:p>
             <a:r>
               <a:rPr lang="en-US" sz="2800" dirty="0"/>
-              <a:t>Two-way </a:t>
-            </a:r>
-            <a:r>
-              <a:rPr lang="en-US" sz="2800" dirty="0" smtClean="0"/>
-              <a:t>binding</a:t>
+              <a:t>Two-way binding</a:t>
             </a:r>
           </a:p>
           <a:p>
@@ -10412,31 +11423,23 @@
             </a:pPr>
             <a:r>
               <a:rPr lang="en-US" sz="2400" dirty="0"/>
-              <a:t>&lt;</a:t>
-            </a:r>
-            <a:r>
-              <a:rPr lang="en-US" sz="2400" dirty="0" smtClean="0"/>
-              <a:t>input [(</a:t>
+              <a:t>&lt;input [(</a:t>
             </a:r>
             <a:r>
               <a:rPr lang="en-US" sz="2400" dirty="0" err="1"/>
               <a:t>ngModel</a:t>
             </a:r>
             <a:r>
-              <a:rPr lang="en-US" sz="2400" dirty="0" smtClean="0"/>
+              <a:rPr lang="en-US" sz="2400" dirty="0"/>
               <a:t>)]=“</a:t>
             </a:r>
             <a:r>
-              <a:rPr lang="en-US" sz="2400" dirty="0" err="1" smtClean="0"/>
+              <a:rPr lang="en-US" sz="2400" dirty="0" err="1"/>
               <a:t>firstName</a:t>
             </a:r>
             <a:r>
-              <a:rPr lang="en-US" sz="2400" dirty="0" smtClean="0"/>
-              <a:t>"</a:t>
-            </a:r>
-            <a:r>
               <a:rPr lang="en-US" sz="2400" dirty="0"/>
-              <a:t> /&gt;  </a:t>
+              <a:t>" /&gt;  </a:t>
             </a:r>
           </a:p>
           <a:p>
@@ -10454,16 +11457,12 @@
               <a:t>&lt;button (click)="</a:t>
             </a:r>
             <a:r>
-              <a:rPr lang="en-US" sz="2400" dirty="0" err="1" smtClean="0"/>
+              <a:rPr lang="en-US" sz="2400" dirty="0" err="1"/>
               <a:t>onSaveClick</a:t>
             </a:r>
             <a:r>
-              <a:rPr lang="en-US" sz="2400" dirty="0" smtClean="0"/>
-              <a:t>()"&gt;Save&lt;/</a:t>
-            </a:r>
-            <a:r>
               <a:rPr lang="en-US" sz="2400" dirty="0"/>
-              <a:t>button&gt;</a:t>
+              <a:t>()"&gt;Save&lt;/button&gt;</a:t>
             </a:r>
           </a:p>
           <a:p>
@@ -10487,7 +11486,7 @@
 </p:sld>
 </file>
 
-<file path=ppt/slides/slide15.xml><?xml version="1.0" encoding="utf-8"?>
+<file path=ppt/slides/slide19.xml><?xml version="1.0" encoding="utf-8"?>
 <p:sld xmlns:a="http://schemas.openxmlformats.org/drawingml/2006/main" xmlns:r="http://schemas.openxmlformats.org/officeDocument/2006/relationships" xmlns:p="http://schemas.openxmlformats.org/presentationml/2006/main">
   <p:cSld>
     <p:spTree>
@@ -10520,10 +11519,9 @@
           <a:lstStyle/>
           <a:p>
             <a:r>
-              <a:rPr lang="en-US" dirty="0" smtClean="0"/>
+              <a:rPr lang="en-US" dirty="0"/>
               <a:t>EXAMPLE</a:t>
             </a:r>
-            <a:endParaRPr lang="en-US" dirty="0"/>
           </a:p>
         </p:txBody>
       </p:sp>
@@ -10543,10 +11541,9 @@
           <a:lstStyle/>
           <a:p>
             <a:r>
-              <a:rPr lang="en-US" dirty="0" smtClean="0"/>
+              <a:rPr lang="en-US" dirty="0"/>
               <a:t>Angular Binding</a:t>
             </a:r>
-            <a:endParaRPr lang="en-US" dirty="0"/>
           </a:p>
         </p:txBody>
       </p:sp>
@@ -10590,567 +11587,6 @@
   <p:clrMapOvr>
     <a:masterClrMapping/>
   </p:clrMapOvr>
-  <p:timing>
-    <p:tnLst>
-      <p:par>
-        <p:cTn id="1" dur="indefinite" restart="never" nodeType="tmRoot"/>
-      </p:par>
-    </p:tnLst>
-  </p:timing>
-</p:sld>
-</file>
-
-<file path=ppt/slides/slide16.xml><?xml version="1.0" encoding="utf-8"?>
-<p:sld xmlns:a="http://schemas.openxmlformats.org/drawingml/2006/main" xmlns:r="http://schemas.openxmlformats.org/officeDocument/2006/relationships" xmlns:p="http://schemas.openxmlformats.org/presentationml/2006/main">
-  <p:cSld>
-    <p:spTree>
-      <p:nvGrpSpPr>
-        <p:cNvPr id="1" name=""/>
-        <p:cNvGrpSpPr/>
-        <p:nvPr/>
-      </p:nvGrpSpPr>
-      <p:grpSpPr>
-        <a:xfrm>
-          <a:off x="0" y="0"/>
-          <a:ext cx="0" cy="0"/>
-          <a:chOff x="0" y="0"/>
-          <a:chExt cx="0" cy="0"/>
-        </a:xfrm>
-      </p:grpSpPr>
-      <p:sp>
-        <p:nvSpPr>
-          <p:cNvPr id="2" name="Title 1"/>
-          <p:cNvSpPr>
-            <a:spLocks noGrp="1"/>
-          </p:cNvSpPr>
-          <p:nvPr>
-            <p:ph type="ctrTitle"/>
-          </p:nvPr>
-        </p:nvSpPr>
-        <p:spPr/>
-        <p:txBody>
-          <a:bodyPr/>
-          <a:lstStyle/>
-          <a:p>
-            <a:r>
-              <a:rPr lang="en-US" dirty="0" smtClean="0"/>
-              <a:t>ASSESSMENT</a:t>
-            </a:r>
-            <a:endParaRPr lang="en-US" dirty="0"/>
-          </a:p>
-        </p:txBody>
-      </p:sp>
-      <p:sp>
-        <p:nvSpPr>
-          <p:cNvPr id="3" name="Subtitle 2"/>
-          <p:cNvSpPr>
-            <a:spLocks noGrp="1"/>
-          </p:cNvSpPr>
-          <p:nvPr>
-            <p:ph type="subTitle" idx="1"/>
-          </p:nvPr>
-        </p:nvSpPr>
-        <p:spPr/>
-        <p:txBody>
-          <a:bodyPr/>
-          <a:lstStyle/>
-          <a:p>
-            <a:r>
-              <a:rPr lang="en-US" dirty="0"/>
-              <a:t>Angular Binding</a:t>
-            </a:r>
-          </a:p>
-        </p:txBody>
-      </p:sp>
-      <p:pic>
-        <p:nvPicPr>
-          <p:cNvPr id="4" name="Picture 3"/>
-          <p:cNvPicPr>
-            <a:picLocks noChangeAspect="1"/>
-          </p:cNvPicPr>
-          <p:nvPr/>
-        </p:nvPicPr>
-        <p:blipFill>
-          <a:blip r:embed="rId3">
-            <a:extLst>
-              <a:ext uri="{28A0092B-C50C-407E-A947-70E740481C1C}">
-                <a14:useLocalDpi xmlns:a14="http://schemas.microsoft.com/office/drawing/2010/main" val="0"/>
-              </a:ext>
-            </a:extLst>
-          </a:blip>
-          <a:stretch>
-            <a:fillRect/>
-          </a:stretch>
-        </p:blipFill>
-        <p:spPr>
-          <a:xfrm>
-            <a:off x="7950200" y="1447800"/>
-            <a:ext cx="3571240" cy="4529836"/>
-          </a:xfrm>
-          <a:prstGeom prst="rect">
-            <a:avLst/>
-          </a:prstGeom>
-        </p:spPr>
-      </p:pic>
-    </p:spTree>
-    <p:extLst>
-      <p:ext uri="{BB962C8B-B14F-4D97-AF65-F5344CB8AC3E}">
-        <p14:creationId xmlns:p14="http://schemas.microsoft.com/office/powerpoint/2010/main" val="1752732753"/>
-      </p:ext>
-    </p:extLst>
-  </p:cSld>
-  <p:clrMapOvr>
-    <a:masterClrMapping/>
-  </p:clrMapOvr>
-  <p:timing>
-    <p:tnLst>
-      <p:par>
-        <p:cTn id="1" dur="indefinite" restart="never" nodeType="tmRoot"/>
-      </p:par>
-    </p:tnLst>
-  </p:timing>
-</p:sld>
-</file>
-
-<file path=ppt/slides/slide17.xml><?xml version="1.0" encoding="utf-8"?>
-<p:sld xmlns:a="http://schemas.openxmlformats.org/drawingml/2006/main" xmlns:r="http://schemas.openxmlformats.org/officeDocument/2006/relationships" xmlns:p="http://schemas.openxmlformats.org/presentationml/2006/main">
-  <p:cSld>
-    <p:spTree>
-      <p:nvGrpSpPr>
-        <p:cNvPr id="1" name=""/>
-        <p:cNvGrpSpPr/>
-        <p:nvPr/>
-      </p:nvGrpSpPr>
-      <p:grpSpPr>
-        <a:xfrm>
-          <a:off x="0" y="0"/>
-          <a:ext cx="0" cy="0"/>
-          <a:chOff x="0" y="0"/>
-          <a:chExt cx="0" cy="0"/>
-        </a:xfrm>
-      </p:grpSpPr>
-      <p:sp>
-        <p:nvSpPr>
-          <p:cNvPr id="2" name="Title 1"/>
-          <p:cNvSpPr>
-            <a:spLocks noGrp="1"/>
-          </p:cNvSpPr>
-          <p:nvPr>
-            <p:ph type="title"/>
-          </p:nvPr>
-        </p:nvSpPr>
-        <p:spPr/>
-        <p:txBody>
-          <a:bodyPr/>
-          <a:lstStyle/>
-          <a:p>
-            <a:r>
-              <a:rPr lang="en-US" dirty="0" smtClean="0"/>
-              <a:t>Assignment</a:t>
-            </a:r>
-            <a:endParaRPr lang="en-US" dirty="0"/>
-          </a:p>
-        </p:txBody>
-      </p:sp>
-      <p:sp>
-        <p:nvSpPr>
-          <p:cNvPr id="3" name="Content Placeholder 2"/>
-          <p:cNvSpPr>
-            <a:spLocks noGrp="1"/>
-          </p:cNvSpPr>
-          <p:nvPr>
-            <p:ph sz="half" idx="1"/>
-          </p:nvPr>
-        </p:nvSpPr>
-        <p:spPr>
-          <a:xfrm>
-            <a:off x="496388" y="1387975"/>
-            <a:ext cx="7772401" cy="5119408"/>
-          </a:xfrm>
-        </p:spPr>
-        <p:txBody>
-          <a:bodyPr>
-            <a:normAutofit fontScale="92500" lnSpcReduction="10000"/>
-          </a:bodyPr>
-          <a:lstStyle/>
-          <a:p>
-            <a:r>
-              <a:rPr lang="en-US" sz="2800" dirty="0" smtClean="0"/>
-              <a:t>Add </a:t>
-            </a:r>
-            <a:r>
-              <a:rPr lang="en-US" sz="2800" dirty="0"/>
-              <a:t>a property into the </a:t>
-            </a:r>
-            <a:r>
-              <a:rPr lang="en-US" sz="2800" dirty="0" smtClean="0"/>
-              <a:t>component for the title.</a:t>
-            </a:r>
-            <a:endParaRPr lang="en-US" sz="2800" dirty="0"/>
-          </a:p>
-          <a:p>
-            <a:r>
-              <a:rPr lang="en-US" sz="2800" dirty="0"/>
-              <a:t>Use interpolation to show the value of the </a:t>
-            </a:r>
-            <a:r>
-              <a:rPr lang="en-US" sz="2800" dirty="0" smtClean="0"/>
-              <a:t>property for the title.</a:t>
-            </a:r>
-          </a:p>
-          <a:p>
-            <a:r>
-              <a:rPr lang="en-US" sz="2800" dirty="0" smtClean="0"/>
-              <a:t>Create a class that defines a status report line named </a:t>
-            </a:r>
-            <a:r>
-              <a:rPr lang="en-US" sz="2800" dirty="0" err="1" smtClean="0"/>
-              <a:t>PersonStatus</a:t>
-            </a:r>
-            <a:r>
-              <a:rPr lang="en-US" sz="2800" dirty="0" smtClean="0"/>
-              <a:t> with properties: </a:t>
-            </a:r>
-            <a:r>
-              <a:rPr lang="en-US" sz="2800" dirty="0" err="1" smtClean="0"/>
-              <a:t>firstName</a:t>
-            </a:r>
-            <a:r>
-              <a:rPr lang="en-US" sz="2800" dirty="0" smtClean="0"/>
-              <a:t>, </a:t>
-            </a:r>
-            <a:r>
-              <a:rPr lang="en-US" sz="2800" dirty="0" err="1" smtClean="0"/>
-              <a:t>lastName</a:t>
-            </a:r>
-            <a:r>
-              <a:rPr lang="en-US" sz="2800" dirty="0" smtClean="0"/>
-              <a:t>, </a:t>
-            </a:r>
-            <a:r>
-              <a:rPr lang="en-US" sz="2800" dirty="0" err="1" smtClean="0"/>
-              <a:t>statusId</a:t>
-            </a:r>
-            <a:r>
-              <a:rPr lang="en-US" sz="2800" dirty="0" smtClean="0"/>
-              <a:t>, </a:t>
-            </a:r>
-            <a:r>
-              <a:rPr lang="en-US" sz="2800" dirty="0" err="1" smtClean="0"/>
-              <a:t>statusDescription</a:t>
-            </a:r>
-            <a:r>
-              <a:rPr lang="en-US" sz="2800" dirty="0" smtClean="0"/>
-              <a:t>.</a:t>
-            </a:r>
-            <a:endParaRPr lang="en-US" sz="2800" dirty="0"/>
-          </a:p>
-          <a:p>
-            <a:r>
-              <a:rPr lang="en-US" sz="2800" dirty="0"/>
-              <a:t>Create a property with an array </a:t>
-            </a:r>
-            <a:r>
-              <a:rPr lang="en-US" sz="2800" dirty="0" smtClean="0"/>
-              <a:t>of </a:t>
-            </a:r>
-            <a:r>
-              <a:rPr lang="en-US" sz="2800" dirty="0" err="1" smtClean="0"/>
-              <a:t>PersonStatus</a:t>
-            </a:r>
-            <a:r>
-              <a:rPr lang="en-US" sz="2800" dirty="0" smtClean="0"/>
-              <a:t> objects.</a:t>
-            </a:r>
-            <a:endParaRPr lang="en-US" sz="2800" dirty="0"/>
-          </a:p>
-          <a:p>
-            <a:r>
-              <a:rPr lang="en-US" sz="2800" dirty="0"/>
-              <a:t>Use the ng-for directive to display array </a:t>
-            </a:r>
-            <a:r>
-              <a:rPr lang="en-US" sz="2800" dirty="0" smtClean="0"/>
-              <a:t>data in the table.</a:t>
-            </a:r>
-            <a:endParaRPr lang="en-US" sz="2800" dirty="0"/>
-          </a:p>
-        </p:txBody>
-      </p:sp>
-      <p:pic>
-        <p:nvPicPr>
-          <p:cNvPr id="5" name="Content Placeholder 4"/>
-          <p:cNvPicPr>
-            <a:picLocks noGrp="1" noChangeAspect="1"/>
-          </p:cNvPicPr>
-          <p:nvPr>
-            <p:ph sz="half" idx="2"/>
-          </p:nvPr>
-        </p:nvPicPr>
-        <p:blipFill>
-          <a:blip r:embed="rId3">
-            <a:extLst>
-              <a:ext uri="{28A0092B-C50C-407E-A947-70E740481C1C}">
-                <a14:useLocalDpi xmlns:a14="http://schemas.microsoft.com/office/drawing/2010/main" val="0"/>
-              </a:ext>
-            </a:extLst>
-          </a:blip>
-          <a:stretch>
-            <a:fillRect/>
-          </a:stretch>
-        </p:blipFill>
-        <p:spPr>
-          <a:xfrm>
-            <a:off x="8630940" y="1387975"/>
-            <a:ext cx="3179422" cy="5119408"/>
-          </a:xfrm>
-        </p:spPr>
-      </p:pic>
-    </p:spTree>
-    <p:extLst>
-      <p:ext uri="{BB962C8B-B14F-4D97-AF65-F5344CB8AC3E}">
-        <p14:creationId xmlns:p14="http://schemas.microsoft.com/office/powerpoint/2010/main" val="18645438"/>
-      </p:ext>
-    </p:extLst>
-  </p:cSld>
-  <p:clrMapOvr>
-    <a:masterClrMapping/>
-  </p:clrMapOvr>
-</p:sld>
-</file>
-
-<file path=ppt/slides/slide18.xml><?xml version="1.0" encoding="utf-8"?>
-<p:sld xmlns:a="http://schemas.openxmlformats.org/drawingml/2006/main" xmlns:r="http://schemas.openxmlformats.org/officeDocument/2006/relationships" xmlns:p="http://schemas.openxmlformats.org/presentationml/2006/main">
-  <p:cSld>
-    <p:spTree>
-      <p:nvGrpSpPr>
-        <p:cNvPr id="1" name=""/>
-        <p:cNvGrpSpPr/>
-        <p:nvPr/>
-      </p:nvGrpSpPr>
-      <p:grpSpPr>
-        <a:xfrm>
-          <a:off x="0" y="0"/>
-          <a:ext cx="0" cy="0"/>
-          <a:chOff x="0" y="0"/>
-          <a:chExt cx="0" cy="0"/>
-        </a:xfrm>
-      </p:grpSpPr>
-      <p:sp>
-        <p:nvSpPr>
-          <p:cNvPr id="2" name="Title 1"/>
-          <p:cNvSpPr>
-            <a:spLocks noGrp="1"/>
-          </p:cNvSpPr>
-          <p:nvPr>
-            <p:ph type="title"/>
-          </p:nvPr>
-        </p:nvSpPr>
-        <p:spPr/>
-        <p:txBody>
-          <a:bodyPr/>
-          <a:lstStyle/>
-          <a:p>
-            <a:r>
-              <a:rPr lang="en-US" dirty="0" smtClean="0"/>
-              <a:t>Routing/Navigation</a:t>
-            </a:r>
-            <a:endParaRPr lang="en-US" dirty="0"/>
-          </a:p>
-        </p:txBody>
-      </p:sp>
-      <p:sp>
-        <p:nvSpPr>
-          <p:cNvPr id="3" name="Content Placeholder 2"/>
-          <p:cNvSpPr>
-            <a:spLocks noGrp="1"/>
-          </p:cNvSpPr>
-          <p:nvPr>
-            <p:ph idx="1"/>
-          </p:nvPr>
-        </p:nvSpPr>
-        <p:spPr/>
-        <p:txBody>
-          <a:bodyPr>
-            <a:normAutofit/>
-          </a:bodyPr>
-          <a:lstStyle/>
-          <a:p>
-            <a:r>
-              <a:rPr lang="en-US" sz="2400" dirty="0" smtClean="0"/>
-              <a:t>Define routes in the module file</a:t>
-            </a:r>
-          </a:p>
-          <a:p>
-            <a:r>
-              <a:rPr lang="en-US" sz="2400" dirty="0" smtClean="0"/>
-              <a:t>Use  the following syntax in the template to link to a route:</a:t>
-            </a:r>
-          </a:p>
-          <a:p>
-            <a:pPr lvl="1"/>
-            <a:r>
-              <a:rPr lang="en-US" sz="2400" dirty="0" smtClean="0"/>
-              <a:t>&lt;a [</a:t>
-            </a:r>
-            <a:r>
-              <a:rPr lang="en-US" sz="2400" dirty="0" err="1" smtClean="0"/>
-              <a:t>routerLink</a:t>
-            </a:r>
-            <a:r>
-              <a:rPr lang="en-US" sz="2400" dirty="0" smtClean="0"/>
-              <a:t>] = “[route path]”&gt;Description&lt;/a&gt;</a:t>
-            </a:r>
-          </a:p>
-          <a:p>
-            <a:r>
-              <a:rPr lang="en-US" sz="2400" dirty="0" smtClean="0"/>
-              <a:t>Use router-outlet element to specify location of the rout in the template</a:t>
-            </a:r>
-          </a:p>
-          <a:p>
-            <a:r>
-              <a:rPr lang="en-US" sz="2400" dirty="0" smtClean="0"/>
-              <a:t>Use * to route all undefined paths</a:t>
-            </a:r>
-          </a:p>
-          <a:p>
-            <a:pPr marL="45720" indent="0">
-              <a:buNone/>
-            </a:pPr>
-            <a:endParaRPr lang="en-US" sz="2400" dirty="0"/>
-          </a:p>
-          <a:p>
-            <a:pPr marL="45720" indent="0">
-              <a:buNone/>
-            </a:pPr>
-            <a:endParaRPr lang="en-US" dirty="0"/>
-          </a:p>
-        </p:txBody>
-      </p:sp>
-    </p:spTree>
-    <p:extLst>
-      <p:ext uri="{BB962C8B-B14F-4D97-AF65-F5344CB8AC3E}">
-        <p14:creationId xmlns:p14="http://schemas.microsoft.com/office/powerpoint/2010/main" val="703970955"/>
-      </p:ext>
-    </p:extLst>
-  </p:cSld>
-  <p:clrMapOvr>
-    <a:masterClrMapping/>
-  </p:clrMapOvr>
-</p:sld>
-</file>
-
-<file path=ppt/slides/slide19.xml><?xml version="1.0" encoding="utf-8"?>
-<p:sld xmlns:a="http://schemas.openxmlformats.org/drawingml/2006/main" xmlns:r="http://schemas.openxmlformats.org/officeDocument/2006/relationships" xmlns:p="http://schemas.openxmlformats.org/presentationml/2006/main">
-  <p:cSld>
-    <p:spTree>
-      <p:nvGrpSpPr>
-        <p:cNvPr id="1" name=""/>
-        <p:cNvGrpSpPr/>
-        <p:nvPr/>
-      </p:nvGrpSpPr>
-      <p:grpSpPr>
-        <a:xfrm>
-          <a:off x="0" y="0"/>
-          <a:ext cx="0" cy="0"/>
-          <a:chOff x="0" y="0"/>
-          <a:chExt cx="0" cy="0"/>
-        </a:xfrm>
-      </p:grpSpPr>
-      <p:sp>
-        <p:nvSpPr>
-          <p:cNvPr id="2" name="Title 1"/>
-          <p:cNvSpPr>
-            <a:spLocks noGrp="1"/>
-          </p:cNvSpPr>
-          <p:nvPr>
-            <p:ph type="title"/>
-          </p:nvPr>
-        </p:nvSpPr>
-        <p:spPr/>
-        <p:txBody>
-          <a:bodyPr/>
-          <a:lstStyle/>
-          <a:p>
-            <a:r>
-              <a:rPr lang="en-US" dirty="0" smtClean="0"/>
-              <a:t>EXAMPLE</a:t>
-            </a:r>
-            <a:endParaRPr lang="en-US" dirty="0"/>
-          </a:p>
-        </p:txBody>
-      </p:sp>
-      <p:sp>
-        <p:nvSpPr>
-          <p:cNvPr id="3" name="Text Placeholder 2"/>
-          <p:cNvSpPr>
-            <a:spLocks noGrp="1"/>
-          </p:cNvSpPr>
-          <p:nvPr>
-            <p:ph type="body" idx="1"/>
-          </p:nvPr>
-        </p:nvSpPr>
-        <p:spPr/>
-        <p:txBody>
-          <a:bodyPr/>
-          <a:lstStyle/>
-          <a:p>
-            <a:r>
-              <a:rPr lang="en-US" dirty="0" smtClean="0"/>
-              <a:t>Angular Routing</a:t>
-            </a:r>
-            <a:endParaRPr lang="en-US" dirty="0"/>
-          </a:p>
-        </p:txBody>
-      </p:sp>
-      <p:pic>
-        <p:nvPicPr>
-          <p:cNvPr id="4" name="Content Placeholder 4"/>
-          <p:cNvPicPr>
-            <a:picLocks noChangeAspect="1"/>
-          </p:cNvPicPr>
-          <p:nvPr/>
-        </p:nvPicPr>
-        <p:blipFill>
-          <a:blip r:embed="rId3">
-            <a:extLst>
-              <a:ext uri="{28A0092B-C50C-407E-A947-70E740481C1C}">
-                <a14:useLocalDpi xmlns:a14="http://schemas.microsoft.com/office/drawing/2010/main" val="0"/>
-              </a:ext>
-            </a:extLst>
-          </a:blip>
-          <a:stretch>
-            <a:fillRect/>
-          </a:stretch>
-        </p:blipFill>
-        <p:spPr>
-          <a:xfrm>
-            <a:off x="1154955" y="563880"/>
-            <a:ext cx="3819192" cy="3055354"/>
-          </a:xfrm>
-          <a:prstGeom prst="rect">
-            <a:avLst/>
-          </a:prstGeom>
-        </p:spPr>
-      </p:pic>
-    </p:spTree>
-    <p:extLst>
-      <p:ext uri="{BB962C8B-B14F-4D97-AF65-F5344CB8AC3E}">
-        <p14:creationId xmlns:p14="http://schemas.microsoft.com/office/powerpoint/2010/main" val="571231105"/>
-      </p:ext>
-    </p:extLst>
-  </p:cSld>
-  <p:clrMapOvr>
-    <a:masterClrMapping/>
-  </p:clrMapOvr>
-  <p:timing>
-    <p:tnLst>
-      <p:par>
-        <p:cTn id="1" dur="indefinite" restart="never" nodeType="tmRoot"/>
-      </p:par>
-    </p:tnLst>
-  </p:timing>
 </p:sld>
 </file>
 
@@ -11187,10 +11623,9 @@
           <a:lstStyle/>
           <a:p>
             <a:r>
-              <a:rPr lang="en-US" dirty="0" smtClean="0"/>
+              <a:rPr lang="en-US" dirty="0"/>
               <a:t>Architecture of Angular?</a:t>
             </a:r>
-            <a:endParaRPr lang="en-US" dirty="0"/>
           </a:p>
         </p:txBody>
       </p:sp>
@@ -11212,34 +11647,33 @@
           <a:lstStyle/>
           <a:p>
             <a:r>
-              <a:rPr lang="en-US" sz="2800" dirty="0" smtClean="0"/>
+              <a:rPr lang="en-US" sz="2800" dirty="0"/>
               <a:t>Modules</a:t>
             </a:r>
           </a:p>
           <a:p>
             <a:r>
-              <a:rPr lang="en-US" sz="2800" dirty="0" smtClean="0"/>
+              <a:rPr lang="en-US" sz="2800" dirty="0"/>
               <a:t>Component</a:t>
             </a:r>
           </a:p>
           <a:p>
             <a:r>
-              <a:rPr lang="en-US" sz="2800" dirty="0" smtClean="0"/>
+              <a:rPr lang="en-US" sz="2800" dirty="0"/>
               <a:t>Templates</a:t>
             </a:r>
           </a:p>
           <a:p>
             <a:r>
-              <a:rPr lang="en-US" sz="2800" dirty="0" smtClean="0"/>
+              <a:rPr lang="en-US" sz="2800" dirty="0"/>
               <a:t>Directives</a:t>
             </a:r>
           </a:p>
           <a:p>
             <a:r>
-              <a:rPr lang="en-US" sz="2800" dirty="0" smtClean="0"/>
+              <a:rPr lang="en-US" sz="2800" dirty="0"/>
               <a:t>Services</a:t>
             </a:r>
-            <a:endParaRPr lang="en-US" sz="2800" dirty="0"/>
           </a:p>
         </p:txBody>
       </p:sp>
@@ -11318,10 +11752,520 @@
           <a:lstStyle/>
           <a:p>
             <a:r>
-              <a:rPr lang="en-US" dirty="0" smtClean="0"/>
+              <a:rPr lang="en-US" dirty="0"/>
               <a:t>ASSESSMENT</a:t>
             </a:r>
+          </a:p>
+        </p:txBody>
+      </p:sp>
+      <p:sp>
+        <p:nvSpPr>
+          <p:cNvPr id="3" name="Subtitle 2"/>
+          <p:cNvSpPr>
+            <a:spLocks noGrp="1"/>
+          </p:cNvSpPr>
+          <p:nvPr>
+            <p:ph type="subTitle" idx="1"/>
+          </p:nvPr>
+        </p:nvSpPr>
+        <p:spPr/>
+        <p:txBody>
+          <a:bodyPr/>
+          <a:lstStyle/>
+          <a:p>
+            <a:r>
+              <a:rPr lang="en-US" dirty="0"/>
+              <a:t>Angular Binding</a:t>
+            </a:r>
+          </a:p>
+        </p:txBody>
+      </p:sp>
+      <p:pic>
+        <p:nvPicPr>
+          <p:cNvPr id="4" name="Picture 3"/>
+          <p:cNvPicPr>
+            <a:picLocks noChangeAspect="1"/>
+          </p:cNvPicPr>
+          <p:nvPr/>
+        </p:nvPicPr>
+        <p:blipFill>
+          <a:blip r:embed="rId3">
+            <a:extLst>
+              <a:ext uri="{28A0092B-C50C-407E-A947-70E740481C1C}">
+                <a14:useLocalDpi xmlns:a14="http://schemas.microsoft.com/office/drawing/2010/main" val="0"/>
+              </a:ext>
+            </a:extLst>
+          </a:blip>
+          <a:stretch>
+            <a:fillRect/>
+          </a:stretch>
+        </p:blipFill>
+        <p:spPr>
+          <a:xfrm>
+            <a:off x="7950200" y="1447800"/>
+            <a:ext cx="3571240" cy="4529836"/>
+          </a:xfrm>
+          <a:prstGeom prst="rect">
+            <a:avLst/>
+          </a:prstGeom>
+        </p:spPr>
+      </p:pic>
+    </p:spTree>
+    <p:extLst>
+      <p:ext uri="{BB962C8B-B14F-4D97-AF65-F5344CB8AC3E}">
+        <p14:creationId xmlns:p14="http://schemas.microsoft.com/office/powerpoint/2010/main" val="1752732753"/>
+      </p:ext>
+    </p:extLst>
+  </p:cSld>
+  <p:clrMapOvr>
+    <a:masterClrMapping/>
+  </p:clrMapOvr>
+</p:sld>
+</file>
+
+<file path=ppt/slides/slide21.xml><?xml version="1.0" encoding="utf-8"?>
+<p:sld xmlns:a="http://schemas.openxmlformats.org/drawingml/2006/main" xmlns:r="http://schemas.openxmlformats.org/officeDocument/2006/relationships" xmlns:p="http://schemas.openxmlformats.org/presentationml/2006/main">
+  <p:cSld>
+    <p:spTree>
+      <p:nvGrpSpPr>
+        <p:cNvPr id="1" name=""/>
+        <p:cNvGrpSpPr/>
+        <p:nvPr/>
+      </p:nvGrpSpPr>
+      <p:grpSpPr>
+        <a:xfrm>
+          <a:off x="0" y="0"/>
+          <a:ext cx="0" cy="0"/>
+          <a:chOff x="0" y="0"/>
+          <a:chExt cx="0" cy="0"/>
+        </a:xfrm>
+      </p:grpSpPr>
+      <p:sp>
+        <p:nvSpPr>
+          <p:cNvPr id="2" name="Title 1"/>
+          <p:cNvSpPr>
+            <a:spLocks noGrp="1"/>
+          </p:cNvSpPr>
+          <p:nvPr>
+            <p:ph type="title"/>
+          </p:nvPr>
+        </p:nvSpPr>
+        <p:spPr/>
+        <p:txBody>
+          <a:bodyPr/>
+          <a:lstStyle/>
+          <a:p>
+            <a:r>
+              <a:rPr lang="en-US" dirty="0"/>
+              <a:t>Assignment</a:t>
+            </a:r>
+          </a:p>
+        </p:txBody>
+      </p:sp>
+      <p:sp>
+        <p:nvSpPr>
+          <p:cNvPr id="3" name="Content Placeholder 2"/>
+          <p:cNvSpPr>
+            <a:spLocks noGrp="1"/>
+          </p:cNvSpPr>
+          <p:nvPr>
+            <p:ph sz="half" idx="1"/>
+          </p:nvPr>
+        </p:nvSpPr>
+        <p:spPr>
+          <a:xfrm>
+            <a:off x="496388" y="1387975"/>
+            <a:ext cx="7772401" cy="5119408"/>
+          </a:xfrm>
+        </p:spPr>
+        <p:txBody>
+          <a:bodyPr>
+            <a:normAutofit fontScale="92500" lnSpcReduction="10000"/>
+          </a:bodyPr>
+          <a:lstStyle/>
+          <a:p>
+            <a:r>
+              <a:rPr lang="en-US" sz="2800" dirty="0"/>
+              <a:t>Add a property into the component for the title.</a:t>
+            </a:r>
+          </a:p>
+          <a:p>
+            <a:r>
+              <a:rPr lang="en-US" sz="2800" dirty="0"/>
+              <a:t>Use interpolation to show the value of the property for the title.</a:t>
+            </a:r>
+          </a:p>
+          <a:p>
+            <a:r>
+              <a:rPr lang="en-US" sz="2800" dirty="0"/>
+              <a:t>Create a class that defines a status report line named </a:t>
+            </a:r>
+            <a:r>
+              <a:rPr lang="en-US" sz="2800" dirty="0" err="1"/>
+              <a:t>PersonStatus</a:t>
+            </a:r>
+            <a:r>
+              <a:rPr lang="en-US" sz="2800" dirty="0"/>
+              <a:t> with properties: </a:t>
+            </a:r>
+            <a:r>
+              <a:rPr lang="en-US" sz="2800" dirty="0" err="1"/>
+              <a:t>firstName</a:t>
+            </a:r>
+            <a:r>
+              <a:rPr lang="en-US" sz="2800" dirty="0"/>
+              <a:t>, </a:t>
+            </a:r>
+            <a:r>
+              <a:rPr lang="en-US" sz="2800" dirty="0" err="1"/>
+              <a:t>lastName</a:t>
+            </a:r>
+            <a:r>
+              <a:rPr lang="en-US" sz="2800" dirty="0"/>
+              <a:t>, </a:t>
+            </a:r>
+            <a:r>
+              <a:rPr lang="en-US" sz="2800" dirty="0" err="1"/>
+              <a:t>statusId</a:t>
+            </a:r>
+            <a:r>
+              <a:rPr lang="en-US" sz="2800" dirty="0"/>
+              <a:t>, </a:t>
+            </a:r>
+            <a:r>
+              <a:rPr lang="en-US" sz="2800" dirty="0" err="1"/>
+              <a:t>statusDescription</a:t>
+            </a:r>
+            <a:r>
+              <a:rPr lang="en-US" sz="2800" dirty="0"/>
+              <a:t>.</a:t>
+            </a:r>
+          </a:p>
+          <a:p>
+            <a:r>
+              <a:rPr lang="en-US" sz="2800" dirty="0"/>
+              <a:t>Create a property with an array of </a:t>
+            </a:r>
+            <a:r>
+              <a:rPr lang="en-US" sz="2800" dirty="0" err="1"/>
+              <a:t>PersonStatus</a:t>
+            </a:r>
+            <a:r>
+              <a:rPr lang="en-US" sz="2800" dirty="0"/>
+              <a:t> objects.</a:t>
+            </a:r>
+          </a:p>
+          <a:p>
+            <a:r>
+              <a:rPr lang="en-US" sz="2800" dirty="0"/>
+              <a:t>Use the ng-for directive to display array data in the table.</a:t>
+            </a:r>
+          </a:p>
+        </p:txBody>
+      </p:sp>
+      <p:pic>
+        <p:nvPicPr>
+          <p:cNvPr id="5" name="Content Placeholder 4"/>
+          <p:cNvPicPr>
+            <a:picLocks noGrp="1" noChangeAspect="1"/>
+          </p:cNvPicPr>
+          <p:nvPr>
+            <p:ph sz="half" idx="2"/>
+          </p:nvPr>
+        </p:nvPicPr>
+        <p:blipFill>
+          <a:blip r:embed="rId3">
+            <a:extLst>
+              <a:ext uri="{28A0092B-C50C-407E-A947-70E740481C1C}">
+                <a14:useLocalDpi xmlns:a14="http://schemas.microsoft.com/office/drawing/2010/main" val="0"/>
+              </a:ext>
+            </a:extLst>
+          </a:blip>
+          <a:stretch>
+            <a:fillRect/>
+          </a:stretch>
+        </p:blipFill>
+        <p:spPr>
+          <a:xfrm>
+            <a:off x="8630940" y="1387975"/>
+            <a:ext cx="3179422" cy="5119408"/>
+          </a:xfrm>
+        </p:spPr>
+      </p:pic>
+    </p:spTree>
+    <p:extLst>
+      <p:ext uri="{BB962C8B-B14F-4D97-AF65-F5344CB8AC3E}">
+        <p14:creationId xmlns:p14="http://schemas.microsoft.com/office/powerpoint/2010/main" val="18645438"/>
+      </p:ext>
+    </p:extLst>
+  </p:cSld>
+  <p:clrMapOvr>
+    <a:masterClrMapping/>
+  </p:clrMapOvr>
+</p:sld>
+</file>
+
+<file path=ppt/slides/slide22.xml><?xml version="1.0" encoding="utf-8"?>
+<p:sld xmlns:a="http://schemas.openxmlformats.org/drawingml/2006/main" xmlns:r="http://schemas.openxmlformats.org/officeDocument/2006/relationships" xmlns:p="http://schemas.openxmlformats.org/presentationml/2006/main">
+  <p:cSld>
+    <p:spTree>
+      <p:nvGrpSpPr>
+        <p:cNvPr id="1" name=""/>
+        <p:cNvGrpSpPr/>
+        <p:nvPr/>
+      </p:nvGrpSpPr>
+      <p:grpSpPr>
+        <a:xfrm>
+          <a:off x="0" y="0"/>
+          <a:ext cx="0" cy="0"/>
+          <a:chOff x="0" y="0"/>
+          <a:chExt cx="0" cy="0"/>
+        </a:xfrm>
+      </p:grpSpPr>
+      <p:sp>
+        <p:nvSpPr>
+          <p:cNvPr id="2" name="Title 1"/>
+          <p:cNvSpPr>
+            <a:spLocks noGrp="1"/>
+          </p:cNvSpPr>
+          <p:nvPr>
+            <p:ph type="title"/>
+          </p:nvPr>
+        </p:nvSpPr>
+        <p:spPr/>
+        <p:txBody>
+          <a:bodyPr/>
+          <a:lstStyle/>
+          <a:p>
+            <a:r>
+              <a:rPr lang="en-US" dirty="0"/>
+              <a:t>Routing/Navigation</a:t>
+            </a:r>
+          </a:p>
+        </p:txBody>
+      </p:sp>
+      <p:sp>
+        <p:nvSpPr>
+          <p:cNvPr id="3" name="Content Placeholder 2"/>
+          <p:cNvSpPr>
+            <a:spLocks noGrp="1"/>
+          </p:cNvSpPr>
+          <p:nvPr>
+            <p:ph idx="1"/>
+          </p:nvPr>
+        </p:nvSpPr>
+        <p:spPr/>
+        <p:txBody>
+          <a:bodyPr>
+            <a:normAutofit/>
+          </a:bodyPr>
+          <a:lstStyle/>
+          <a:p>
+            <a:r>
+              <a:rPr lang="en-US" sz="2400" dirty="0"/>
+              <a:t>Define routes in the module file</a:t>
+            </a:r>
+          </a:p>
+          <a:p>
+            <a:r>
+              <a:rPr lang="en-US" sz="2400" dirty="0"/>
+              <a:t>Use  the following syntax in the template to link to a route:</a:t>
+            </a:r>
+          </a:p>
+          <a:p>
+            <a:pPr lvl="1"/>
+            <a:r>
+              <a:rPr lang="en-US" sz="2400" dirty="0"/>
+              <a:t>&lt;a [</a:t>
+            </a:r>
+            <a:r>
+              <a:rPr lang="en-US" sz="2400" dirty="0" err="1"/>
+              <a:t>routerLink</a:t>
+            </a:r>
+            <a:r>
+              <a:rPr lang="en-US" sz="2400" dirty="0"/>
+              <a:t>] = “[route path]”&gt;Description&lt;/a&gt;</a:t>
+            </a:r>
+          </a:p>
+          <a:p>
+            <a:r>
+              <a:rPr lang="en-US" sz="2400" dirty="0"/>
+              <a:t>Use router-outlet element to specify location of the route in the template</a:t>
+            </a:r>
+          </a:p>
+          <a:p>
+            <a:r>
+              <a:rPr lang="en-US" sz="2400" dirty="0"/>
+              <a:t>Use * to route all undefined paths</a:t>
+            </a:r>
+          </a:p>
+          <a:p>
+            <a:pPr marL="45720" indent="0">
+              <a:buNone/>
+            </a:pPr>
+            <a:endParaRPr lang="en-US" sz="2400" dirty="0"/>
+          </a:p>
+          <a:p>
+            <a:pPr marL="45720" indent="0">
+              <a:buNone/>
+            </a:pPr>
             <a:endParaRPr lang="en-US" dirty="0"/>
+          </a:p>
+        </p:txBody>
+      </p:sp>
+    </p:spTree>
+    <p:extLst>
+      <p:ext uri="{BB962C8B-B14F-4D97-AF65-F5344CB8AC3E}">
+        <p14:creationId xmlns:p14="http://schemas.microsoft.com/office/powerpoint/2010/main" val="703970955"/>
+      </p:ext>
+    </p:extLst>
+  </p:cSld>
+  <p:clrMapOvr>
+    <a:masterClrMapping/>
+  </p:clrMapOvr>
+</p:sld>
+</file>
+
+<file path=ppt/slides/slide23.xml><?xml version="1.0" encoding="utf-8"?>
+<p:sld xmlns:a="http://schemas.openxmlformats.org/drawingml/2006/main" xmlns:r="http://schemas.openxmlformats.org/officeDocument/2006/relationships" xmlns:p="http://schemas.openxmlformats.org/presentationml/2006/main">
+  <p:cSld>
+    <p:spTree>
+      <p:nvGrpSpPr>
+        <p:cNvPr id="1" name=""/>
+        <p:cNvGrpSpPr/>
+        <p:nvPr/>
+      </p:nvGrpSpPr>
+      <p:grpSpPr>
+        <a:xfrm>
+          <a:off x="0" y="0"/>
+          <a:ext cx="0" cy="0"/>
+          <a:chOff x="0" y="0"/>
+          <a:chExt cx="0" cy="0"/>
+        </a:xfrm>
+      </p:grpSpPr>
+      <p:sp>
+        <p:nvSpPr>
+          <p:cNvPr id="2" name="Title 1"/>
+          <p:cNvSpPr>
+            <a:spLocks noGrp="1"/>
+          </p:cNvSpPr>
+          <p:nvPr>
+            <p:ph type="title"/>
+          </p:nvPr>
+        </p:nvSpPr>
+        <p:spPr/>
+        <p:txBody>
+          <a:bodyPr/>
+          <a:lstStyle/>
+          <a:p>
+            <a:r>
+              <a:rPr lang="en-US" dirty="0"/>
+              <a:t>EXAMPLE</a:t>
+            </a:r>
+          </a:p>
+        </p:txBody>
+      </p:sp>
+      <p:sp>
+        <p:nvSpPr>
+          <p:cNvPr id="3" name="Text Placeholder 2"/>
+          <p:cNvSpPr>
+            <a:spLocks noGrp="1"/>
+          </p:cNvSpPr>
+          <p:nvPr>
+            <p:ph type="body" idx="1"/>
+          </p:nvPr>
+        </p:nvSpPr>
+        <p:spPr/>
+        <p:txBody>
+          <a:bodyPr/>
+          <a:lstStyle/>
+          <a:p>
+            <a:r>
+              <a:rPr lang="en-US" dirty="0"/>
+              <a:t>Angular Routing</a:t>
+            </a:r>
+          </a:p>
+        </p:txBody>
+      </p:sp>
+      <p:pic>
+        <p:nvPicPr>
+          <p:cNvPr id="4" name="Content Placeholder 4"/>
+          <p:cNvPicPr>
+            <a:picLocks noChangeAspect="1"/>
+          </p:cNvPicPr>
+          <p:nvPr/>
+        </p:nvPicPr>
+        <p:blipFill>
+          <a:blip r:embed="rId3">
+            <a:extLst>
+              <a:ext uri="{28A0092B-C50C-407E-A947-70E740481C1C}">
+                <a14:useLocalDpi xmlns:a14="http://schemas.microsoft.com/office/drawing/2010/main" val="0"/>
+              </a:ext>
+            </a:extLst>
+          </a:blip>
+          <a:stretch>
+            <a:fillRect/>
+          </a:stretch>
+        </p:blipFill>
+        <p:spPr>
+          <a:xfrm>
+            <a:off x="1154955" y="563880"/>
+            <a:ext cx="3819192" cy="3055354"/>
+          </a:xfrm>
+          <a:prstGeom prst="rect">
+            <a:avLst/>
+          </a:prstGeom>
+        </p:spPr>
+      </p:pic>
+    </p:spTree>
+    <p:extLst>
+      <p:ext uri="{BB962C8B-B14F-4D97-AF65-F5344CB8AC3E}">
+        <p14:creationId xmlns:p14="http://schemas.microsoft.com/office/powerpoint/2010/main" val="571231105"/>
+      </p:ext>
+    </p:extLst>
+  </p:cSld>
+  <p:clrMapOvr>
+    <a:masterClrMapping/>
+  </p:clrMapOvr>
+</p:sld>
+</file>
+
+<file path=ppt/slides/slide24.xml><?xml version="1.0" encoding="utf-8"?>
+<p:sld xmlns:a="http://schemas.openxmlformats.org/drawingml/2006/main" xmlns:r="http://schemas.openxmlformats.org/officeDocument/2006/relationships" xmlns:p="http://schemas.openxmlformats.org/presentationml/2006/main">
+  <p:cSld>
+    <p:spTree>
+      <p:nvGrpSpPr>
+        <p:cNvPr id="1" name=""/>
+        <p:cNvGrpSpPr/>
+        <p:nvPr/>
+      </p:nvGrpSpPr>
+      <p:grpSpPr>
+        <a:xfrm>
+          <a:off x="0" y="0"/>
+          <a:ext cx="0" cy="0"/>
+          <a:chOff x="0" y="0"/>
+          <a:chExt cx="0" cy="0"/>
+        </a:xfrm>
+      </p:grpSpPr>
+      <p:sp>
+        <p:nvSpPr>
+          <p:cNvPr id="2" name="Title 1"/>
+          <p:cNvSpPr>
+            <a:spLocks noGrp="1"/>
+          </p:cNvSpPr>
+          <p:nvPr>
+            <p:ph type="ctrTitle"/>
+          </p:nvPr>
+        </p:nvSpPr>
+        <p:spPr/>
+        <p:txBody>
+          <a:bodyPr/>
+          <a:lstStyle/>
+          <a:p>
+            <a:r>
+              <a:rPr lang="en-US" dirty="0"/>
+              <a:t>ASSESSMENT</a:t>
+            </a:r>
           </a:p>
         </p:txBody>
       </p:sp>
@@ -11387,17 +12331,10 @@
   <p:clrMapOvr>
     <a:masterClrMapping/>
   </p:clrMapOvr>
-  <p:timing>
-    <p:tnLst>
-      <p:par>
-        <p:cTn id="1" dur="indefinite" restart="never" nodeType="tmRoot"/>
-      </p:par>
-    </p:tnLst>
-  </p:timing>
 </p:sld>
 </file>
 
-<file path=ppt/slides/slide21.xml><?xml version="1.0" encoding="utf-8"?>
+<file path=ppt/slides/slide25.xml><?xml version="1.0" encoding="utf-8"?>
 <p:sld xmlns:a="http://schemas.openxmlformats.org/drawingml/2006/main" xmlns:r="http://schemas.openxmlformats.org/officeDocument/2006/relationships" xmlns:p="http://schemas.openxmlformats.org/presentationml/2006/main">
   <p:cSld>
     <p:spTree>
@@ -11430,10 +12367,9 @@
           <a:lstStyle/>
           <a:p>
             <a:r>
-              <a:rPr lang="en-US" dirty="0" smtClean="0"/>
+              <a:rPr lang="en-US" dirty="0"/>
               <a:t>Assignment</a:t>
             </a:r>
-            <a:endParaRPr lang="en-US" dirty="0"/>
           </a:p>
         </p:txBody>
       </p:sp>
@@ -11460,24 +12396,24 @@
           <a:lstStyle/>
           <a:p>
             <a:r>
-              <a:rPr lang="en-US" sz="4000" dirty="0" smtClean="0"/>
+              <a:rPr lang="en-US" sz="4000" dirty="0"/>
               <a:t>Create a new component and html template.</a:t>
             </a:r>
           </a:p>
           <a:p>
             <a:r>
-              <a:rPr lang="en-US" sz="4000" dirty="0" smtClean="0"/>
+              <a:rPr lang="en-US" sz="4000" dirty="0"/>
               <a:t>Add html for the form into it that you created previously.</a:t>
             </a:r>
           </a:p>
           <a:p>
             <a:r>
-              <a:rPr lang="en-US" sz="4000" dirty="0" smtClean="0"/>
+              <a:rPr lang="en-US" sz="4000" dirty="0"/>
               <a:t>Setup up routing and a link so that the add link goes to this new component.</a:t>
             </a:r>
           </a:p>
           <a:p>
-            <a:endParaRPr lang="en-US" sz="2800" dirty="0" smtClean="0"/>
+            <a:endParaRPr lang="en-US" sz="2800" dirty="0"/>
           </a:p>
           <a:p>
             <a:endParaRPr lang="en-US" sz="2800" dirty="0"/>
@@ -11526,7 +12462,7 @@
 </p:sld>
 </file>
 
-<file path=ppt/slides/slide22.xml><?xml version="1.0" encoding="utf-8"?>
+<file path=ppt/slides/slide26.xml><?xml version="1.0" encoding="utf-8"?>
 <p:sld xmlns:a="http://schemas.openxmlformats.org/drawingml/2006/main" xmlns:r="http://schemas.openxmlformats.org/officeDocument/2006/relationships" xmlns:p="http://schemas.openxmlformats.org/presentationml/2006/main">
   <p:cSld>
     <p:spTree>
@@ -11559,10 +12495,9 @@
           <a:lstStyle/>
           <a:p>
             <a:r>
-              <a:rPr lang="en-US" dirty="0" smtClean="0"/>
+              <a:rPr lang="en-US" dirty="0"/>
               <a:t>Service</a:t>
             </a:r>
-            <a:endParaRPr lang="en-US" dirty="0"/>
           </a:p>
         </p:txBody>
       </p:sp>
@@ -11584,28 +12519,27 @@
           <a:lstStyle/>
           <a:p>
             <a:r>
-              <a:rPr lang="en-US" sz="2400" dirty="0" smtClean="0"/>
+              <a:rPr lang="en-US" sz="2400" dirty="0"/>
               <a:t>Separate Class</a:t>
             </a:r>
           </a:p>
           <a:p>
             <a:r>
-              <a:rPr lang="en-US" sz="2400" dirty="0" smtClean="0"/>
+              <a:rPr lang="en-US" sz="2400" dirty="0"/>
               <a:t>Used to interact with the data</a:t>
             </a:r>
           </a:p>
           <a:p>
             <a:r>
-              <a:rPr lang="en-US" sz="2400" dirty="0" smtClean="0"/>
+              <a:rPr lang="en-US" sz="2400" dirty="0"/>
               <a:t>Read and Persist</a:t>
             </a:r>
           </a:p>
           <a:p>
             <a:r>
-              <a:rPr lang="en-US" sz="2400" dirty="0" smtClean="0"/>
+              <a:rPr lang="en-US" sz="2400" dirty="0"/>
               <a:t>Called from the component</a:t>
             </a:r>
-            <a:endParaRPr lang="en-US" sz="2400" dirty="0"/>
           </a:p>
         </p:txBody>
       </p:sp>
@@ -11646,7 +12580,7 @@
 </p:sld>
 </file>
 
-<file path=ppt/slides/slide23.xml><?xml version="1.0" encoding="utf-8"?>
+<file path=ppt/slides/slide27.xml><?xml version="1.0" encoding="utf-8"?>
 <p:sld xmlns:a="http://schemas.openxmlformats.org/drawingml/2006/main" xmlns:r="http://schemas.openxmlformats.org/officeDocument/2006/relationships" xmlns:p="http://schemas.openxmlformats.org/presentationml/2006/main">
   <p:cSld>
     <p:spTree>
@@ -11679,10 +12613,9 @@
           <a:lstStyle/>
           <a:p>
             <a:r>
-              <a:rPr lang="en-US" dirty="0" smtClean="0"/>
+              <a:rPr lang="en-US" dirty="0"/>
               <a:t>CORS</a:t>
             </a:r>
-            <a:endParaRPr lang="en-US" dirty="0"/>
           </a:p>
         </p:txBody>
       </p:sp>
@@ -11704,26 +12637,26 @@
           <a:lstStyle/>
           <a:p>
             <a:r>
-              <a:rPr lang="en-US" sz="3200" dirty="0" smtClean="0"/>
+              <a:rPr lang="en-US" sz="3200" dirty="0"/>
               <a:t>Cross-Origin Resource Sharing</a:t>
             </a:r>
           </a:p>
           <a:p>
             <a:r>
-              <a:rPr lang="en-US" sz="3200" dirty="0" smtClean="0"/>
+              <a:rPr lang="en-US" sz="3200" dirty="0"/>
               <a:t>By default Web API does not allow cross domain requests.</a:t>
             </a:r>
           </a:p>
           <a:p>
             <a:r>
-              <a:rPr lang="en-US" sz="3200" dirty="0" smtClean="0"/>
+              <a:rPr lang="en-US" sz="3200" dirty="0"/>
               <a:t>Modify </a:t>
             </a:r>
             <a:r>
-              <a:rPr lang="en-US" sz="3200" dirty="0" err="1" smtClean="0"/>
+              <a:rPr lang="en-US" sz="3200" dirty="0" err="1"/>
               <a:t>Startup.cs</a:t>
             </a:r>
-            <a:endParaRPr lang="en-US" sz="3200" dirty="0" smtClean="0"/>
+            <a:endParaRPr lang="en-US" sz="3200" dirty="0"/>
           </a:p>
         </p:txBody>
       </p:sp>
@@ -11748,11 +12681,11 @@
           <a:lstStyle/>
           <a:p>
             <a:r>
-              <a:rPr lang="en-US" sz="2400" dirty="0" err="1" smtClean="0"/>
+              <a:rPr lang="en-US" sz="2400" dirty="0" err="1"/>
               <a:t>ConfigureServices</a:t>
             </a:r>
             <a:r>
-              <a:rPr lang="en-US" sz="2400" dirty="0" smtClean="0"/>
+              <a:rPr lang="en-US" sz="2400" dirty="0"/>
               <a:t> Method</a:t>
             </a:r>
           </a:p>
@@ -11761,16 +12694,12 @@
               <a:buNone/>
             </a:pPr>
             <a:r>
-              <a:rPr lang="en-US" dirty="0" err="1" smtClean="0"/>
+              <a:rPr lang="en-US" dirty="0" err="1"/>
               <a:t>services.AddCors</a:t>
             </a:r>
             <a:r>
-              <a:rPr lang="en-US" dirty="0" smtClean="0"/>
-              <a:t>(o </a:t>
-            </a:r>
-            <a:r>
               <a:rPr lang="en-US" dirty="0"/>
-              <a:t>=&gt; </a:t>
+              <a:t>(o =&gt; </a:t>
             </a:r>
             <a:r>
               <a:rPr lang="en-US" dirty="0" err="1"/>
@@ -11803,11 +12732,11 @@
               <a:buNone/>
             </a:pPr>
             <a:r>
-              <a:rPr lang="en-US" dirty="0" smtClean="0"/>
+              <a:rPr lang="en-US" dirty="0"/>
               <a:t>	</a:t>
             </a:r>
             <a:r>
-              <a:rPr lang="en-US" dirty="0" err="1" smtClean="0"/>
+              <a:rPr lang="en-US" dirty="0" err="1"/>
               <a:t>builder.AllowAnyOrigin</a:t>
             </a:r>
             <a:r>
@@ -11820,11 +12749,11 @@
               <a:buNone/>
             </a:pPr>
             <a:r>
-              <a:rPr lang="en-US" dirty="0" smtClean="0"/>
+              <a:rPr lang="en-US" dirty="0"/>
               <a:t>	.</a:t>
             </a:r>
             <a:r>
-              <a:rPr lang="en-US" dirty="0" err="1" smtClean="0"/>
+              <a:rPr lang="en-US" dirty="0" err="1"/>
               <a:t>AllowAnyMethod</a:t>
             </a:r>
             <a:r>
@@ -11837,7 +12766,7 @@
               <a:buNone/>
             </a:pPr>
             <a:r>
-              <a:rPr lang="en-US" dirty="0" smtClean="0"/>
+              <a:rPr lang="en-US" dirty="0"/>
               <a:t>	.</a:t>
             </a:r>
             <a:r>
@@ -11860,7 +12789,7 @@
           </a:p>
           <a:p>
             <a:r>
-              <a:rPr lang="en-US" sz="2400" dirty="0" smtClean="0"/>
+              <a:rPr lang="en-US" sz="2400" dirty="0"/>
               <a:t>Configure Method</a:t>
             </a:r>
           </a:p>
@@ -11869,7 +12798,7 @@
               <a:buNone/>
             </a:pPr>
             <a:r>
-              <a:rPr lang="en-US" dirty="0" err="1" smtClean="0"/>
+              <a:rPr lang="en-US" dirty="0" err="1"/>
               <a:t>app.UseCors</a:t>
             </a:r>
             <a:r>
@@ -11903,7 +12832,7 @@
 </p:sld>
 </file>
 
-<file path=ppt/slides/slide24.xml><?xml version="1.0" encoding="utf-8"?>
+<file path=ppt/slides/slide28.xml><?xml version="1.0" encoding="utf-8"?>
 <p:sld xmlns:a="http://schemas.openxmlformats.org/drawingml/2006/main" xmlns:r="http://schemas.openxmlformats.org/officeDocument/2006/relationships" xmlns:p="http://schemas.openxmlformats.org/presentationml/2006/main">
   <p:cSld>
     <p:spTree>
@@ -11936,10 +12865,9 @@
           <a:lstStyle/>
           <a:p>
             <a:r>
-              <a:rPr lang="en-US" dirty="0" smtClean="0"/>
+              <a:rPr lang="en-US" dirty="0"/>
               <a:t>EXAMPLE</a:t>
             </a:r>
-            <a:endParaRPr lang="en-US" dirty="0"/>
           </a:p>
         </p:txBody>
       </p:sp>
@@ -11959,10 +12887,9 @@
           <a:lstStyle/>
           <a:p>
             <a:r>
-              <a:rPr lang="en-US" dirty="0" smtClean="0"/>
+              <a:rPr lang="en-US" dirty="0"/>
               <a:t>Angular Service</a:t>
             </a:r>
-            <a:endParaRPr lang="en-US" dirty="0"/>
           </a:p>
         </p:txBody>
       </p:sp>
@@ -12006,17 +12933,10 @@
   <p:clrMapOvr>
     <a:masterClrMapping/>
   </p:clrMapOvr>
-  <p:timing>
-    <p:tnLst>
-      <p:par>
-        <p:cTn id="1" dur="indefinite" restart="never" nodeType="tmRoot"/>
-      </p:par>
-    </p:tnLst>
-  </p:timing>
 </p:sld>
 </file>
 
-<file path=ppt/slides/slide25.xml><?xml version="1.0" encoding="utf-8"?>
+<file path=ppt/slides/slide29.xml><?xml version="1.0" encoding="utf-8"?>
 <p:sld xmlns:a="http://schemas.openxmlformats.org/drawingml/2006/main" xmlns:r="http://schemas.openxmlformats.org/officeDocument/2006/relationships" xmlns:p="http://schemas.openxmlformats.org/presentationml/2006/main">
   <p:cSld>
     <p:spTree>
@@ -12049,10 +12969,9 @@
           <a:lstStyle/>
           <a:p>
             <a:r>
-              <a:rPr lang="en-US" dirty="0" smtClean="0"/>
+              <a:rPr lang="en-US" dirty="0"/>
               <a:t>Assignment</a:t>
             </a:r>
-            <a:endParaRPr lang="en-US" dirty="0"/>
           </a:p>
         </p:txBody>
       </p:sp>
@@ -12094,16 +13013,11 @@
           <a:p>
             <a:r>
               <a:rPr lang="en-US" sz="3600" dirty="0"/>
-              <a:t>Return data and loop through it using the ng-for </a:t>
-            </a:r>
-            <a:r>
-              <a:rPr lang="en-US" sz="3600" dirty="0" smtClean="0"/>
-              <a:t>directive for the table instead of using the hard coded array.</a:t>
-            </a:r>
-            <a:endParaRPr lang="en-US" sz="3600" dirty="0"/>
-          </a:p>
-          <a:p>
-            <a:endParaRPr lang="en-US" sz="2800" dirty="0" smtClean="0"/>
+              <a:t>Return data and loop through it using the ng-for directive for the table instead of using the hard coded array.</a:t>
+            </a:r>
+          </a:p>
+          <a:p>
+            <a:endParaRPr lang="en-US" sz="2800" dirty="0"/>
           </a:p>
           <a:p>
             <a:endParaRPr lang="en-US" sz="2800" dirty="0"/>
@@ -12152,7 +13066,7 @@
 </p:sld>
 </file>
 
-<file path=ppt/slides/slide26.xml><?xml version="1.0" encoding="utf-8"?>
+<file path=ppt/slides/slide3.xml><?xml version="1.0" encoding="utf-8"?>
 <p:sld xmlns:a="http://schemas.openxmlformats.org/drawingml/2006/main" xmlns:r="http://schemas.openxmlformats.org/officeDocument/2006/relationships" xmlns:p="http://schemas.openxmlformats.org/presentationml/2006/main">
   <p:cSld>
     <p:spTree>
@@ -12176,6 +13090,203 @@
             <a:spLocks noGrp="1"/>
           </p:cNvSpPr>
           <p:nvPr>
+            <p:ph type="title"/>
+          </p:nvPr>
+        </p:nvSpPr>
+        <p:spPr/>
+        <p:txBody>
+          <a:bodyPr/>
+          <a:lstStyle/>
+          <a:p>
+            <a:r>
+              <a:rPr lang="en-US" dirty="0"/>
+              <a:t>Architecture of Angular</a:t>
+            </a:r>
+          </a:p>
+        </p:txBody>
+      </p:sp>
+      <p:pic>
+        <p:nvPicPr>
+          <p:cNvPr id="5" name="Content Placeholder 4"/>
+          <p:cNvPicPr>
+            <a:picLocks noGrp="1" noChangeAspect="1"/>
+          </p:cNvPicPr>
+          <p:nvPr>
+            <p:ph sz="half" idx="2"/>
+          </p:nvPr>
+        </p:nvPicPr>
+        <p:blipFill>
+          <a:blip r:embed="rId3">
+            <a:extLst>
+              <a:ext uri="{28A0092B-C50C-407E-A947-70E740481C1C}">
+                <a14:useLocalDpi xmlns:a14="http://schemas.microsoft.com/office/drawing/2010/main" val="0"/>
+              </a:ext>
+            </a:extLst>
+          </a:blip>
+          <a:stretch>
+            <a:fillRect/>
+          </a:stretch>
+        </p:blipFill>
+        <p:spPr>
+          <a:xfrm>
+            <a:off x="786135" y="1440088"/>
+            <a:ext cx="10058192" cy="5113112"/>
+          </a:xfrm>
+        </p:spPr>
+      </p:pic>
+    </p:spTree>
+    <p:extLst>
+      <p:ext uri="{BB962C8B-B14F-4D97-AF65-F5344CB8AC3E}">
+        <p14:creationId xmlns:p14="http://schemas.microsoft.com/office/powerpoint/2010/main" val="2336166930"/>
+      </p:ext>
+    </p:extLst>
+  </p:cSld>
+  <p:clrMapOvr>
+    <a:masterClrMapping/>
+  </p:clrMapOvr>
+</p:sld>
+</file>
+
+<file path=ppt/slides/slide30.xml><?xml version="1.0" encoding="utf-8"?>
+<p:sld xmlns:a="http://schemas.openxmlformats.org/drawingml/2006/main" xmlns:r="http://schemas.openxmlformats.org/officeDocument/2006/relationships" xmlns:p="http://schemas.openxmlformats.org/presentationml/2006/main">
+  <p:cSld>
+    <p:spTree>
+      <p:nvGrpSpPr>
+        <p:cNvPr id="1" name=""/>
+        <p:cNvGrpSpPr/>
+        <p:nvPr/>
+      </p:nvGrpSpPr>
+      <p:grpSpPr>
+        <a:xfrm>
+          <a:off x="0" y="0"/>
+          <a:ext cx="0" cy="0"/>
+          <a:chOff x="0" y="0"/>
+          <a:chExt cx="0" cy="0"/>
+        </a:xfrm>
+      </p:grpSpPr>
+      <p:sp>
+        <p:nvSpPr>
+          <p:cNvPr id="2" name="Title 1"/>
+          <p:cNvSpPr>
+            <a:spLocks noGrp="1"/>
+          </p:cNvSpPr>
+          <p:nvPr>
+            <p:ph type="title"/>
+          </p:nvPr>
+        </p:nvSpPr>
+        <p:spPr/>
+        <p:txBody>
+          <a:bodyPr/>
+          <a:lstStyle/>
+          <a:p>
+            <a:r>
+              <a:rPr lang="en-US" dirty="0"/>
+              <a:t>Assignment</a:t>
+            </a:r>
+          </a:p>
+        </p:txBody>
+      </p:sp>
+      <p:sp>
+        <p:nvSpPr>
+          <p:cNvPr id="3" name="Content Placeholder 2"/>
+          <p:cNvSpPr>
+            <a:spLocks noGrp="1"/>
+          </p:cNvSpPr>
+          <p:nvPr>
+            <p:ph sz="half" idx="1"/>
+          </p:nvPr>
+        </p:nvSpPr>
+        <p:spPr>
+          <a:xfrm>
+            <a:off x="496388" y="1387975"/>
+            <a:ext cx="7772401" cy="5119408"/>
+          </a:xfrm>
+        </p:spPr>
+        <p:txBody>
+          <a:bodyPr>
+            <a:normAutofit/>
+          </a:bodyPr>
+          <a:lstStyle/>
+          <a:p>
+            <a:r>
+              <a:rPr lang="en-US" sz="3600" dirty="0"/>
+              <a:t>Add a call into the new service that creates a person status record when using the form component that was created.</a:t>
+            </a:r>
+          </a:p>
+          <a:p>
+            <a:endParaRPr lang="en-US" sz="2800" dirty="0"/>
+          </a:p>
+          <a:p>
+            <a:endParaRPr lang="en-US" sz="2800" dirty="0"/>
+          </a:p>
+        </p:txBody>
+      </p:sp>
+      <p:pic>
+        <p:nvPicPr>
+          <p:cNvPr id="5" name="Content Placeholder 4"/>
+          <p:cNvPicPr>
+            <a:picLocks noGrp="1" noChangeAspect="1"/>
+          </p:cNvPicPr>
+          <p:nvPr>
+            <p:ph sz="half" idx="2"/>
+          </p:nvPr>
+        </p:nvPicPr>
+        <p:blipFill>
+          <a:blip r:embed="rId3">
+            <a:extLst>
+              <a:ext uri="{28A0092B-C50C-407E-A947-70E740481C1C}">
+                <a14:useLocalDpi xmlns:a14="http://schemas.microsoft.com/office/drawing/2010/main" val="0"/>
+              </a:ext>
+            </a:extLst>
+          </a:blip>
+          <a:stretch>
+            <a:fillRect/>
+          </a:stretch>
+        </p:blipFill>
+        <p:spPr>
+          <a:xfrm>
+            <a:off x="8630940" y="1387975"/>
+            <a:ext cx="3179422" cy="5119408"/>
+          </a:xfrm>
+        </p:spPr>
+      </p:pic>
+    </p:spTree>
+    <p:extLst>
+      <p:ext uri="{BB962C8B-B14F-4D97-AF65-F5344CB8AC3E}">
+        <p14:creationId xmlns:p14="http://schemas.microsoft.com/office/powerpoint/2010/main" val="653692794"/>
+      </p:ext>
+    </p:extLst>
+  </p:cSld>
+  <p:clrMapOvr>
+    <a:masterClrMapping/>
+  </p:clrMapOvr>
+</p:sld>
+</file>
+
+<file path=ppt/slides/slide31.xml><?xml version="1.0" encoding="utf-8"?>
+<p:sld xmlns:a="http://schemas.openxmlformats.org/drawingml/2006/main" xmlns:r="http://schemas.openxmlformats.org/officeDocument/2006/relationships" xmlns:p="http://schemas.openxmlformats.org/presentationml/2006/main">
+  <p:cSld>
+    <p:spTree>
+      <p:nvGrpSpPr>
+        <p:cNvPr id="1" name=""/>
+        <p:cNvGrpSpPr/>
+        <p:nvPr/>
+      </p:nvGrpSpPr>
+      <p:grpSpPr>
+        <a:xfrm>
+          <a:off x="0" y="0"/>
+          <a:ext cx="0" cy="0"/>
+          <a:chOff x="0" y="0"/>
+          <a:chExt cx="0" cy="0"/>
+        </a:xfrm>
+      </p:grpSpPr>
+      <p:sp>
+        <p:nvSpPr>
+          <p:cNvPr id="2" name="Title 1"/>
+          <p:cNvSpPr>
+            <a:spLocks noGrp="1"/>
+          </p:cNvSpPr>
+          <p:nvPr>
             <p:ph type="ctrTitle"/>
           </p:nvPr>
         </p:nvSpPr>
@@ -12185,10 +13296,9 @@
           <a:lstStyle/>
           <a:p>
             <a:r>
-              <a:rPr lang="en-US" dirty="0" smtClean="0"/>
+              <a:rPr lang="en-US" dirty="0"/>
               <a:t>QUICK REVIEW</a:t>
             </a:r>
-            <a:endParaRPr lang="en-US" dirty="0"/>
           </a:p>
         </p:txBody>
       </p:sp>
@@ -12208,10 +13318,9 @@
           <a:lstStyle/>
           <a:p>
             <a:r>
-              <a:rPr lang="en-US" dirty="0" smtClean="0"/>
+              <a:rPr lang="en-US" dirty="0"/>
               <a:t>Angular</a:t>
             </a:r>
-            <a:endParaRPr lang="en-US" dirty="0"/>
           </a:p>
         </p:txBody>
       </p:sp>
@@ -12255,17 +13364,10 @@
   <p:clrMapOvr>
     <a:masterClrMapping/>
   </p:clrMapOvr>
-  <p:timing>
-    <p:tnLst>
-      <p:par>
-        <p:cTn id="1" dur="indefinite" restart="never" nodeType="tmRoot"/>
-      </p:par>
-    </p:tnLst>
-  </p:timing>
 </p:sld>
 </file>
 
-<file path=ppt/slides/slide27.xml><?xml version="1.0" encoding="utf-8"?>
+<file path=ppt/slides/slide32.xml><?xml version="1.0" encoding="utf-8"?>
 <p:sld xmlns:a="http://schemas.openxmlformats.org/drawingml/2006/main" xmlns:r="http://schemas.openxmlformats.org/officeDocument/2006/relationships" xmlns:p="http://schemas.openxmlformats.org/presentationml/2006/main">
   <p:cSld>
     <p:spTree>
@@ -12298,10 +13400,9 @@
           <a:lstStyle/>
           <a:p>
             <a:r>
-              <a:rPr lang="en-US" dirty="0" smtClean="0"/>
+              <a:rPr lang="en-US" dirty="0"/>
               <a:t>Additional Resources</a:t>
             </a:r>
-            <a:endParaRPr lang="en-US" dirty="0"/>
           </a:p>
         </p:txBody>
       </p:sp>
@@ -12329,7 +13430,7 @@
           <a:p>
             <a:pPr lvl="0"/>
             <a:r>
-              <a:rPr lang="en-US" sz="2800" dirty="0" smtClean="0"/>
+              <a:rPr lang="en-US" sz="2800" dirty="0"/>
               <a:t>Cheat Sheet</a:t>
             </a:r>
           </a:p>
@@ -12339,19 +13440,13 @@
               <a:rPr lang="en-US" sz="2400" dirty="0">
                 <a:hlinkClick r:id="rId3"/>
               </a:rPr>
-              <a:t>https://</a:t>
-            </a:r>
-            <a:r>
-              <a:rPr lang="en-US" sz="2400" dirty="0" smtClean="0">
-                <a:hlinkClick r:id="rId3"/>
-              </a:rPr>
-              <a:t>angular.io/guide/cheatsheet</a:t>
-            </a:r>
-            <a:endParaRPr lang="en-US" sz="2400" dirty="0" smtClean="0"/>
-          </a:p>
-          <a:p>
-            <a:r>
-              <a:rPr lang="en-US" sz="3000" dirty="0" smtClean="0"/>
+              <a:t>https://angular.io/guide/cheatsheet</a:t>
+            </a:r>
+            <a:endParaRPr lang="en-US" sz="2400" dirty="0"/>
+          </a:p>
+          <a:p>
+            <a:r>
+              <a:rPr lang="en-US" sz="3000" dirty="0"/>
               <a:t>Angular Tutorial</a:t>
             </a:r>
           </a:p>
@@ -12361,22 +13456,16 @@
               <a:rPr lang="en-US" sz="2400" dirty="0">
                 <a:hlinkClick r:id="rId4"/>
               </a:rPr>
-              <a:t>https://</a:t>
-            </a:r>
-            <a:r>
-              <a:rPr lang="en-US" sz="2400" dirty="0" smtClean="0">
-                <a:hlinkClick r:id="rId4"/>
-              </a:rPr>
-              <a:t>angular.io/tutorial</a:t>
-            </a:r>
-            <a:endParaRPr lang="en-US" sz="2400" dirty="0" smtClean="0"/>
-          </a:p>
-          <a:p>
-            <a:r>
-              <a:rPr lang="en-US" sz="3000" dirty="0" err="1" smtClean="0"/>
+              <a:t>https://angular.io/tutorial</a:t>
+            </a:r>
+            <a:endParaRPr lang="en-US" sz="2400" dirty="0"/>
+          </a:p>
+          <a:p>
+            <a:r>
+              <a:rPr lang="en-US" sz="3000" dirty="0" err="1"/>
               <a:t>Udemy</a:t>
             </a:r>
-            <a:endParaRPr lang="en-US" sz="3000" dirty="0" smtClean="0"/>
+            <a:endParaRPr lang="en-US" sz="3000" dirty="0"/>
           </a:p>
           <a:p>
             <a:pPr lvl="1"/>
@@ -12384,23 +13473,17 @@
               <a:rPr lang="en-US" sz="2400" dirty="0">
                 <a:hlinkClick r:id="rId5"/>
               </a:rPr>
-              <a:t>https://www.udemy.com/learn-angular-from-scratch</a:t>
-            </a:r>
-            <a:r>
-              <a:rPr lang="en-US" sz="2400" dirty="0" smtClean="0">
-                <a:hlinkClick r:id="rId5"/>
-              </a:rPr>
-              <a:t>/</a:t>
-            </a:r>
-            <a:endParaRPr lang="en-US" sz="2400" dirty="0" smtClean="0"/>
-          </a:p>
-          <a:p>
-            <a:r>
-              <a:rPr lang="en-US" sz="3000" dirty="0" err="1" smtClean="0"/>
+              <a:t>https://www.udemy.com/learn-angular-from-scratch/</a:t>
+            </a:r>
+            <a:endParaRPr lang="en-US" sz="2400" dirty="0"/>
+          </a:p>
+          <a:p>
+            <a:r>
+              <a:rPr lang="en-US" sz="3000" dirty="0" err="1"/>
               <a:t>JSFiddle</a:t>
             </a:r>
             <a:r>
-              <a:rPr lang="en-US" sz="3000" dirty="0" smtClean="0"/>
+              <a:rPr lang="en-US" sz="3000" dirty="0"/>
               <a:t> Template</a:t>
             </a:r>
           </a:p>
@@ -12412,7 +13495,7 @@
               </a:rPr>
               <a:t>https://jsfiddle.net/yurzui/1hk7knwq/</a:t>
             </a:r>
-            <a:endParaRPr lang="en-US" sz="2800" dirty="0" smtClean="0"/>
+            <a:endParaRPr lang="en-US" sz="2800" dirty="0"/>
           </a:p>
         </p:txBody>
       </p:sp>
@@ -12420,88 +13503,6 @@
     <p:extLst>
       <p:ext uri="{BB962C8B-B14F-4D97-AF65-F5344CB8AC3E}">
         <p14:creationId xmlns:p14="http://schemas.microsoft.com/office/powerpoint/2010/main" val="4106473611"/>
-      </p:ext>
-    </p:extLst>
-  </p:cSld>
-  <p:clrMapOvr>
-    <a:masterClrMapping/>
-  </p:clrMapOvr>
-</p:sld>
-</file>
-
-<file path=ppt/slides/slide3.xml><?xml version="1.0" encoding="utf-8"?>
-<p:sld xmlns:a="http://schemas.openxmlformats.org/drawingml/2006/main" xmlns:r="http://schemas.openxmlformats.org/officeDocument/2006/relationships" xmlns:p="http://schemas.openxmlformats.org/presentationml/2006/main">
-  <p:cSld>
-    <p:spTree>
-      <p:nvGrpSpPr>
-        <p:cNvPr id="1" name=""/>
-        <p:cNvGrpSpPr/>
-        <p:nvPr/>
-      </p:nvGrpSpPr>
-      <p:grpSpPr>
-        <a:xfrm>
-          <a:off x="0" y="0"/>
-          <a:ext cx="0" cy="0"/>
-          <a:chOff x="0" y="0"/>
-          <a:chExt cx="0" cy="0"/>
-        </a:xfrm>
-      </p:grpSpPr>
-      <p:sp>
-        <p:nvSpPr>
-          <p:cNvPr id="2" name="Title 1"/>
-          <p:cNvSpPr>
-            <a:spLocks noGrp="1"/>
-          </p:cNvSpPr>
-          <p:nvPr>
-            <p:ph type="title"/>
-          </p:nvPr>
-        </p:nvSpPr>
-        <p:spPr/>
-        <p:txBody>
-          <a:bodyPr/>
-          <a:lstStyle/>
-          <a:p>
-            <a:r>
-              <a:rPr lang="en-US" dirty="0" smtClean="0"/>
-              <a:t>Architecture of Angular</a:t>
-            </a:r>
-            <a:endParaRPr lang="en-US" dirty="0"/>
-          </a:p>
-        </p:txBody>
-      </p:sp>
-      <p:pic>
-        <p:nvPicPr>
-          <p:cNvPr id="5" name="Content Placeholder 4"/>
-          <p:cNvPicPr>
-            <a:picLocks noGrp="1" noChangeAspect="1"/>
-          </p:cNvPicPr>
-          <p:nvPr>
-            <p:ph sz="half" idx="2"/>
-          </p:nvPr>
-        </p:nvPicPr>
-        <p:blipFill>
-          <a:blip r:embed="rId3">
-            <a:extLst>
-              <a:ext uri="{28A0092B-C50C-407E-A947-70E740481C1C}">
-                <a14:useLocalDpi xmlns:a14="http://schemas.microsoft.com/office/drawing/2010/main" val="0"/>
-              </a:ext>
-            </a:extLst>
-          </a:blip>
-          <a:stretch>
-            <a:fillRect/>
-          </a:stretch>
-        </p:blipFill>
-        <p:spPr>
-          <a:xfrm>
-            <a:off x="786135" y="1440088"/>
-            <a:ext cx="10058192" cy="5113112"/>
-          </a:xfrm>
-        </p:spPr>
-      </p:pic>
-    </p:spTree>
-    <p:extLst>
-      <p:ext uri="{BB962C8B-B14F-4D97-AF65-F5344CB8AC3E}">
-        <p14:creationId xmlns:p14="http://schemas.microsoft.com/office/powerpoint/2010/main" val="2336166930"/>
       </p:ext>
     </p:extLst>
   </p:cSld>
@@ -12544,10 +13545,9 @@
           <a:lstStyle/>
           <a:p>
             <a:r>
-              <a:rPr lang="en-US" dirty="0" smtClean="0"/>
+              <a:rPr lang="en-US" dirty="0"/>
               <a:t>Angular CLI</a:t>
             </a:r>
-            <a:endParaRPr lang="en-US" dirty="0"/>
           </a:p>
         </p:txBody>
       </p:sp>
@@ -12569,60 +13569,59 @@
           <a:lstStyle/>
           <a:p>
             <a:r>
-              <a:rPr lang="en-US" sz="2400" dirty="0" smtClean="0"/>
+              <a:rPr lang="en-US" sz="2400" dirty="0"/>
               <a:t>Install Angular CLI</a:t>
             </a:r>
           </a:p>
           <a:p>
             <a:pPr lvl="1"/>
             <a:r>
-              <a:rPr lang="en-US" sz="2200" dirty="0" err="1" smtClean="0"/>
+              <a:rPr lang="en-US" sz="2200" dirty="0" err="1"/>
               <a:t>npm</a:t>
             </a:r>
             <a:r>
-              <a:rPr lang="en-US" sz="2200" dirty="0" smtClean="0"/>
+              <a:rPr lang="en-US" sz="2200" dirty="0"/>
               <a:t> install –g @angular/cli</a:t>
             </a:r>
           </a:p>
           <a:p>
             <a:r>
-              <a:rPr lang="en-US" sz="2400" dirty="0" smtClean="0"/>
+              <a:rPr lang="en-US" sz="2400" dirty="0"/>
               <a:t>Create a new Angular App</a:t>
             </a:r>
           </a:p>
           <a:p>
             <a:pPr lvl="1"/>
             <a:r>
-              <a:rPr lang="en-US" sz="2200" dirty="0" smtClean="0"/>
+              <a:rPr lang="en-US" sz="2200" dirty="0"/>
               <a:t>ng new [app-name]</a:t>
             </a:r>
           </a:p>
           <a:p>
             <a:r>
-              <a:rPr lang="en-US" sz="2400" dirty="0" smtClean="0"/>
+              <a:rPr lang="en-US" sz="2400" dirty="0"/>
               <a:t>Change Directory</a:t>
             </a:r>
           </a:p>
           <a:p>
             <a:pPr lvl="1"/>
             <a:r>
-              <a:rPr lang="en-US" sz="2200" dirty="0" smtClean="0"/>
+              <a:rPr lang="en-US" sz="2200" dirty="0"/>
               <a:t>cd [app-name]</a:t>
             </a:r>
           </a:p>
           <a:p>
             <a:r>
-              <a:rPr lang="en-US" sz="2400" dirty="0" smtClean="0"/>
+              <a:rPr lang="en-US" sz="2400" dirty="0"/>
               <a:t>Run the Application</a:t>
             </a:r>
           </a:p>
           <a:p>
             <a:pPr lvl="1"/>
             <a:r>
-              <a:rPr lang="en-US" sz="2200" dirty="0" smtClean="0"/>
+              <a:rPr lang="en-US" sz="2200" dirty="0"/>
               <a:t>ng serve</a:t>
             </a:r>
-            <a:endParaRPr lang="en-US" sz="2200" dirty="0"/>
           </a:p>
         </p:txBody>
       </p:sp>
@@ -12672,10 +13671,9 @@
           <a:lstStyle/>
           <a:p>
             <a:r>
-              <a:rPr lang="en-US" dirty="0" smtClean="0"/>
+              <a:rPr lang="en-US" dirty="0"/>
               <a:t>Modules</a:t>
             </a:r>
-            <a:endParaRPr lang="en-US" dirty="0"/>
           </a:p>
         </p:txBody>
       </p:sp>
@@ -12697,22 +13695,21 @@
           <a:lstStyle/>
           <a:p>
             <a:r>
-              <a:rPr lang="en-US" sz="2400" dirty="0" smtClean="0"/>
+              <a:rPr lang="en-US" sz="2400" dirty="0"/>
               <a:t>Define the Components</a:t>
             </a:r>
           </a:p>
           <a:p>
             <a:r>
-              <a:rPr lang="en-US" sz="2400" dirty="0" smtClean="0"/>
+              <a:rPr lang="en-US" sz="2400" dirty="0"/>
               <a:t>Root Module</a:t>
             </a:r>
           </a:p>
           <a:p>
             <a:r>
-              <a:rPr lang="en-US" sz="2400" dirty="0" smtClean="0"/>
+              <a:rPr lang="en-US" sz="2400" dirty="0"/>
               <a:t>Feature Modules</a:t>
             </a:r>
-            <a:endParaRPr lang="en-US" sz="2400" dirty="0"/>
           </a:p>
         </p:txBody>
       </p:sp>
@@ -12786,10 +13783,9 @@
           <a:lstStyle/>
           <a:p>
             <a:r>
-              <a:rPr lang="en-US" dirty="0" smtClean="0"/>
+              <a:rPr lang="en-US" dirty="0"/>
               <a:t>Components</a:t>
             </a:r>
-            <a:endParaRPr lang="en-US" dirty="0"/>
           </a:p>
         </p:txBody>
       </p:sp>
@@ -12811,32 +13807,27 @@
           <a:lstStyle/>
           <a:p>
             <a:r>
-              <a:rPr lang="en-US" sz="2400" dirty="0" smtClean="0"/>
+              <a:rPr lang="en-US" sz="2400" dirty="0"/>
               <a:t>Defines the Template</a:t>
             </a:r>
           </a:p>
           <a:p>
             <a:r>
-              <a:rPr lang="en-US" sz="2400" dirty="0" smtClean="0"/>
+              <a:rPr lang="en-US" sz="2400" dirty="0"/>
               <a:t>Defines the Class</a:t>
             </a:r>
           </a:p>
           <a:p>
             <a:r>
-              <a:rPr lang="en-US" sz="2400" dirty="0" smtClean="0"/>
-              <a:t>Adds Metadata as </a:t>
-            </a:r>
-            <a:r>
-              <a:rPr lang="en-US" sz="2400" dirty="0" smtClean="0"/>
-              <a:t>needed</a:t>
-            </a:r>
-          </a:p>
-          <a:p>
-            <a:r>
-              <a:rPr lang="en-US" sz="2400" dirty="0" smtClean="0"/>
+              <a:rPr lang="en-US" sz="2400" dirty="0"/>
+              <a:t>Adds Metadata as needed</a:t>
+            </a:r>
+          </a:p>
+          <a:p>
+            <a:r>
+              <a:rPr lang="en-US" sz="2400" dirty="0"/>
               <a:t>Uses Export and Import keywords to export and import modules</a:t>
             </a:r>
-            <a:endParaRPr lang="en-US" sz="2400" dirty="0"/>
           </a:p>
         </p:txBody>
       </p:sp>
@@ -12910,10 +13901,9 @@
           <a:lstStyle/>
           <a:p>
             <a:r>
-              <a:rPr lang="en-US" dirty="0" smtClean="0"/>
-              <a:t>Templates</a:t>
-            </a:r>
-            <a:endParaRPr lang="en-US" dirty="0"/>
+              <a:rPr lang="en-US" dirty="0"/>
+              <a:t>Component Example</a:t>
+            </a:r>
           </a:p>
         </p:txBody>
       </p:sp>
@@ -12924,33 +13914,214 @@
             <a:spLocks noGrp="1"/>
           </p:cNvSpPr>
           <p:nvPr>
-            <p:ph sz="half" idx="1"/>
-          </p:nvPr>
-        </p:nvSpPr>
-        <p:spPr/>
+            <p:ph idx="1"/>
+          </p:nvPr>
+        </p:nvSpPr>
+        <p:spPr>
+          <a:xfrm>
+            <a:off x="1103312" y="1267968"/>
+            <a:ext cx="8946541" cy="4980431"/>
+          </a:xfrm>
+        </p:spPr>
         <p:txBody>
           <a:bodyPr>
             <a:normAutofit/>
           </a:bodyPr>
           <a:lstStyle/>
           <a:p>
-            <a:r>
-              <a:rPr lang="en-US" sz="2400" dirty="0" smtClean="0"/>
+            <a:pPr marL="0" indent="0">
+              <a:buNone/>
+            </a:pPr>
+            <a:r>
+              <a:rPr lang="en-US" sz="2800" dirty="0"/>
+              <a:t>import { Component } from '@angular/core';</a:t>
+            </a:r>
+          </a:p>
+          <a:p>
+            <a:pPr marL="0" indent="0">
+              <a:buNone/>
+            </a:pPr>
+            <a:br>
+              <a:rPr lang="en-US" sz="2800" dirty="0"/>
+            </a:br>
+            <a:r>
+              <a:rPr lang="en-US" sz="2800" dirty="0"/>
+              <a:t>@Component({</a:t>
+            </a:r>
+          </a:p>
+          <a:p>
+            <a:pPr marL="0" indent="0">
+              <a:buNone/>
+            </a:pPr>
+            <a:r>
+              <a:rPr lang="en-US" sz="2800" dirty="0"/>
+              <a:t>	selector: '</a:t>
+            </a:r>
+            <a:r>
+              <a:rPr lang="en-US" sz="2800" dirty="0" err="1"/>
+              <a:t>timemachine</a:t>
+            </a:r>
+            <a:r>
+              <a:rPr lang="en-US" sz="2800" dirty="0"/>
+              <a:t>’,</a:t>
+            </a:r>
+          </a:p>
+          <a:p>
+            <a:pPr marL="0" indent="0">
+              <a:buNone/>
+            </a:pPr>
+            <a:r>
+              <a:rPr lang="en-US" sz="2800" dirty="0"/>
+              <a:t>	</a:t>
+            </a:r>
+            <a:r>
+              <a:rPr lang="en-US" sz="2800" dirty="0" err="1"/>
+              <a:t>templateUrl</a:t>
+            </a:r>
+            <a:r>
+              <a:rPr lang="en-US" sz="2800" dirty="0"/>
+              <a:t>: './timeMachine.component.html’,</a:t>
+            </a:r>
+          </a:p>
+          <a:p>
+            <a:pPr marL="0" indent="0">
+              <a:buNone/>
+            </a:pPr>
+            <a:r>
+              <a:rPr lang="en-US" sz="2800" dirty="0"/>
+              <a:t>	</a:t>
+            </a:r>
+            <a:r>
+              <a:rPr lang="en-US" sz="2800" dirty="0" err="1"/>
+              <a:t>styleUrls</a:t>
+            </a:r>
+            <a:r>
+              <a:rPr lang="en-US" sz="2800" dirty="0"/>
+              <a:t>: ['./timeMachine.component.css']</a:t>
+            </a:r>
+          </a:p>
+          <a:p>
+            <a:pPr marL="0" indent="0">
+              <a:buNone/>
+            </a:pPr>
+            <a:r>
+              <a:rPr lang="en-US" sz="2800" dirty="0"/>
+              <a:t>})</a:t>
+            </a:r>
+          </a:p>
+          <a:p>
+            <a:pPr marL="0" indent="0">
+              <a:buNone/>
+            </a:pPr>
+            <a:r>
+              <a:rPr lang="en-US" sz="2800" dirty="0"/>
+              <a:t>export class </a:t>
+            </a:r>
+            <a:r>
+              <a:rPr lang="en-US" sz="2800" dirty="0" err="1"/>
+              <a:t>TimeMachineComponent</a:t>
+            </a:r>
+            <a:r>
+              <a:rPr lang="en-US" sz="2800" dirty="0"/>
+              <a:t> {</a:t>
+            </a:r>
+          </a:p>
+          <a:p>
+            <a:pPr marL="0" indent="0">
+              <a:buNone/>
+            </a:pPr>
+            <a:r>
+              <a:rPr lang="en-US" sz="2800" dirty="0"/>
+              <a:t>}</a:t>
+            </a:r>
+          </a:p>
+        </p:txBody>
+      </p:sp>
+    </p:spTree>
+    <p:extLst>
+      <p:ext uri="{BB962C8B-B14F-4D97-AF65-F5344CB8AC3E}">
+        <p14:creationId xmlns:p14="http://schemas.microsoft.com/office/powerpoint/2010/main" val="1334365515"/>
+      </p:ext>
+    </p:extLst>
+  </p:cSld>
+  <p:clrMapOvr>
+    <a:masterClrMapping/>
+  </p:clrMapOvr>
+</p:sld>
+</file>
+
+<file path=ppt/slides/slide8.xml><?xml version="1.0" encoding="utf-8"?>
+<p:sld xmlns:a="http://schemas.openxmlformats.org/drawingml/2006/main" xmlns:r="http://schemas.openxmlformats.org/officeDocument/2006/relationships" xmlns:p="http://schemas.openxmlformats.org/presentationml/2006/main">
+  <p:cSld>
+    <p:spTree>
+      <p:nvGrpSpPr>
+        <p:cNvPr id="1" name=""/>
+        <p:cNvGrpSpPr/>
+        <p:nvPr/>
+      </p:nvGrpSpPr>
+      <p:grpSpPr>
+        <a:xfrm>
+          <a:off x="0" y="0"/>
+          <a:ext cx="0" cy="0"/>
+          <a:chOff x="0" y="0"/>
+          <a:chExt cx="0" cy="0"/>
+        </a:xfrm>
+      </p:grpSpPr>
+      <p:sp>
+        <p:nvSpPr>
+          <p:cNvPr id="2" name="Title 1"/>
+          <p:cNvSpPr>
+            <a:spLocks noGrp="1"/>
+          </p:cNvSpPr>
+          <p:nvPr>
+            <p:ph type="title"/>
+          </p:nvPr>
+        </p:nvSpPr>
+        <p:spPr/>
+        <p:txBody>
+          <a:bodyPr/>
+          <a:lstStyle/>
+          <a:p>
+            <a:r>
+              <a:rPr lang="en-US" dirty="0"/>
+              <a:t>Templates</a:t>
+            </a:r>
+          </a:p>
+        </p:txBody>
+      </p:sp>
+      <p:sp>
+        <p:nvSpPr>
+          <p:cNvPr id="3" name="Content Placeholder 2"/>
+          <p:cNvSpPr>
+            <a:spLocks noGrp="1"/>
+          </p:cNvSpPr>
+          <p:nvPr>
+            <p:ph sz="half" idx="1"/>
+          </p:nvPr>
+        </p:nvSpPr>
+        <p:spPr/>
+        <p:txBody>
+          <a:bodyPr>
+            <a:normAutofit/>
+          </a:bodyPr>
+          <a:lstStyle/>
+          <a:p>
+            <a:r>
+              <a:rPr lang="en-US" sz="2400" dirty="0"/>
               <a:t>Defines the html</a:t>
             </a:r>
           </a:p>
           <a:p>
             <a:r>
-              <a:rPr lang="en-US" sz="2400" dirty="0" smtClean="0"/>
+              <a:rPr lang="en-US" sz="2400" dirty="0"/>
               <a:t>Can be inline of the component</a:t>
             </a:r>
           </a:p>
           <a:p>
             <a:r>
-              <a:rPr lang="en-US" sz="2400" dirty="0" smtClean="0"/>
+              <a:rPr lang="en-US" sz="2400" dirty="0"/>
               <a:t>Or in a separate html file</a:t>
             </a:r>
-            <a:endParaRPr lang="en-US" sz="2400" dirty="0"/>
           </a:p>
         </p:txBody>
       </p:sp>
@@ -12991,144 +14162,6 @@
 </p:sld>
 </file>
 
-<file path=ppt/slides/slide8.xml><?xml version="1.0" encoding="utf-8"?>
-<p:sld xmlns:a="http://schemas.openxmlformats.org/drawingml/2006/main" xmlns:r="http://schemas.openxmlformats.org/officeDocument/2006/relationships" xmlns:p="http://schemas.openxmlformats.org/presentationml/2006/main">
-  <p:cSld>
-    <p:spTree>
-      <p:nvGrpSpPr>
-        <p:cNvPr id="1" name=""/>
-        <p:cNvGrpSpPr/>
-        <p:nvPr/>
-      </p:nvGrpSpPr>
-      <p:grpSpPr>
-        <a:xfrm>
-          <a:off x="0" y="0"/>
-          <a:ext cx="0" cy="0"/>
-          <a:chOff x="0" y="0"/>
-          <a:chExt cx="0" cy="0"/>
-        </a:xfrm>
-      </p:grpSpPr>
-      <p:sp>
-        <p:nvSpPr>
-          <p:cNvPr id="2" name="Title 1"/>
-          <p:cNvSpPr>
-            <a:spLocks noGrp="1"/>
-          </p:cNvSpPr>
-          <p:nvPr>
-            <p:ph type="title"/>
-          </p:nvPr>
-        </p:nvSpPr>
-        <p:spPr/>
-        <p:txBody>
-          <a:bodyPr/>
-          <a:lstStyle/>
-          <a:p>
-            <a:r>
-              <a:rPr lang="en-US" dirty="0" smtClean="0"/>
-              <a:t>Assets Folder</a:t>
-            </a:r>
-            <a:endParaRPr lang="en-US" dirty="0"/>
-          </a:p>
-        </p:txBody>
-      </p:sp>
-      <p:sp>
-        <p:nvSpPr>
-          <p:cNvPr id="3" name="Content Placeholder 2"/>
-          <p:cNvSpPr>
-            <a:spLocks noGrp="1"/>
-          </p:cNvSpPr>
-          <p:nvPr>
-            <p:ph sz="half" idx="1"/>
-          </p:nvPr>
-        </p:nvSpPr>
-        <p:spPr/>
-        <p:txBody>
-          <a:bodyPr>
-            <a:normAutofit/>
-          </a:bodyPr>
-          <a:lstStyle/>
-          <a:p>
-            <a:r>
-              <a:rPr lang="en-US" sz="2800" dirty="0" smtClean="0"/>
-              <a:t>Contains all assets for application.</a:t>
-            </a:r>
-          </a:p>
-          <a:p>
-            <a:r>
-              <a:rPr lang="en-US" sz="2800" dirty="0" smtClean="0"/>
-              <a:t>Non Angular assets</a:t>
-            </a:r>
-          </a:p>
-          <a:p>
-            <a:r>
-              <a:rPr lang="en-US" sz="2800" dirty="0" smtClean="0"/>
-              <a:t>Images</a:t>
-            </a:r>
-          </a:p>
-          <a:p>
-            <a:r>
-              <a:rPr lang="en-US" sz="2800" dirty="0" smtClean="0"/>
-              <a:t>CSS Files not tied to component</a:t>
-            </a:r>
-          </a:p>
-          <a:p>
-            <a:r>
-              <a:rPr lang="en-US" sz="2800" dirty="0" smtClean="0"/>
-              <a:t>Reference files as:</a:t>
-            </a:r>
-          </a:p>
-          <a:p>
-            <a:r>
-              <a:rPr lang="en-US" sz="2800" dirty="0" smtClean="0"/>
-              <a:t>/assets/…/img.jpg</a:t>
-            </a:r>
-            <a:endParaRPr lang="en-US" sz="2800" dirty="0"/>
-          </a:p>
-        </p:txBody>
-      </p:sp>
-      <p:pic>
-        <p:nvPicPr>
-          <p:cNvPr id="4" name="Picture 3"/>
-          <p:cNvPicPr>
-            <a:picLocks noChangeAspect="1"/>
-          </p:cNvPicPr>
-          <p:nvPr/>
-        </p:nvPicPr>
-        <p:blipFill>
-          <a:blip r:embed="rId3" cstate="print">
-            <a:extLst>
-              <a:ext uri="{28A0092B-C50C-407E-A947-70E740481C1C}">
-                <a14:useLocalDpi xmlns:a14="http://schemas.microsoft.com/office/drawing/2010/main" val="0"/>
-              </a:ext>
-            </a:extLst>
-          </a:blip>
-          <a:stretch>
-            <a:fillRect/>
-          </a:stretch>
-        </p:blipFill>
-        <p:spPr>
-          <a:xfrm>
-            <a:off x="6175512" y="1152983"/>
-            <a:ext cx="4816748" cy="3747028"/>
-          </a:xfrm>
-          <a:prstGeom prst="rect">
-            <a:avLst/>
-          </a:prstGeom>
-        </p:spPr>
-      </p:pic>
-    </p:spTree>
-    <p:extLst>
-      <p:ext uri="{BB962C8B-B14F-4D97-AF65-F5344CB8AC3E}">
-        <p14:creationId xmlns:p14="http://schemas.microsoft.com/office/powerpoint/2010/main" val="2354834598"/>
-      </p:ext>
-    </p:extLst>
-  </p:cSld>
-  <p:clrMapOvr>
-    <a:masterClrMapping/>
-  </p:clrMapOvr>
-</p:sld>
-</file>
-
 <file path=ppt/slides/slide9.xml><?xml version="1.0" encoding="utf-8"?>
 <p:sld xmlns:a="http://schemas.openxmlformats.org/drawingml/2006/main" xmlns:r="http://schemas.openxmlformats.org/officeDocument/2006/relationships" xmlns:p="http://schemas.openxmlformats.org/presentationml/2006/main">
   <p:cSld>
@@ -13162,83 +14195,116 @@
           <a:lstStyle/>
           <a:p>
             <a:r>
-              <a:rPr lang="en-US" dirty="0" smtClean="0"/>
-              <a:t>EXAMPLE</a:t>
-            </a:r>
-            <a:endParaRPr lang="en-US" dirty="0"/>
-          </a:p>
-        </p:txBody>
-      </p:sp>
-      <p:sp>
-        <p:nvSpPr>
-          <p:cNvPr id="3" name="Text Placeholder 2"/>
-          <p:cNvSpPr>
-            <a:spLocks noGrp="1"/>
-          </p:cNvSpPr>
-          <p:nvPr>
-            <p:ph type="body" idx="1"/>
-          </p:nvPr>
-        </p:nvSpPr>
-        <p:spPr/>
-        <p:txBody>
-          <a:bodyPr/>
-          <a:lstStyle/>
-          <a:p>
-            <a:r>
-              <a:rPr lang="en-US" dirty="0" smtClean="0"/>
-              <a:t>Angular Components and Templates</a:t>
-            </a:r>
-            <a:endParaRPr lang="en-US" dirty="0"/>
-          </a:p>
-        </p:txBody>
-      </p:sp>
-      <p:pic>
-        <p:nvPicPr>
-          <p:cNvPr id="4" name="Content Placeholder 4"/>
-          <p:cNvPicPr>
-            <a:picLocks noChangeAspect="1"/>
-          </p:cNvPicPr>
-          <p:nvPr/>
-        </p:nvPicPr>
-        <p:blipFill>
-          <a:blip r:embed="rId3">
-            <a:extLst>
-              <a:ext uri="{28A0092B-C50C-407E-A947-70E740481C1C}">
-                <a14:useLocalDpi xmlns:a14="http://schemas.microsoft.com/office/drawing/2010/main" val="0"/>
-              </a:ext>
-            </a:extLst>
-          </a:blip>
-          <a:stretch>
-            <a:fillRect/>
-          </a:stretch>
-        </p:blipFill>
+              <a:rPr lang="en-US" dirty="0"/>
+              <a:t>Template Example</a:t>
+            </a:r>
+          </a:p>
+        </p:txBody>
+      </p:sp>
+      <p:sp>
+        <p:nvSpPr>
+          <p:cNvPr id="3" name="Content Placeholder 2"/>
+          <p:cNvSpPr>
+            <a:spLocks noGrp="1"/>
+          </p:cNvSpPr>
+          <p:nvPr>
+            <p:ph idx="1"/>
+          </p:nvPr>
+        </p:nvSpPr>
         <p:spPr>
           <a:xfrm>
-            <a:off x="1154955" y="563880"/>
-            <a:ext cx="3819192" cy="3055354"/>
+            <a:off x="1103312" y="1267968"/>
+            <a:ext cx="8946541" cy="4980431"/>
           </a:xfrm>
-          <a:prstGeom prst="rect">
-            <a:avLst/>
-          </a:prstGeom>
         </p:spPr>
-      </p:pic>
+        <p:txBody>
+          <a:bodyPr>
+            <a:normAutofit/>
+          </a:bodyPr>
+          <a:lstStyle/>
+          <a:p>
+            <a:pPr marL="0" indent="0">
+              <a:buNone/>
+            </a:pPr>
+            <a:r>
+              <a:rPr lang="en-US" sz="2800" dirty="0"/>
+              <a:t>&lt;header&gt;</a:t>
+            </a:r>
+          </a:p>
+          <a:p>
+            <a:pPr marL="0" indent="0">
+              <a:buNone/>
+            </a:pPr>
+            <a:r>
+              <a:rPr lang="en-US" sz="2800" dirty="0"/>
+              <a:t>	&lt;h1&gt;Time Machine&lt;/h1&gt;</a:t>
+            </a:r>
+          </a:p>
+          <a:p>
+            <a:pPr marL="0" indent="0">
+              <a:buNone/>
+            </a:pPr>
+            <a:r>
+              <a:rPr lang="en-US" sz="2800" dirty="0"/>
+              <a:t>&lt;/header&gt;</a:t>
+            </a:r>
+          </a:p>
+          <a:p>
+            <a:pPr marL="0" indent="0">
+              <a:buNone/>
+            </a:pPr>
+            <a:r>
+              <a:rPr lang="en-US" sz="2800" dirty="0"/>
+              <a:t>&lt;</a:t>
+            </a:r>
+            <a:r>
+              <a:rPr lang="en-US" sz="2800" dirty="0" err="1"/>
+              <a:t>hr</a:t>
+            </a:r>
+            <a:r>
+              <a:rPr lang="en-US" sz="2800" dirty="0"/>
+              <a:t> /&gt;</a:t>
+            </a:r>
+          </a:p>
+          <a:p>
+            <a:pPr marL="0" indent="0">
+              <a:buNone/>
+            </a:pPr>
+            <a:r>
+              <a:rPr lang="en-US" sz="2800" dirty="0"/>
+              <a:t>&lt;p&gt;</a:t>
+            </a:r>
+          </a:p>
+          <a:p>
+            <a:pPr marL="0" indent="0">
+              <a:buNone/>
+            </a:pPr>
+            <a:r>
+              <a:rPr lang="en-US" sz="2800" dirty="0"/>
+              <a:t>	Welcome to the Time Machine. Carefully select your destination.</a:t>
+            </a:r>
+          </a:p>
+          <a:p>
+            <a:pPr marL="0" indent="0">
+              <a:buNone/>
+            </a:pPr>
+            <a:r>
+              <a:rPr lang="en-US" sz="2800" dirty="0"/>
+              <a:t>&lt;/p&gt; </a:t>
+            </a:r>
+          </a:p>
+        </p:txBody>
+      </p:sp>
     </p:spTree>
     <p:extLst>
       <p:ext uri="{BB962C8B-B14F-4D97-AF65-F5344CB8AC3E}">
-        <p14:creationId xmlns:p14="http://schemas.microsoft.com/office/powerpoint/2010/main" val="796004934"/>
+        <p14:creationId xmlns:p14="http://schemas.microsoft.com/office/powerpoint/2010/main" val="3895986339"/>
       </p:ext>
     </p:extLst>
   </p:cSld>
   <p:clrMapOvr>
     <a:masterClrMapping/>
   </p:clrMapOvr>
-  <p:timing>
-    <p:tnLst>
-      <p:par>
-        <p:cTn id="1" dur="indefinite" restart="never" nodeType="tmRoot"/>
-      </p:par>
-    </p:tnLst>
-  </p:timing>
 </p:sld>
 </file>
 
